--- a/Documentation/Group Presentation.pptx
+++ b/Documentation/Group Presentation.pptx
@@ -11,7 +11,11 @@
     <p:sldId id="259" r:id="rId5"/>
     <p:sldId id="260" r:id="rId6"/>
     <p:sldId id="261" r:id="rId7"/>
-    <p:sldId id="262" r:id="rId8"/>
+    <p:sldId id="263" r:id="rId8"/>
+    <p:sldId id="264" r:id="rId9"/>
+    <p:sldId id="265" r:id="rId10"/>
+    <p:sldId id="266" r:id="rId11"/>
+    <p:sldId id="267" r:id="rId12"/>
   </p:sldIdLst>
   <p:sldSz cx="12192000" cy="6858000"/>
   <p:notesSz cx="6858000" cy="9144000"/>
@@ -110,6 +114,11 @@
       </a:defRPr>
     </a:lvl9pPr>
   </p:defaultTextStyle>
+  <p:extLst>
+    <p:ext uri="{EFAFB233-063F-42B5-8137-9DF3F51BA10A}">
+      <p15:sldGuideLst xmlns:p15="http://schemas.microsoft.com/office/powerpoint/2012/main"/>
+    </p:ext>
+  </p:extLst>
 </p:presentation>
 </file>
 
@@ -244,7 +253,7 @@
           <a:p>
             <a:fld id="{7537D143-A3E9-46F1-8354-94C6592F23B8}" type="datetimeFigureOut">
               <a:rPr lang="en-US" smtClean="0"/>
-              <a:t>10/27/2016</a:t>
+              <a:t>10/30/2016</a:t>
             </a:fld>
             <a:endParaRPr lang="en-US"/>
           </a:p>
@@ -414,7 +423,7 @@
           <a:p>
             <a:fld id="{7537D143-A3E9-46F1-8354-94C6592F23B8}" type="datetimeFigureOut">
               <a:rPr lang="en-US" smtClean="0"/>
-              <a:t>10/27/2016</a:t>
+              <a:t>10/30/2016</a:t>
             </a:fld>
             <a:endParaRPr lang="en-US"/>
           </a:p>
@@ -594,7 +603,7 @@
           <a:p>
             <a:fld id="{7537D143-A3E9-46F1-8354-94C6592F23B8}" type="datetimeFigureOut">
               <a:rPr lang="en-US" smtClean="0"/>
-              <a:t>10/27/2016</a:t>
+              <a:t>10/30/2016</a:t>
             </a:fld>
             <a:endParaRPr lang="en-US"/>
           </a:p>
@@ -764,7 +773,7 @@
           <a:p>
             <a:fld id="{7537D143-A3E9-46F1-8354-94C6592F23B8}" type="datetimeFigureOut">
               <a:rPr lang="en-US" smtClean="0"/>
-              <a:t>10/27/2016</a:t>
+              <a:t>10/30/2016</a:t>
             </a:fld>
             <a:endParaRPr lang="en-US"/>
           </a:p>
@@ -1010,7 +1019,7 @@
           <a:p>
             <a:fld id="{7537D143-A3E9-46F1-8354-94C6592F23B8}" type="datetimeFigureOut">
               <a:rPr lang="en-US" smtClean="0"/>
-              <a:t>10/27/2016</a:t>
+              <a:t>10/30/2016</a:t>
             </a:fld>
             <a:endParaRPr lang="en-US"/>
           </a:p>
@@ -1242,7 +1251,7 @@
           <a:p>
             <a:fld id="{7537D143-A3E9-46F1-8354-94C6592F23B8}" type="datetimeFigureOut">
               <a:rPr lang="en-US" smtClean="0"/>
-              <a:t>10/27/2016</a:t>
+              <a:t>10/30/2016</a:t>
             </a:fld>
             <a:endParaRPr lang="en-US"/>
           </a:p>
@@ -1609,7 +1618,7 @@
           <a:p>
             <a:fld id="{7537D143-A3E9-46F1-8354-94C6592F23B8}" type="datetimeFigureOut">
               <a:rPr lang="en-US" smtClean="0"/>
-              <a:t>10/27/2016</a:t>
+              <a:t>10/30/2016</a:t>
             </a:fld>
             <a:endParaRPr lang="en-US"/>
           </a:p>
@@ -1727,7 +1736,7 @@
           <a:p>
             <a:fld id="{7537D143-A3E9-46F1-8354-94C6592F23B8}" type="datetimeFigureOut">
               <a:rPr lang="en-US" smtClean="0"/>
-              <a:t>10/27/2016</a:t>
+              <a:t>10/30/2016</a:t>
             </a:fld>
             <a:endParaRPr lang="en-US"/>
           </a:p>
@@ -1822,7 +1831,7 @@
           <a:p>
             <a:fld id="{7537D143-A3E9-46F1-8354-94C6592F23B8}" type="datetimeFigureOut">
               <a:rPr lang="en-US" smtClean="0"/>
-              <a:t>10/27/2016</a:t>
+              <a:t>10/30/2016</a:t>
             </a:fld>
             <a:endParaRPr lang="en-US"/>
           </a:p>
@@ -2099,7 +2108,7 @@
           <a:p>
             <a:fld id="{7537D143-A3E9-46F1-8354-94C6592F23B8}" type="datetimeFigureOut">
               <a:rPr lang="en-US" smtClean="0"/>
-              <a:t>10/27/2016</a:t>
+              <a:t>10/30/2016</a:t>
             </a:fld>
             <a:endParaRPr lang="en-US"/>
           </a:p>
@@ -2352,7 +2361,7 @@
           <a:p>
             <a:fld id="{7537D143-A3E9-46F1-8354-94C6592F23B8}" type="datetimeFigureOut">
               <a:rPr lang="en-US" smtClean="0"/>
-              <a:t>10/27/2016</a:t>
+              <a:t>10/30/2016</a:t>
             </a:fld>
             <a:endParaRPr lang="en-US"/>
           </a:p>
@@ -2565,7 +2574,7 @@
           <a:p>
             <a:fld id="{7537D143-A3E9-46F1-8354-94C6592F23B8}" type="datetimeFigureOut">
               <a:rPr lang="en-US" smtClean="0"/>
-              <a:t>10/27/2016</a:t>
+              <a:t>10/30/2016</a:t>
             </a:fld>
             <a:endParaRPr lang="en-US"/>
           </a:p>
@@ -3028,6 +3037,204 @@
 </p:sld>
 </file>
 
+<file path=ppt/slides/slide10.xml><?xml version="1.0" encoding="utf-8"?>
+<p:sld xmlns:a="http://schemas.openxmlformats.org/drawingml/2006/main" xmlns:r="http://schemas.openxmlformats.org/officeDocument/2006/relationships" xmlns:p="http://schemas.openxmlformats.org/presentationml/2006/main">
+  <p:cSld>
+    <p:spTree>
+      <p:nvGrpSpPr>
+        <p:cNvPr id="1" name=""/>
+        <p:cNvGrpSpPr/>
+        <p:nvPr/>
+      </p:nvGrpSpPr>
+      <p:grpSpPr>
+        <a:xfrm>
+          <a:off x="0" y="0"/>
+          <a:ext cx="0" cy="0"/>
+          <a:chOff x="0" y="0"/>
+          <a:chExt cx="0" cy="0"/>
+        </a:xfrm>
+      </p:grpSpPr>
+      <p:sp>
+        <p:nvSpPr>
+          <p:cNvPr id="2" name="Title 1"/>
+          <p:cNvSpPr>
+            <a:spLocks noGrp="1"/>
+          </p:cNvSpPr>
+          <p:nvPr>
+            <p:ph type="title"/>
+          </p:nvPr>
+        </p:nvSpPr>
+        <p:spPr/>
+        <p:txBody>
+          <a:bodyPr/>
+          <a:lstStyle/>
+          <a:p>
+            <a:r>
+              <a:rPr lang="en-US" dirty="0" smtClean="0"/>
+              <a:t>By Year</a:t>
+            </a:r>
+            <a:endParaRPr lang="en-US" dirty="0"/>
+          </a:p>
+        </p:txBody>
+      </p:sp>
+      <p:pic>
+        <p:nvPicPr>
+          <p:cNvPr id="4" name="Content Placeholder 3"/>
+          <p:cNvPicPr>
+            <a:picLocks noGrp="1" noChangeAspect="1"/>
+          </p:cNvPicPr>
+          <p:nvPr>
+            <p:ph idx="1"/>
+          </p:nvPr>
+        </p:nvPicPr>
+        <p:blipFill>
+          <a:blip r:embed="rId2" cstate="print">
+            <a:extLst>
+              <a:ext uri="{28A0092B-C50C-407E-A947-70E740481C1C}">
+                <a14:useLocalDpi xmlns:a14="http://schemas.microsoft.com/office/drawing/2010/main" val="0"/>
+              </a:ext>
+            </a:extLst>
+          </a:blip>
+          <a:stretch>
+            <a:fillRect/>
+          </a:stretch>
+        </p:blipFill>
+        <p:spPr>
+          <a:xfrm>
+            <a:off x="203194" y="2374901"/>
+            <a:ext cx="6286500" cy="4191000"/>
+          </a:xfrm>
+        </p:spPr>
+      </p:pic>
+      <p:pic>
+        <p:nvPicPr>
+          <p:cNvPr id="3" name="Picture 2"/>
+          <p:cNvPicPr>
+            <a:picLocks noChangeAspect="1"/>
+          </p:cNvPicPr>
+          <p:nvPr/>
+        </p:nvPicPr>
+        <p:blipFill>
+          <a:blip r:embed="rId3" cstate="print">
+            <a:extLst>
+              <a:ext uri="{28A0092B-C50C-407E-A947-70E740481C1C}">
+                <a14:useLocalDpi xmlns:a14="http://schemas.microsoft.com/office/drawing/2010/main" val="0"/>
+              </a:ext>
+            </a:extLst>
+          </a:blip>
+          <a:stretch>
+            <a:fillRect/>
+          </a:stretch>
+        </p:blipFill>
+        <p:spPr>
+          <a:xfrm>
+            <a:off x="6181128" y="2514600"/>
+            <a:ext cx="6076951" cy="4051300"/>
+          </a:xfrm>
+          <a:prstGeom prst="rect">
+            <a:avLst/>
+          </a:prstGeom>
+        </p:spPr>
+      </p:pic>
+    </p:spTree>
+    <p:extLst>
+      <p:ext uri="{BB962C8B-B14F-4D97-AF65-F5344CB8AC3E}">
+        <p14:creationId xmlns:p14="http://schemas.microsoft.com/office/powerpoint/2010/main" val="3803319259"/>
+      </p:ext>
+    </p:extLst>
+  </p:cSld>
+  <p:clrMapOvr>
+    <a:masterClrMapping/>
+  </p:clrMapOvr>
+  <p:timing>
+    <p:tnLst>
+      <p:par>
+        <p:cTn id="1" dur="indefinite" restart="never" nodeType="tmRoot"/>
+      </p:par>
+    </p:tnLst>
+  </p:timing>
+</p:sld>
+</file>
+
+<file path=ppt/slides/slide11.xml><?xml version="1.0" encoding="utf-8"?>
+<p:sld xmlns:a="http://schemas.openxmlformats.org/drawingml/2006/main" xmlns:r="http://schemas.openxmlformats.org/officeDocument/2006/relationships" xmlns:p="http://schemas.openxmlformats.org/presentationml/2006/main">
+  <p:cSld>
+    <p:spTree>
+      <p:nvGrpSpPr>
+        <p:cNvPr id="1" name=""/>
+        <p:cNvGrpSpPr/>
+        <p:nvPr/>
+      </p:nvGrpSpPr>
+      <p:grpSpPr>
+        <a:xfrm>
+          <a:off x="0" y="0"/>
+          <a:ext cx="0" cy="0"/>
+          <a:chOff x="0" y="0"/>
+          <a:chExt cx="0" cy="0"/>
+        </a:xfrm>
+      </p:grpSpPr>
+      <p:sp>
+        <p:nvSpPr>
+          <p:cNvPr id="2" name="Title 1"/>
+          <p:cNvSpPr>
+            <a:spLocks noGrp="1"/>
+          </p:cNvSpPr>
+          <p:nvPr>
+            <p:ph type="title"/>
+          </p:nvPr>
+        </p:nvSpPr>
+        <p:spPr/>
+        <p:txBody>
+          <a:bodyPr/>
+          <a:lstStyle/>
+          <a:p>
+            <a:r>
+              <a:rPr lang="en-US" dirty="0" smtClean="0"/>
+              <a:t>Combined Position and Year</a:t>
+            </a:r>
+            <a:endParaRPr lang="en-US" dirty="0"/>
+          </a:p>
+        </p:txBody>
+      </p:sp>
+      <p:sp>
+        <p:nvSpPr>
+          <p:cNvPr id="3" name="Content Placeholder 2"/>
+          <p:cNvSpPr>
+            <a:spLocks noGrp="1"/>
+          </p:cNvSpPr>
+          <p:nvPr>
+            <p:ph idx="1"/>
+          </p:nvPr>
+        </p:nvSpPr>
+        <p:spPr/>
+        <p:txBody>
+          <a:bodyPr/>
+          <a:lstStyle/>
+          <a:p>
+            <a:endParaRPr lang="en-US"/>
+          </a:p>
+        </p:txBody>
+      </p:sp>
+    </p:spTree>
+    <p:extLst>
+      <p:ext uri="{BB962C8B-B14F-4D97-AF65-F5344CB8AC3E}">
+        <p14:creationId xmlns:p14="http://schemas.microsoft.com/office/powerpoint/2010/main" val="2562410429"/>
+      </p:ext>
+    </p:extLst>
+  </p:cSld>
+  <p:clrMapOvr>
+    <a:masterClrMapping/>
+  </p:clrMapOvr>
+  <p:timing>
+    <p:tnLst>
+      <p:par>
+        <p:cTn id="1" dur="indefinite" restart="never" nodeType="tmRoot"/>
+      </p:par>
+    </p:tnLst>
+  </p:timing>
+</p:sld>
+</file>
+
 <file path=ppt/slides/slide2.xml><?xml version="1.0" encoding="utf-8"?>
 <p:sld xmlns:a="http://schemas.openxmlformats.org/drawingml/2006/main" xmlns:r="http://schemas.openxmlformats.org/officeDocument/2006/relationships" xmlns:p="http://schemas.openxmlformats.org/presentationml/2006/main">
   <p:cSld>
@@ -3483,25 +3690,284 @@
             <p:ph idx="1"/>
           </p:nvPr>
         </p:nvSpPr>
-        <p:spPr/>
-        <p:txBody>
-          <a:bodyPr/>
-          <a:lstStyle/>
-          <a:p>
-            <a:endParaRPr lang="en-US"/>
+        <p:spPr>
+          <a:xfrm>
+            <a:off x="838200" y="1838325"/>
+            <a:ext cx="10515600" cy="4351338"/>
+          </a:xfrm>
+        </p:spPr>
+        <p:txBody>
+          <a:bodyPr/>
+          <a:lstStyle/>
+          <a:p>
+            <a:r>
+              <a:rPr lang="en-US" dirty="0" smtClean="0"/>
+              <a:t>Checked difference between original rankings and end of year rankings</a:t>
+            </a:r>
+          </a:p>
+          <a:p>
+            <a:r>
+              <a:rPr lang="en-US" dirty="0"/>
+              <a:t>Two different outcomes based on treatment of </a:t>
+            </a:r>
+            <a:r>
+              <a:rPr lang="en-US" dirty="0" smtClean="0"/>
+              <a:t>NA</a:t>
+            </a:r>
+          </a:p>
+          <a:p>
+            <a:r>
+              <a:rPr lang="en-US" dirty="0" smtClean="0"/>
+              <a:t>With NA = 49, rankers weren’t very accurate</a:t>
+            </a:r>
+          </a:p>
+          <a:p>
+            <a:pPr lvl="1"/>
+            <a:r>
+              <a:rPr lang="en-US" dirty="0" smtClean="0"/>
+              <a:t>Unfairly penalized  for lack of rankings</a:t>
+            </a:r>
+          </a:p>
+          <a:p>
+            <a:r>
+              <a:rPr lang="en-US" dirty="0" smtClean="0"/>
+              <a:t>With NA removed, rankers were more accurate</a:t>
+            </a:r>
+          </a:p>
+          <a:p>
+            <a:pPr lvl="1"/>
+            <a:r>
+              <a:rPr lang="en-US" dirty="0" smtClean="0"/>
+              <a:t>Takes only their actual ranking opinions into account</a:t>
+            </a:r>
+            <a:endParaRPr lang="en-US" dirty="0"/>
+          </a:p>
+          <a:p>
+            <a:endParaRPr lang="en-US" dirty="0" smtClean="0"/>
+          </a:p>
+          <a:p>
+            <a:endParaRPr lang="en-US" dirty="0"/>
           </a:p>
         </p:txBody>
       </p:sp>
     </p:spTree>
     <p:extLst>
       <p:ext uri="{BB962C8B-B14F-4D97-AF65-F5344CB8AC3E}">
-        <p14:creationId xmlns:p14="http://schemas.microsoft.com/office/powerpoint/2010/main" val="1546159012"/>
+        <p14:creationId xmlns:p14="http://schemas.microsoft.com/office/powerpoint/2010/main" val="2350153270"/>
       </p:ext>
     </p:extLst>
   </p:cSld>
   <p:clrMapOvr>
     <a:masterClrMapping/>
   </p:clrMapOvr>
+</p:sld>
+</file>
+
+<file path=ppt/slides/slide8.xml><?xml version="1.0" encoding="utf-8"?>
+<p:sld xmlns:a="http://schemas.openxmlformats.org/drawingml/2006/main" xmlns:r="http://schemas.openxmlformats.org/officeDocument/2006/relationships" xmlns:p="http://schemas.openxmlformats.org/presentationml/2006/main">
+  <p:cSld>
+    <p:spTree>
+      <p:nvGrpSpPr>
+        <p:cNvPr id="1" name=""/>
+        <p:cNvGrpSpPr/>
+        <p:nvPr/>
+      </p:nvGrpSpPr>
+      <p:grpSpPr>
+        <a:xfrm>
+          <a:off x="0" y="0"/>
+          <a:ext cx="0" cy="0"/>
+          <a:chOff x="0" y="0"/>
+          <a:chExt cx="0" cy="0"/>
+        </a:xfrm>
+      </p:grpSpPr>
+      <p:sp>
+        <p:nvSpPr>
+          <p:cNvPr id="2" name="Title 1"/>
+          <p:cNvSpPr>
+            <a:spLocks noGrp="1"/>
+          </p:cNvSpPr>
+          <p:nvPr>
+            <p:ph type="title"/>
+          </p:nvPr>
+        </p:nvSpPr>
+        <p:spPr/>
+        <p:txBody>
+          <a:bodyPr/>
+          <a:lstStyle/>
+          <a:p>
+            <a:r>
+              <a:rPr lang="en-US" dirty="0" smtClean="0"/>
+              <a:t>Player Pool</a:t>
+            </a:r>
+            <a:endParaRPr lang="en-US" dirty="0"/>
+          </a:p>
+        </p:txBody>
+      </p:sp>
+      <p:pic>
+        <p:nvPicPr>
+          <p:cNvPr id="4" name="Content Placeholder 3"/>
+          <p:cNvPicPr>
+            <a:picLocks noGrp="1" noChangeAspect="1"/>
+          </p:cNvPicPr>
+          <p:nvPr>
+            <p:ph idx="1"/>
+          </p:nvPr>
+        </p:nvPicPr>
+        <p:blipFill>
+          <a:blip r:embed="rId2" cstate="print">
+            <a:extLst>
+              <a:ext uri="{28A0092B-C50C-407E-A947-70E740481C1C}">
+                <a14:useLocalDpi xmlns:a14="http://schemas.microsoft.com/office/drawing/2010/main" val="0"/>
+              </a:ext>
+            </a:extLst>
+          </a:blip>
+          <a:stretch>
+            <a:fillRect/>
+          </a:stretch>
+        </p:blipFill>
+        <p:spPr>
+          <a:xfrm>
+            <a:off x="406394" y="1981200"/>
+            <a:ext cx="6401996" cy="4267997"/>
+          </a:xfrm>
+        </p:spPr>
+      </p:pic>
+    </p:spTree>
+    <p:extLst>
+      <p:ext uri="{BB962C8B-B14F-4D97-AF65-F5344CB8AC3E}">
+        <p14:creationId xmlns:p14="http://schemas.microsoft.com/office/powerpoint/2010/main" val="15068437"/>
+      </p:ext>
+    </p:extLst>
+  </p:cSld>
+  <p:clrMapOvr>
+    <a:masterClrMapping/>
+  </p:clrMapOvr>
+  <p:timing>
+    <p:tnLst>
+      <p:par>
+        <p:cTn id="1" dur="indefinite" restart="never" nodeType="tmRoot"/>
+      </p:par>
+    </p:tnLst>
+  </p:timing>
+</p:sld>
+</file>
+
+<file path=ppt/slides/slide9.xml><?xml version="1.0" encoding="utf-8"?>
+<p:sld xmlns:a="http://schemas.openxmlformats.org/drawingml/2006/main" xmlns:r="http://schemas.openxmlformats.org/officeDocument/2006/relationships" xmlns:p="http://schemas.openxmlformats.org/presentationml/2006/main">
+  <p:cSld>
+    <p:spTree>
+      <p:nvGrpSpPr>
+        <p:cNvPr id="1" name=""/>
+        <p:cNvGrpSpPr/>
+        <p:nvPr/>
+      </p:nvGrpSpPr>
+      <p:grpSpPr>
+        <a:xfrm>
+          <a:off x="0" y="0"/>
+          <a:ext cx="0" cy="0"/>
+          <a:chOff x="0" y="0"/>
+          <a:chExt cx="0" cy="0"/>
+        </a:xfrm>
+      </p:grpSpPr>
+      <p:sp>
+        <p:nvSpPr>
+          <p:cNvPr id="2" name="Title 1"/>
+          <p:cNvSpPr>
+            <a:spLocks noGrp="1"/>
+          </p:cNvSpPr>
+          <p:nvPr>
+            <p:ph type="title"/>
+          </p:nvPr>
+        </p:nvSpPr>
+        <p:spPr/>
+        <p:txBody>
+          <a:bodyPr/>
+          <a:lstStyle/>
+          <a:p>
+            <a:r>
+              <a:rPr lang="en-US" dirty="0" smtClean="0"/>
+              <a:t>By Position</a:t>
+            </a:r>
+            <a:endParaRPr lang="en-US" dirty="0"/>
+          </a:p>
+        </p:txBody>
+      </p:sp>
+      <p:pic>
+        <p:nvPicPr>
+          <p:cNvPr id="4" name="Content Placeholder 3"/>
+          <p:cNvPicPr>
+            <a:picLocks noGrp="1" noChangeAspect="1"/>
+          </p:cNvPicPr>
+          <p:nvPr>
+            <p:ph idx="1"/>
+          </p:nvPr>
+        </p:nvPicPr>
+        <p:blipFill>
+          <a:blip r:embed="rId2" cstate="print">
+            <a:extLst>
+              <a:ext uri="{28A0092B-C50C-407E-A947-70E740481C1C}">
+                <a14:useLocalDpi xmlns:a14="http://schemas.microsoft.com/office/drawing/2010/main" val="0"/>
+              </a:ext>
+            </a:extLst>
+          </a:blip>
+          <a:stretch>
+            <a:fillRect/>
+          </a:stretch>
+        </p:blipFill>
+        <p:spPr>
+          <a:xfrm>
+            <a:off x="190494" y="2425701"/>
+            <a:ext cx="6153149" cy="4102099"/>
+          </a:xfrm>
+        </p:spPr>
+      </p:pic>
+      <p:pic>
+        <p:nvPicPr>
+          <p:cNvPr id="3" name="Picture 2"/>
+          <p:cNvPicPr>
+            <a:picLocks noChangeAspect="1"/>
+          </p:cNvPicPr>
+          <p:nvPr/>
+        </p:nvPicPr>
+        <p:blipFill>
+          <a:blip r:embed="rId3" cstate="print">
+            <a:extLst>
+              <a:ext uri="{28A0092B-C50C-407E-A947-70E740481C1C}">
+                <a14:useLocalDpi xmlns:a14="http://schemas.microsoft.com/office/drawing/2010/main" val="0"/>
+              </a:ext>
+            </a:extLst>
+          </a:blip>
+          <a:stretch>
+            <a:fillRect/>
+          </a:stretch>
+        </p:blipFill>
+        <p:spPr>
+          <a:xfrm>
+            <a:off x="6038851" y="2425701"/>
+            <a:ext cx="6153149" cy="4102099"/>
+          </a:xfrm>
+          <a:prstGeom prst="rect">
+            <a:avLst/>
+          </a:prstGeom>
+        </p:spPr>
+      </p:pic>
+    </p:spTree>
+    <p:extLst>
+      <p:ext uri="{BB962C8B-B14F-4D97-AF65-F5344CB8AC3E}">
+        <p14:creationId xmlns:p14="http://schemas.microsoft.com/office/powerpoint/2010/main" val="1906381855"/>
+      </p:ext>
+    </p:extLst>
+  </p:cSld>
+  <p:clrMapOvr>
+    <a:masterClrMapping/>
+  </p:clrMapOvr>
+  <p:timing>
+    <p:tnLst>
+      <p:par>
+        <p:cTn id="1" dur="indefinite" restart="never" nodeType="tmRoot"/>
+      </p:par>
+    </p:tnLst>
+  </p:timing>
 </p:sld>
 </file>
 

--- a/Documentation/Group Presentation.pptx
+++ b/Documentation/Group Presentation.pptx
@@ -253,7 +253,7 @@
           <a:p>
             <a:fld id="{7537D143-A3E9-46F1-8354-94C6592F23B8}" type="datetimeFigureOut">
               <a:rPr lang="en-US" smtClean="0"/>
-              <a:t>10/30/2016</a:t>
+              <a:t>10/31/2016</a:t>
             </a:fld>
             <a:endParaRPr lang="en-US"/>
           </a:p>
@@ -423,7 +423,7 @@
           <a:p>
             <a:fld id="{7537D143-A3E9-46F1-8354-94C6592F23B8}" type="datetimeFigureOut">
               <a:rPr lang="en-US" smtClean="0"/>
-              <a:t>10/30/2016</a:t>
+              <a:t>10/31/2016</a:t>
             </a:fld>
             <a:endParaRPr lang="en-US"/>
           </a:p>
@@ -603,7 +603,7 @@
           <a:p>
             <a:fld id="{7537D143-A3E9-46F1-8354-94C6592F23B8}" type="datetimeFigureOut">
               <a:rPr lang="en-US" smtClean="0"/>
-              <a:t>10/30/2016</a:t>
+              <a:t>10/31/2016</a:t>
             </a:fld>
             <a:endParaRPr lang="en-US"/>
           </a:p>
@@ -773,7 +773,7 @@
           <a:p>
             <a:fld id="{7537D143-A3E9-46F1-8354-94C6592F23B8}" type="datetimeFigureOut">
               <a:rPr lang="en-US" smtClean="0"/>
-              <a:t>10/30/2016</a:t>
+              <a:t>10/31/2016</a:t>
             </a:fld>
             <a:endParaRPr lang="en-US"/>
           </a:p>
@@ -1019,7 +1019,7 @@
           <a:p>
             <a:fld id="{7537D143-A3E9-46F1-8354-94C6592F23B8}" type="datetimeFigureOut">
               <a:rPr lang="en-US" smtClean="0"/>
-              <a:t>10/30/2016</a:t>
+              <a:t>10/31/2016</a:t>
             </a:fld>
             <a:endParaRPr lang="en-US"/>
           </a:p>
@@ -1251,7 +1251,7 @@
           <a:p>
             <a:fld id="{7537D143-A3E9-46F1-8354-94C6592F23B8}" type="datetimeFigureOut">
               <a:rPr lang="en-US" smtClean="0"/>
-              <a:t>10/30/2016</a:t>
+              <a:t>10/31/2016</a:t>
             </a:fld>
             <a:endParaRPr lang="en-US"/>
           </a:p>
@@ -1618,7 +1618,7 @@
           <a:p>
             <a:fld id="{7537D143-A3E9-46F1-8354-94C6592F23B8}" type="datetimeFigureOut">
               <a:rPr lang="en-US" smtClean="0"/>
-              <a:t>10/30/2016</a:t>
+              <a:t>10/31/2016</a:t>
             </a:fld>
             <a:endParaRPr lang="en-US"/>
           </a:p>
@@ -1736,7 +1736,7 @@
           <a:p>
             <a:fld id="{7537D143-A3E9-46F1-8354-94C6592F23B8}" type="datetimeFigureOut">
               <a:rPr lang="en-US" smtClean="0"/>
-              <a:t>10/30/2016</a:t>
+              <a:t>10/31/2016</a:t>
             </a:fld>
             <a:endParaRPr lang="en-US"/>
           </a:p>
@@ -1831,7 +1831,7 @@
           <a:p>
             <a:fld id="{7537D143-A3E9-46F1-8354-94C6592F23B8}" type="datetimeFigureOut">
               <a:rPr lang="en-US" smtClean="0"/>
-              <a:t>10/30/2016</a:t>
+              <a:t>10/31/2016</a:t>
             </a:fld>
             <a:endParaRPr lang="en-US"/>
           </a:p>
@@ -2108,7 +2108,7 @@
           <a:p>
             <a:fld id="{7537D143-A3E9-46F1-8354-94C6592F23B8}" type="datetimeFigureOut">
               <a:rPr lang="en-US" smtClean="0"/>
-              <a:t>10/30/2016</a:t>
+              <a:t>10/31/2016</a:t>
             </a:fld>
             <a:endParaRPr lang="en-US"/>
           </a:p>
@@ -2361,7 +2361,7 @@
           <a:p>
             <a:fld id="{7537D143-A3E9-46F1-8354-94C6592F23B8}" type="datetimeFigureOut">
               <a:rPr lang="en-US" smtClean="0"/>
-              <a:t>10/30/2016</a:t>
+              <a:t>10/31/2016</a:t>
             </a:fld>
             <a:endParaRPr lang="en-US"/>
           </a:p>
@@ -2574,7 +2574,7 @@
           <a:p>
             <a:fld id="{7537D143-A3E9-46F1-8354-94C6592F23B8}" type="datetimeFigureOut">
               <a:rPr lang="en-US" smtClean="0"/>
-              <a:t>10/30/2016</a:t>
+              <a:t>10/31/2016</a:t>
             </a:fld>
             <a:endParaRPr lang="en-US"/>
           </a:p>
@@ -3290,16 +3290,24 @@
           <a:bodyPr/>
           <a:lstStyle/>
           <a:p>
-            <a:pPr marL="0" indent="0">
-              <a:buNone/>
-            </a:pPr>
-            <a:endParaRPr lang="en-US" dirty="0"/>
-          </a:p>
-          <a:p>
             <a:r>
               <a:rPr lang="en-US" dirty="0" smtClean="0"/>
-              <a:t>Do expert grades for high school football correlate to collegiate level success?</a:t>
-            </a:r>
+              <a:t>Question:  Do </a:t>
+            </a:r>
+            <a:r>
+              <a:rPr lang="en-US" dirty="0" smtClean="0"/>
+              <a:t>expert grades for high school football correlate to collegiate level success</a:t>
+            </a:r>
+            <a:r>
+              <a:rPr lang="en-US" dirty="0" smtClean="0"/>
+              <a:t>?</a:t>
+            </a:r>
+          </a:p>
+          <a:p>
+            <a:endParaRPr lang="en-US"/>
+          </a:p>
+          <a:p>
+            <a:endParaRPr lang="en-US" dirty="0" smtClean="0"/>
           </a:p>
           <a:p>
             <a:r>

--- a/Documentation/Group Presentation.pptx
+++ b/Documentation/Group Presentation.pptx
@@ -3020,7 +3020,11 @@
           <a:bodyPr/>
           <a:lstStyle/>
           <a:p>
-            <a:endParaRPr lang="en-US"/>
+            <a:r>
+              <a:rPr lang="en-US" dirty="0" smtClean="0"/>
+              <a:t>David Sorensen, Sam Anderson, Will Cobian-Ruelas</a:t>
+            </a:r>
+            <a:endParaRPr lang="en-US" dirty="0"/>
           </a:p>
         </p:txBody>
       </p:sp>
@@ -3292,28 +3296,56 @@
           <a:p>
             <a:r>
               <a:rPr lang="en-US" dirty="0" smtClean="0"/>
-              <a:t>Question:  Do </a:t>
+              <a:t>Question: Do expert grades </a:t>
             </a:r>
             <a:r>
               <a:rPr lang="en-US" dirty="0" smtClean="0"/>
-              <a:t>expert grades for high school football correlate to collegiate level success</a:t>
+              <a:t>for high school football correlate to collegiate level </a:t>
             </a:r>
             <a:r>
               <a:rPr lang="en-US" dirty="0" smtClean="0"/>
-              <a:t>?</a:t>
-            </a:r>
-          </a:p>
-          <a:p>
-            <a:endParaRPr lang="en-US"/>
-          </a:p>
-          <a:p>
+              <a:t>success?</a:t>
+            </a:r>
+          </a:p>
+          <a:p>
+            <a:pPr marL="0" indent="0">
+              <a:buNone/>
+            </a:pPr>
+            <a:endParaRPr lang="en-US" dirty="0"/>
+          </a:p>
+          <a:p>
+            <a:r>
+              <a:rPr lang="en-US" dirty="0" smtClean="0"/>
+              <a:t>Analysis: Compare high </a:t>
+            </a:r>
+            <a:r>
+              <a:rPr lang="en-US" dirty="0" smtClean="0"/>
+              <a:t>school football recruiting rankings and college statistics for offensive skills </a:t>
+            </a:r>
+            <a:r>
+              <a:rPr lang="en-US" dirty="0" smtClean="0"/>
+              <a:t>player.</a:t>
+            </a:r>
+          </a:p>
+          <a:p>
+            <a:pPr marL="457200" lvl="1" indent="0">
+              <a:buNone/>
+            </a:pPr>
             <a:endParaRPr lang="en-US" dirty="0" smtClean="0"/>
           </a:p>
           <a:p>
+            <a:pPr marL="457200" lvl="1" indent="0">
+              <a:buNone/>
+            </a:pPr>
             <a:r>
               <a:rPr lang="en-US" dirty="0" smtClean="0"/>
-              <a:t>Analyze high school football recruiting rankings and college statistics for offensive skills player</a:t>
-            </a:r>
+              <a:t> </a:t>
+            </a:r>
+            <a:endParaRPr lang="en-US" dirty="0" smtClean="0"/>
+          </a:p>
+          <a:p>
+            <a:pPr lvl="1"/>
+            <a:endParaRPr lang="en-US" dirty="0" smtClean="0"/>
           </a:p>
           <a:p>
             <a:endParaRPr lang="en-US" dirty="0"/>
@@ -3367,7 +3399,7 @@
           <a:p>
             <a:r>
               <a:rPr lang="en-US" dirty="0" smtClean="0"/>
-              <a:t>Getting the Data</a:t>
+              <a:t>The Data</a:t>
             </a:r>
             <a:endParaRPr lang="en-US" dirty="0"/>
           </a:p>
@@ -3385,37 +3417,90 @@
         </p:nvSpPr>
         <p:spPr/>
         <p:txBody>
-          <a:bodyPr/>
+          <a:bodyPr>
+            <a:normAutofit/>
+          </a:bodyPr>
           <a:lstStyle/>
           <a:p>
             <a:r>
               <a:rPr lang="en-US" dirty="0" smtClean="0"/>
-              <a:t>Data sources</a:t>
+              <a:t>Multiple years of high school recruit rankings and subsequent years of collegiate level performance</a:t>
             </a:r>
           </a:p>
           <a:p>
             <a:pPr lvl="1"/>
             <a:r>
               <a:rPr lang="en-US" dirty="0" smtClean="0"/>
-              <a:t>College Football Stats </a:t>
-            </a:r>
+              <a:t>Complete data for the years 2006-2014 was found</a:t>
+            </a:r>
+            <a:r>
+              <a:rPr lang="en-US" dirty="0" smtClean="0"/>
+              <a:t> </a:t>
+            </a:r>
+            <a:endParaRPr lang="en-US" dirty="0"/>
+          </a:p>
+          <a:p>
+            <a:r>
+              <a:rPr lang="en-US" dirty="0" smtClean="0"/>
+              <a:t>Sources</a:t>
+            </a:r>
+            <a:endParaRPr lang="en-US" dirty="0" smtClean="0"/>
           </a:p>
           <a:p>
             <a:pPr lvl="1"/>
             <a:r>
               <a:rPr lang="en-US" dirty="0" smtClean="0"/>
-              <a:t>ESPN College Football High School Recruits</a:t>
-            </a:r>
+              <a:t>College Football </a:t>
+            </a:r>
+            <a:r>
+              <a:rPr lang="en-US" dirty="0" smtClean="0"/>
+              <a:t>Stats</a:t>
+            </a:r>
+          </a:p>
+          <a:p>
+            <a:pPr lvl="2"/>
+            <a:r>
+              <a:rPr lang="en-US" dirty="0" smtClean="0"/>
+              <a:t>Individual player stats</a:t>
+            </a:r>
+            <a:endParaRPr lang="en-US" dirty="0" smtClean="0"/>
           </a:p>
           <a:p>
             <a:pPr lvl="1"/>
+            <a:r>
+              <a:rPr lang="en-US" dirty="0" smtClean="0"/>
+              <a:t>ESPN </a:t>
+            </a:r>
+            <a:r>
+              <a:rPr lang="en-US" dirty="0" smtClean="0"/>
+              <a:t>College Football High School </a:t>
+            </a:r>
+            <a:r>
+              <a:rPr lang="en-US" dirty="0" smtClean="0"/>
+              <a:t>Recruits</a:t>
+            </a:r>
+          </a:p>
+          <a:p>
+            <a:pPr lvl="2"/>
+            <a:r>
+              <a:rPr lang="en-US" dirty="0" smtClean="0"/>
+              <a:t>Individual high school grades</a:t>
+            </a:r>
+            <a:endParaRPr lang="en-US" dirty="0"/>
+          </a:p>
+          <a:p>
+            <a:r>
+              <a:rPr lang="en-US" dirty="0" smtClean="0"/>
+              <a:t>Scrape data</a:t>
+            </a:r>
             <a:endParaRPr lang="en-US" dirty="0" smtClean="0"/>
           </a:p>
           <a:p>
-            <a:pPr marL="0" indent="0">
-              <a:buNone/>
-            </a:pPr>
-            <a:endParaRPr lang="en-US" dirty="0"/>
+            <a:pPr lvl="1"/>
+            <a:r>
+              <a:rPr lang="en-US" dirty="0" smtClean="0"/>
+              <a:t>Multiple CSVs with relevant information generated per year</a:t>
+            </a:r>
           </a:p>
         </p:txBody>
       </p:sp>

--- a/Documentation/Group Presentation.pptx
+++ b/Documentation/Group Presentation.pptx
@@ -253,7 +253,7 @@
           <a:p>
             <a:fld id="{7537D143-A3E9-46F1-8354-94C6592F23B8}" type="datetimeFigureOut">
               <a:rPr lang="en-US" smtClean="0"/>
-              <a:t>10/31/2016</a:t>
+              <a:t>11/1/2016</a:t>
             </a:fld>
             <a:endParaRPr lang="en-US"/>
           </a:p>
@@ -423,7 +423,7 @@
           <a:p>
             <a:fld id="{7537D143-A3E9-46F1-8354-94C6592F23B8}" type="datetimeFigureOut">
               <a:rPr lang="en-US" smtClean="0"/>
-              <a:t>10/31/2016</a:t>
+              <a:t>11/1/2016</a:t>
             </a:fld>
             <a:endParaRPr lang="en-US"/>
           </a:p>
@@ -603,7 +603,7 @@
           <a:p>
             <a:fld id="{7537D143-A3E9-46F1-8354-94C6592F23B8}" type="datetimeFigureOut">
               <a:rPr lang="en-US" smtClean="0"/>
-              <a:t>10/31/2016</a:t>
+              <a:t>11/1/2016</a:t>
             </a:fld>
             <a:endParaRPr lang="en-US"/>
           </a:p>
@@ -773,7 +773,7 @@
           <a:p>
             <a:fld id="{7537D143-A3E9-46F1-8354-94C6592F23B8}" type="datetimeFigureOut">
               <a:rPr lang="en-US" smtClean="0"/>
-              <a:t>10/31/2016</a:t>
+              <a:t>11/1/2016</a:t>
             </a:fld>
             <a:endParaRPr lang="en-US"/>
           </a:p>
@@ -1019,7 +1019,7 @@
           <a:p>
             <a:fld id="{7537D143-A3E9-46F1-8354-94C6592F23B8}" type="datetimeFigureOut">
               <a:rPr lang="en-US" smtClean="0"/>
-              <a:t>10/31/2016</a:t>
+              <a:t>11/1/2016</a:t>
             </a:fld>
             <a:endParaRPr lang="en-US"/>
           </a:p>
@@ -1251,7 +1251,7 @@
           <a:p>
             <a:fld id="{7537D143-A3E9-46F1-8354-94C6592F23B8}" type="datetimeFigureOut">
               <a:rPr lang="en-US" smtClean="0"/>
-              <a:t>10/31/2016</a:t>
+              <a:t>11/1/2016</a:t>
             </a:fld>
             <a:endParaRPr lang="en-US"/>
           </a:p>
@@ -1618,7 +1618,7 @@
           <a:p>
             <a:fld id="{7537D143-A3E9-46F1-8354-94C6592F23B8}" type="datetimeFigureOut">
               <a:rPr lang="en-US" smtClean="0"/>
-              <a:t>10/31/2016</a:t>
+              <a:t>11/1/2016</a:t>
             </a:fld>
             <a:endParaRPr lang="en-US"/>
           </a:p>
@@ -1736,7 +1736,7 @@
           <a:p>
             <a:fld id="{7537D143-A3E9-46F1-8354-94C6592F23B8}" type="datetimeFigureOut">
               <a:rPr lang="en-US" smtClean="0"/>
-              <a:t>10/31/2016</a:t>
+              <a:t>11/1/2016</a:t>
             </a:fld>
             <a:endParaRPr lang="en-US"/>
           </a:p>
@@ -1831,7 +1831,7 @@
           <a:p>
             <a:fld id="{7537D143-A3E9-46F1-8354-94C6592F23B8}" type="datetimeFigureOut">
               <a:rPr lang="en-US" smtClean="0"/>
-              <a:t>10/31/2016</a:t>
+              <a:t>11/1/2016</a:t>
             </a:fld>
             <a:endParaRPr lang="en-US"/>
           </a:p>
@@ -2108,7 +2108,7 @@
           <a:p>
             <a:fld id="{7537D143-A3E9-46F1-8354-94C6592F23B8}" type="datetimeFigureOut">
               <a:rPr lang="en-US" smtClean="0"/>
-              <a:t>10/31/2016</a:t>
+              <a:t>11/1/2016</a:t>
             </a:fld>
             <a:endParaRPr lang="en-US"/>
           </a:p>
@@ -2361,7 +2361,7 @@
           <a:p>
             <a:fld id="{7537D143-A3E9-46F1-8354-94C6592F23B8}" type="datetimeFigureOut">
               <a:rPr lang="en-US" smtClean="0"/>
-              <a:t>10/31/2016</a:t>
+              <a:t>11/1/2016</a:t>
             </a:fld>
             <a:endParaRPr lang="en-US"/>
           </a:p>
@@ -2574,7 +2574,7 @@
           <a:p>
             <a:fld id="{7537D143-A3E9-46F1-8354-94C6592F23B8}" type="datetimeFigureOut">
               <a:rPr lang="en-US" smtClean="0"/>
-              <a:t>10/31/2016</a:t>
+              <a:t>11/1/2016</a:t>
             </a:fld>
             <a:endParaRPr lang="en-US"/>
           </a:p>
@@ -3105,14 +3105,14 @@
         </p:blipFill>
         <p:spPr>
           <a:xfrm>
-            <a:off x="203194" y="2374901"/>
+            <a:off x="0" y="2374901"/>
             <a:ext cx="6286500" cy="4191000"/>
           </a:xfrm>
         </p:spPr>
       </p:pic>
       <p:pic>
         <p:nvPicPr>
-          <p:cNvPr id="3" name="Picture 2"/>
+          <p:cNvPr id="5" name="Picture 4"/>
           <p:cNvPicPr>
             <a:picLocks noChangeAspect="1"/>
           </p:cNvPicPr>
@@ -3132,8 +3132,8 @@
         </p:blipFill>
         <p:spPr>
           <a:xfrm>
-            <a:off x="6181128" y="2514600"/>
-            <a:ext cx="6076951" cy="4051300"/>
+            <a:off x="6076946" y="2374901"/>
+            <a:ext cx="6115054" cy="4076702"/>
           </a:xfrm>
           <a:prstGeom prst="rect">
             <a:avLst/>
@@ -3200,25 +3200,35 @@
           </a:p>
         </p:txBody>
       </p:sp>
-      <p:sp>
-        <p:nvSpPr>
-          <p:cNvPr id="3" name="Content Placeholder 2"/>
-          <p:cNvSpPr>
-            <a:spLocks noGrp="1"/>
-          </p:cNvSpPr>
+      <p:pic>
+        <p:nvPicPr>
+          <p:cNvPr id="4" name="Content Placeholder 3"/>
+          <p:cNvPicPr>
+            <a:picLocks noGrp="1" noChangeAspect="1"/>
+          </p:cNvPicPr>
           <p:nvPr>
             <p:ph idx="1"/>
           </p:nvPr>
-        </p:nvSpPr>
-        <p:spPr/>
-        <p:txBody>
-          <a:bodyPr/>
-          <a:lstStyle/>
-          <a:p>
-            <a:endParaRPr lang="en-US"/>
-          </a:p>
-        </p:txBody>
-      </p:sp>
+        </p:nvPicPr>
+        <p:blipFill>
+          <a:blip r:embed="rId2" cstate="print">
+            <a:extLst>
+              <a:ext uri="{28A0092B-C50C-407E-A947-70E740481C1C}">
+                <a14:useLocalDpi xmlns:a14="http://schemas.microsoft.com/office/drawing/2010/main" val="0"/>
+              </a:ext>
+            </a:extLst>
+          </a:blip>
+          <a:stretch>
+            <a:fillRect/>
+          </a:stretch>
+        </p:blipFill>
+        <p:spPr>
+          <a:xfrm>
+            <a:off x="1879600" y="1486693"/>
+            <a:ext cx="7988300" cy="5325533"/>
+          </a:xfrm>
+        </p:spPr>
+      </p:pic>
     </p:spTree>
     <p:extLst>
       <p:ext uri="{BB962C8B-B14F-4D97-AF65-F5344CB8AC3E}">
@@ -3296,15 +3306,7 @@
           <a:p>
             <a:r>
               <a:rPr lang="en-US" dirty="0" smtClean="0"/>
-              <a:t>Question: Do expert grades </a:t>
-            </a:r>
-            <a:r>
-              <a:rPr lang="en-US" dirty="0" smtClean="0"/>
-              <a:t>for high school football correlate to collegiate level </a:t>
-            </a:r>
-            <a:r>
-              <a:rPr lang="en-US" dirty="0" smtClean="0"/>
-              <a:t>success?</a:t>
+              <a:t>Question: Do expert grades for high school football correlate to collegiate level success?</a:t>
             </a:r>
           </a:p>
           <a:p>
@@ -3316,15 +3318,7 @@
           <a:p>
             <a:r>
               <a:rPr lang="en-US" dirty="0" smtClean="0"/>
-              <a:t>Analysis: Compare high </a:t>
-            </a:r>
-            <a:r>
-              <a:rPr lang="en-US" dirty="0" smtClean="0"/>
-              <a:t>school football recruiting rankings and college statistics for offensive skills </a:t>
-            </a:r>
-            <a:r>
-              <a:rPr lang="en-US" dirty="0" smtClean="0"/>
-              <a:t>player.</a:t>
+              <a:t>Analysis: Compare high school football recruiting rankings and college statistics for offensive skills player.</a:t>
             </a:r>
           </a:p>
           <a:p>
@@ -3341,7 +3335,6 @@
               <a:rPr lang="en-US" dirty="0" smtClean="0"/>
               <a:t> </a:t>
             </a:r>
-            <a:endParaRPr lang="en-US" dirty="0" smtClean="0"/>
           </a:p>
           <a:p>
             <a:pPr lvl="1"/>
@@ -3431,11 +3424,7 @@
             <a:pPr lvl="1"/>
             <a:r>
               <a:rPr lang="en-US" dirty="0" smtClean="0"/>
-              <a:t>Complete data for the years 2006-2014 was found</a:t>
-            </a:r>
-            <a:r>
-              <a:rPr lang="en-US" dirty="0" smtClean="0"/>
-              <a:t> </a:t>
+              <a:t>Complete data for the years 2006-2014 was found </a:t>
             </a:r>
             <a:endParaRPr lang="en-US" dirty="0"/>
           </a:p>
@@ -3444,17 +3433,12 @@
               <a:rPr lang="en-US" dirty="0" smtClean="0"/>
               <a:t>Sources</a:t>
             </a:r>
-            <a:endParaRPr lang="en-US" dirty="0" smtClean="0"/>
           </a:p>
           <a:p>
             <a:pPr lvl="1"/>
             <a:r>
               <a:rPr lang="en-US" dirty="0" smtClean="0"/>
-              <a:t>College Football </a:t>
-            </a:r>
-            <a:r>
-              <a:rPr lang="en-US" dirty="0" smtClean="0"/>
-              <a:t>Stats</a:t>
+              <a:t>College Football Stats</a:t>
             </a:r>
           </a:p>
           <a:p>
@@ -3463,21 +3447,12 @@
               <a:rPr lang="en-US" dirty="0" smtClean="0"/>
               <a:t>Individual player stats</a:t>
             </a:r>
-            <a:endParaRPr lang="en-US" dirty="0" smtClean="0"/>
           </a:p>
           <a:p>
             <a:pPr lvl="1"/>
             <a:r>
               <a:rPr lang="en-US" dirty="0" smtClean="0"/>
-              <a:t>ESPN </a:t>
-            </a:r>
-            <a:r>
-              <a:rPr lang="en-US" dirty="0" smtClean="0"/>
-              <a:t>College Football High School </a:t>
-            </a:r>
-            <a:r>
-              <a:rPr lang="en-US" dirty="0" smtClean="0"/>
-              <a:t>Recruits</a:t>
+              <a:t>ESPN College Football High School Recruits</a:t>
             </a:r>
           </a:p>
           <a:p>
@@ -3493,7 +3468,6 @@
               <a:rPr lang="en-US" dirty="0" smtClean="0"/>
               <a:t>Scrape data</a:t>
             </a:r>
-            <a:endParaRPr lang="en-US" dirty="0" smtClean="0"/>
           </a:p>
           <a:p>
             <a:pPr lvl="1"/>
@@ -4009,14 +3983,14 @@
         </p:blipFill>
         <p:spPr>
           <a:xfrm>
-            <a:off x="190494" y="2425701"/>
+            <a:off x="0" y="2425701"/>
             <a:ext cx="6153149" cy="4102099"/>
           </a:xfrm>
         </p:spPr>
       </p:pic>
       <p:pic>
         <p:nvPicPr>
-          <p:cNvPr id="3" name="Picture 2"/>
+          <p:cNvPr id="5" name="Picture 4"/>
           <p:cNvPicPr>
             <a:picLocks noChangeAspect="1"/>
           </p:cNvPicPr>

--- a/Documentation/Group Presentation.pptx
+++ b/Documentation/Group Presentation.pptx
@@ -2,7 +2,7 @@
 <file path=ppt/presentation.xml><?xml version="1.0" encoding="utf-8"?>
 <p:presentation xmlns:a="http://schemas.openxmlformats.org/drawingml/2006/main" xmlns:r="http://schemas.openxmlformats.org/officeDocument/2006/relationships" xmlns:p="http://schemas.openxmlformats.org/presentationml/2006/main" saveSubsetFonts="1">
   <p:sldMasterIdLst>
-    <p:sldMasterId id="2147483648" r:id="rId1"/>
+    <p:sldMasterId id="2147483660" r:id="rId1"/>
   </p:sldMasterIdLst>
   <p:sldIdLst>
     <p:sldId id="256" r:id="rId2"/>
@@ -151,15 +151,15 @@
         </p:nvSpPr>
         <p:spPr>
           <a:xfrm>
-            <a:off x="1524000" y="1122363"/>
-            <a:ext cx="9144000" cy="2387600"/>
+            <a:off x="1154955" y="1447800"/>
+            <a:ext cx="8825658" cy="3329581"/>
           </a:xfrm>
         </p:spPr>
         <p:txBody>
           <a:bodyPr anchor="b"/>
           <a:lstStyle>
-            <a:lvl1pPr algn="ctr">
-              <a:defRPr sz="6000"/>
+            <a:lvl1pPr>
+              <a:defRPr sz="7200"/>
             </a:lvl1pPr>
           </a:lstStyle>
           <a:p>
@@ -167,7 +167,7 @@
               <a:rPr lang="en-US" smtClean="0"/>
               <a:t>Click to edit Master title style</a:t>
             </a:r>
-            <a:endParaRPr lang="en-US"/>
+            <a:endParaRPr lang="en-US" dirty="0"/>
           </a:p>
         </p:txBody>
       </p:sp>
@@ -183,48 +183,103 @@
         </p:nvSpPr>
         <p:spPr>
           <a:xfrm>
-            <a:off x="1524000" y="3602038"/>
-            <a:ext cx="9144000" cy="1655762"/>
+            <a:off x="1154955" y="4777380"/>
+            <a:ext cx="8825658" cy="861420"/>
           </a:xfrm>
         </p:spPr>
         <p:txBody>
-          <a:bodyPr/>
+          <a:bodyPr anchor="t"/>
           <a:lstStyle>
-            <a:lvl1pPr marL="0" indent="0" algn="ctr">
-              <a:buNone/>
-              <a:defRPr sz="2400"/>
+            <a:lvl1pPr marL="0" indent="0" algn="l">
+              <a:buNone/>
+              <a:defRPr cap="all">
+                <a:solidFill>
+                  <a:schemeClr val="bg2">
+                    <a:lumMod val="40000"/>
+                    <a:lumOff val="60000"/>
+                  </a:schemeClr>
+                </a:solidFill>
+              </a:defRPr>
             </a:lvl1pPr>
             <a:lvl2pPr marL="457200" indent="0" algn="ctr">
               <a:buNone/>
-              <a:defRPr sz="2000"/>
+              <a:defRPr>
+                <a:solidFill>
+                  <a:schemeClr val="tx1">
+                    <a:tint val="75000"/>
+                  </a:schemeClr>
+                </a:solidFill>
+              </a:defRPr>
             </a:lvl2pPr>
             <a:lvl3pPr marL="914400" indent="0" algn="ctr">
               <a:buNone/>
-              <a:defRPr sz="1800"/>
+              <a:defRPr>
+                <a:solidFill>
+                  <a:schemeClr val="tx1">
+                    <a:tint val="75000"/>
+                  </a:schemeClr>
+                </a:solidFill>
+              </a:defRPr>
             </a:lvl3pPr>
             <a:lvl4pPr marL="1371600" indent="0" algn="ctr">
               <a:buNone/>
-              <a:defRPr sz="1600"/>
+              <a:defRPr>
+                <a:solidFill>
+                  <a:schemeClr val="tx1">
+                    <a:tint val="75000"/>
+                  </a:schemeClr>
+                </a:solidFill>
+              </a:defRPr>
             </a:lvl4pPr>
             <a:lvl5pPr marL="1828800" indent="0" algn="ctr">
               <a:buNone/>
-              <a:defRPr sz="1600"/>
+              <a:defRPr>
+                <a:solidFill>
+                  <a:schemeClr val="tx1">
+                    <a:tint val="75000"/>
+                  </a:schemeClr>
+                </a:solidFill>
+              </a:defRPr>
             </a:lvl5pPr>
             <a:lvl6pPr marL="2286000" indent="0" algn="ctr">
               <a:buNone/>
-              <a:defRPr sz="1600"/>
+              <a:defRPr>
+                <a:solidFill>
+                  <a:schemeClr val="tx1">
+                    <a:tint val="75000"/>
+                  </a:schemeClr>
+                </a:solidFill>
+              </a:defRPr>
             </a:lvl6pPr>
             <a:lvl7pPr marL="2743200" indent="0" algn="ctr">
               <a:buNone/>
-              <a:defRPr sz="1600"/>
+              <a:defRPr>
+                <a:solidFill>
+                  <a:schemeClr val="tx1">
+                    <a:tint val="75000"/>
+                  </a:schemeClr>
+                </a:solidFill>
+              </a:defRPr>
             </a:lvl7pPr>
             <a:lvl8pPr marL="3200400" indent="0" algn="ctr">
               <a:buNone/>
-              <a:defRPr sz="1600"/>
+              <a:defRPr>
+                <a:solidFill>
+                  <a:schemeClr val="tx1">
+                    <a:tint val="75000"/>
+                  </a:schemeClr>
+                </a:solidFill>
+              </a:defRPr>
             </a:lvl8pPr>
             <a:lvl9pPr marL="3657600" indent="0" algn="ctr">
               <a:buNone/>
-              <a:defRPr sz="1600"/>
+              <a:defRPr>
+                <a:solidFill>
+                  <a:schemeClr val="tx1">
+                    <a:tint val="75000"/>
+                  </a:schemeClr>
+                </a:solidFill>
+              </a:defRPr>
             </a:lvl9pPr>
           </a:lstStyle>
           <a:p>
@@ -232,7 +287,7 @@
               <a:rPr lang="en-US" smtClean="0"/>
               <a:t>Click to edit Master subtitle style</a:t>
             </a:r>
-            <a:endParaRPr lang="en-US"/>
+            <a:endParaRPr lang="en-US" dirty="0"/>
           </a:p>
         </p:txBody>
       </p:sp>
@@ -304,7 +359,7 @@
     </p:spTree>
     <p:extLst>
       <p:ext uri="{BB962C8B-B14F-4D97-AF65-F5344CB8AC3E}">
-        <p14:creationId xmlns:p14="http://schemas.microsoft.com/office/powerpoint/2010/main" val="2346612157"/>
+        <p14:creationId xmlns:p14="http://schemas.microsoft.com/office/powerpoint/2010/main" val="527467087"/>
       </p:ext>
     </p:extLst>
   </p:cSld>
@@ -315,6 +370,2572 @@
 </file>
 
 <file path=ppt/slideLayouts/slideLayout10.xml><?xml version="1.0" encoding="utf-8"?>
+<p:sldLayout xmlns:a="http://schemas.openxmlformats.org/drawingml/2006/main" xmlns:r="http://schemas.openxmlformats.org/officeDocument/2006/relationships" xmlns:p="http://schemas.openxmlformats.org/presentationml/2006/main" preserve="1">
+  <p:cSld name="Panoramic Picture with Caption">
+    <p:spTree>
+      <p:nvGrpSpPr>
+        <p:cNvPr id="1" name=""/>
+        <p:cNvGrpSpPr/>
+        <p:nvPr/>
+      </p:nvGrpSpPr>
+      <p:grpSpPr>
+        <a:xfrm>
+          <a:off x="0" y="0"/>
+          <a:ext cx="0" cy="0"/>
+          <a:chOff x="0" y="0"/>
+          <a:chExt cx="0" cy="0"/>
+        </a:xfrm>
+      </p:grpSpPr>
+      <p:sp>
+        <p:nvSpPr>
+          <p:cNvPr id="2" name="Title 1"/>
+          <p:cNvSpPr>
+            <a:spLocks noGrp="1"/>
+          </p:cNvSpPr>
+          <p:nvPr>
+            <p:ph type="title"/>
+          </p:nvPr>
+        </p:nvSpPr>
+        <p:spPr>
+          <a:xfrm>
+            <a:off x="1154956" y="4800587"/>
+            <a:ext cx="8825657" cy="566738"/>
+          </a:xfrm>
+        </p:spPr>
+        <p:txBody>
+          <a:bodyPr anchor="b">
+            <a:normAutofit/>
+          </a:bodyPr>
+          <a:lstStyle>
+            <a:lvl1pPr algn="l">
+              <a:defRPr sz="2400" b="0"/>
+            </a:lvl1pPr>
+          </a:lstStyle>
+          <a:p>
+            <a:r>
+              <a:rPr lang="en-US" smtClean="0"/>
+              <a:t>Click to edit Master title style</a:t>
+            </a:r>
+            <a:endParaRPr lang="en-US" dirty="0"/>
+          </a:p>
+        </p:txBody>
+      </p:sp>
+      <p:sp>
+        <p:nvSpPr>
+          <p:cNvPr id="3" name="Picture Placeholder 2"/>
+          <p:cNvSpPr>
+            <a:spLocks noGrp="1" noChangeAspect="1"/>
+          </p:cNvSpPr>
+          <p:nvPr>
+            <p:ph type="pic" idx="1"/>
+          </p:nvPr>
+        </p:nvSpPr>
+        <p:spPr>
+          <a:xfrm>
+            <a:off x="1154955" y="685800"/>
+            <a:ext cx="8825658" cy="3640666"/>
+          </a:xfrm>
+          <a:prstGeom prst="roundRect">
+            <a:avLst>
+              <a:gd name="adj" fmla="val 1858"/>
+            </a:avLst>
+          </a:prstGeom>
+          <a:effectLst>
+            <a:outerShdw blurRad="50800" dist="50800" dir="5400000" algn="tl" rotWithShape="0">
+              <a:srgbClr val="000000">
+                <a:alpha val="43000"/>
+              </a:srgbClr>
+            </a:outerShdw>
+          </a:effectLst>
+        </p:spPr>
+        <p:txBody>
+          <a:bodyPr anchor="t">
+            <a:normAutofit/>
+          </a:bodyPr>
+          <a:lstStyle>
+            <a:lvl1pPr marL="0" indent="0" algn="ctr">
+              <a:buNone/>
+              <a:defRPr sz="1600"/>
+            </a:lvl1pPr>
+            <a:lvl2pPr marL="457200" indent="0">
+              <a:buNone/>
+              <a:defRPr sz="1600"/>
+            </a:lvl2pPr>
+            <a:lvl3pPr marL="914400" indent="0">
+              <a:buNone/>
+              <a:defRPr sz="1600"/>
+            </a:lvl3pPr>
+            <a:lvl4pPr marL="1371600" indent="0">
+              <a:buNone/>
+              <a:defRPr sz="1600"/>
+            </a:lvl4pPr>
+            <a:lvl5pPr marL="1828800" indent="0">
+              <a:buNone/>
+              <a:defRPr sz="1600"/>
+            </a:lvl5pPr>
+            <a:lvl6pPr marL="2286000" indent="0">
+              <a:buNone/>
+              <a:defRPr sz="1600"/>
+            </a:lvl6pPr>
+            <a:lvl7pPr marL="2743200" indent="0">
+              <a:buNone/>
+              <a:defRPr sz="1600"/>
+            </a:lvl7pPr>
+            <a:lvl8pPr marL="3200400" indent="0">
+              <a:buNone/>
+              <a:defRPr sz="1600"/>
+            </a:lvl8pPr>
+            <a:lvl9pPr marL="3657600" indent="0">
+              <a:buNone/>
+              <a:defRPr sz="1600"/>
+            </a:lvl9pPr>
+          </a:lstStyle>
+          <a:p>
+            <a:r>
+              <a:rPr lang="en-US" smtClean="0"/>
+              <a:t>Click icon to add picture</a:t>
+            </a:r>
+            <a:endParaRPr lang="en-US" dirty="0"/>
+          </a:p>
+        </p:txBody>
+      </p:sp>
+      <p:sp>
+        <p:nvSpPr>
+          <p:cNvPr id="4" name="Text Placeholder 3"/>
+          <p:cNvSpPr>
+            <a:spLocks noGrp="1"/>
+          </p:cNvSpPr>
+          <p:nvPr>
+            <p:ph type="body" sz="half" idx="2"/>
+          </p:nvPr>
+        </p:nvSpPr>
+        <p:spPr>
+          <a:xfrm>
+            <a:off x="1154956" y="5367325"/>
+            <a:ext cx="8825656" cy="493712"/>
+          </a:xfrm>
+        </p:spPr>
+        <p:txBody>
+          <a:bodyPr>
+            <a:normAutofit/>
+          </a:bodyPr>
+          <a:lstStyle>
+            <a:lvl1pPr marL="0" indent="0">
+              <a:buNone/>
+              <a:defRPr sz="1200"/>
+            </a:lvl1pPr>
+            <a:lvl2pPr marL="457200" indent="0">
+              <a:buNone/>
+              <a:defRPr sz="1200"/>
+            </a:lvl2pPr>
+            <a:lvl3pPr marL="914400" indent="0">
+              <a:buNone/>
+              <a:defRPr sz="1000"/>
+            </a:lvl3pPr>
+            <a:lvl4pPr marL="1371600" indent="0">
+              <a:buNone/>
+              <a:defRPr sz="900"/>
+            </a:lvl4pPr>
+            <a:lvl5pPr marL="1828800" indent="0">
+              <a:buNone/>
+              <a:defRPr sz="900"/>
+            </a:lvl5pPr>
+            <a:lvl6pPr marL="2286000" indent="0">
+              <a:buNone/>
+              <a:defRPr sz="900"/>
+            </a:lvl6pPr>
+            <a:lvl7pPr marL="2743200" indent="0">
+              <a:buNone/>
+              <a:defRPr sz="900"/>
+            </a:lvl7pPr>
+            <a:lvl8pPr marL="3200400" indent="0">
+              <a:buNone/>
+              <a:defRPr sz="900"/>
+            </a:lvl8pPr>
+            <a:lvl9pPr marL="3657600" indent="0">
+              <a:buNone/>
+              <a:defRPr sz="900"/>
+            </a:lvl9pPr>
+          </a:lstStyle>
+          <a:p>
+            <a:pPr lvl="0"/>
+            <a:r>
+              <a:rPr lang="en-US" smtClean="0"/>
+              <a:t>Click to edit Master text styles</a:t>
+            </a:r>
+          </a:p>
+        </p:txBody>
+      </p:sp>
+      <p:sp>
+        <p:nvSpPr>
+          <p:cNvPr id="5" name="Date Placeholder 4"/>
+          <p:cNvSpPr>
+            <a:spLocks noGrp="1"/>
+          </p:cNvSpPr>
+          <p:nvPr>
+            <p:ph type="dt" sz="half" idx="10"/>
+          </p:nvPr>
+        </p:nvSpPr>
+        <p:spPr/>
+        <p:txBody>
+          <a:bodyPr/>
+          <a:lstStyle/>
+          <a:p>
+            <a:fld id="{7537D143-A3E9-46F1-8354-94C6592F23B8}" type="datetimeFigureOut">
+              <a:rPr lang="en-US" smtClean="0"/>
+              <a:t>11/1/2016</a:t>
+            </a:fld>
+            <a:endParaRPr lang="en-US"/>
+          </a:p>
+        </p:txBody>
+      </p:sp>
+      <p:sp>
+        <p:nvSpPr>
+          <p:cNvPr id="6" name="Footer Placeholder 5"/>
+          <p:cNvSpPr>
+            <a:spLocks noGrp="1"/>
+          </p:cNvSpPr>
+          <p:nvPr>
+            <p:ph type="ftr" sz="quarter" idx="11"/>
+          </p:nvPr>
+        </p:nvSpPr>
+        <p:spPr/>
+        <p:txBody>
+          <a:bodyPr/>
+          <a:lstStyle/>
+          <a:p>
+            <a:endParaRPr lang="en-US"/>
+          </a:p>
+        </p:txBody>
+      </p:sp>
+      <p:sp>
+        <p:nvSpPr>
+          <p:cNvPr id="7" name="Slide Number Placeholder 6"/>
+          <p:cNvSpPr>
+            <a:spLocks noGrp="1"/>
+          </p:cNvSpPr>
+          <p:nvPr>
+            <p:ph type="sldNum" sz="quarter" idx="12"/>
+          </p:nvPr>
+        </p:nvSpPr>
+        <p:spPr/>
+        <p:txBody>
+          <a:bodyPr/>
+          <a:lstStyle/>
+          <a:p>
+            <a:fld id="{57841346-9C98-40A2-9C8C-456042C66470}" type="slidenum">
+              <a:rPr lang="en-US" smtClean="0"/>
+              <a:t>‹#›</a:t>
+            </a:fld>
+            <a:endParaRPr lang="en-US"/>
+          </a:p>
+        </p:txBody>
+      </p:sp>
+    </p:spTree>
+    <p:extLst>
+      <p:ext uri="{BB962C8B-B14F-4D97-AF65-F5344CB8AC3E}">
+        <p14:creationId xmlns:p14="http://schemas.microsoft.com/office/powerpoint/2010/main" val="4213268259"/>
+      </p:ext>
+    </p:extLst>
+  </p:cSld>
+  <p:clrMapOvr>
+    <a:masterClrMapping/>
+  </p:clrMapOvr>
+</p:sldLayout>
+</file>
+
+<file path=ppt/slideLayouts/slideLayout11.xml><?xml version="1.0" encoding="utf-8"?>
+<p:sldLayout xmlns:a="http://schemas.openxmlformats.org/drawingml/2006/main" xmlns:r="http://schemas.openxmlformats.org/officeDocument/2006/relationships" xmlns:p="http://schemas.openxmlformats.org/presentationml/2006/main" preserve="1">
+  <p:cSld name="Title and Caption">
+    <p:spTree>
+      <p:nvGrpSpPr>
+        <p:cNvPr id="1" name=""/>
+        <p:cNvGrpSpPr/>
+        <p:nvPr/>
+      </p:nvGrpSpPr>
+      <p:grpSpPr>
+        <a:xfrm>
+          <a:off x="0" y="0"/>
+          <a:ext cx="0" cy="0"/>
+          <a:chOff x="0" y="0"/>
+          <a:chExt cx="0" cy="0"/>
+        </a:xfrm>
+      </p:grpSpPr>
+      <p:sp>
+        <p:nvSpPr>
+          <p:cNvPr id="2" name="Title 1"/>
+          <p:cNvSpPr>
+            <a:spLocks noGrp="1"/>
+          </p:cNvSpPr>
+          <p:nvPr>
+            <p:ph type="title"/>
+          </p:nvPr>
+        </p:nvSpPr>
+        <p:spPr>
+          <a:xfrm>
+            <a:off x="1154954" y="1447800"/>
+            <a:ext cx="8825659" cy="1981200"/>
+          </a:xfrm>
+        </p:spPr>
+        <p:txBody>
+          <a:bodyPr/>
+          <a:lstStyle>
+            <a:lvl1pPr>
+              <a:defRPr sz="4800"/>
+            </a:lvl1pPr>
+          </a:lstStyle>
+          <a:p>
+            <a:r>
+              <a:rPr lang="en-US" smtClean="0"/>
+              <a:t>Click to edit Master title style</a:t>
+            </a:r>
+            <a:endParaRPr lang="en-US" dirty="0"/>
+          </a:p>
+        </p:txBody>
+      </p:sp>
+      <p:sp>
+        <p:nvSpPr>
+          <p:cNvPr id="8" name="Text Placeholder 3"/>
+          <p:cNvSpPr>
+            <a:spLocks noGrp="1"/>
+          </p:cNvSpPr>
+          <p:nvPr>
+            <p:ph type="body" sz="half" idx="2"/>
+          </p:nvPr>
+        </p:nvSpPr>
+        <p:spPr>
+          <a:xfrm>
+            <a:off x="1154954" y="3657600"/>
+            <a:ext cx="8825659" cy="2362200"/>
+          </a:xfrm>
+        </p:spPr>
+        <p:txBody>
+          <a:bodyPr anchor="ctr">
+            <a:normAutofit/>
+          </a:bodyPr>
+          <a:lstStyle>
+            <a:lvl1pPr marL="0" indent="0">
+              <a:buNone/>
+              <a:defRPr sz="1800"/>
+            </a:lvl1pPr>
+            <a:lvl2pPr marL="457200" indent="0">
+              <a:buNone/>
+              <a:defRPr sz="1200"/>
+            </a:lvl2pPr>
+            <a:lvl3pPr marL="914400" indent="0">
+              <a:buNone/>
+              <a:defRPr sz="1000"/>
+            </a:lvl3pPr>
+            <a:lvl4pPr marL="1371600" indent="0">
+              <a:buNone/>
+              <a:defRPr sz="900"/>
+            </a:lvl4pPr>
+            <a:lvl5pPr marL="1828800" indent="0">
+              <a:buNone/>
+              <a:defRPr sz="900"/>
+            </a:lvl5pPr>
+            <a:lvl6pPr marL="2286000" indent="0">
+              <a:buNone/>
+              <a:defRPr sz="900"/>
+            </a:lvl6pPr>
+            <a:lvl7pPr marL="2743200" indent="0">
+              <a:buNone/>
+              <a:defRPr sz="900"/>
+            </a:lvl7pPr>
+            <a:lvl8pPr marL="3200400" indent="0">
+              <a:buNone/>
+              <a:defRPr sz="900"/>
+            </a:lvl8pPr>
+            <a:lvl9pPr marL="3657600" indent="0">
+              <a:buNone/>
+              <a:defRPr sz="900"/>
+            </a:lvl9pPr>
+          </a:lstStyle>
+          <a:p>
+            <a:pPr lvl="0"/>
+            <a:r>
+              <a:rPr lang="en-US" smtClean="0"/>
+              <a:t>Click to edit Master text styles</a:t>
+            </a:r>
+          </a:p>
+        </p:txBody>
+      </p:sp>
+      <p:sp>
+        <p:nvSpPr>
+          <p:cNvPr id="4" name="Date Placeholder 3"/>
+          <p:cNvSpPr>
+            <a:spLocks noGrp="1"/>
+          </p:cNvSpPr>
+          <p:nvPr>
+            <p:ph type="dt" sz="half" idx="10"/>
+          </p:nvPr>
+        </p:nvSpPr>
+        <p:spPr/>
+        <p:txBody>
+          <a:bodyPr/>
+          <a:lstStyle/>
+          <a:p>
+            <a:fld id="{7537D143-A3E9-46F1-8354-94C6592F23B8}" type="datetimeFigureOut">
+              <a:rPr lang="en-US" smtClean="0"/>
+              <a:t>11/1/2016</a:t>
+            </a:fld>
+            <a:endParaRPr lang="en-US"/>
+          </a:p>
+        </p:txBody>
+      </p:sp>
+      <p:sp>
+        <p:nvSpPr>
+          <p:cNvPr id="5" name="Footer Placeholder 4"/>
+          <p:cNvSpPr>
+            <a:spLocks noGrp="1"/>
+          </p:cNvSpPr>
+          <p:nvPr>
+            <p:ph type="ftr" sz="quarter" idx="11"/>
+          </p:nvPr>
+        </p:nvSpPr>
+        <p:spPr/>
+        <p:txBody>
+          <a:bodyPr/>
+          <a:lstStyle/>
+          <a:p>
+            <a:endParaRPr lang="en-US"/>
+          </a:p>
+        </p:txBody>
+      </p:sp>
+      <p:sp>
+        <p:nvSpPr>
+          <p:cNvPr id="6" name="Slide Number Placeholder 5"/>
+          <p:cNvSpPr>
+            <a:spLocks noGrp="1"/>
+          </p:cNvSpPr>
+          <p:nvPr>
+            <p:ph type="sldNum" sz="quarter" idx="12"/>
+          </p:nvPr>
+        </p:nvSpPr>
+        <p:spPr/>
+        <p:txBody>
+          <a:bodyPr/>
+          <a:lstStyle/>
+          <a:p>
+            <a:fld id="{57841346-9C98-40A2-9C8C-456042C66470}" type="slidenum">
+              <a:rPr lang="en-US" smtClean="0"/>
+              <a:t>‹#›</a:t>
+            </a:fld>
+            <a:endParaRPr lang="en-US"/>
+          </a:p>
+        </p:txBody>
+      </p:sp>
+    </p:spTree>
+    <p:extLst>
+      <p:ext uri="{BB962C8B-B14F-4D97-AF65-F5344CB8AC3E}">
+        <p14:creationId xmlns:p14="http://schemas.microsoft.com/office/powerpoint/2010/main" val="2215211571"/>
+      </p:ext>
+    </p:extLst>
+  </p:cSld>
+  <p:clrMapOvr>
+    <a:masterClrMapping/>
+  </p:clrMapOvr>
+</p:sldLayout>
+</file>
+
+<file path=ppt/slideLayouts/slideLayout12.xml><?xml version="1.0" encoding="utf-8"?>
+<p:sldLayout xmlns:a="http://schemas.openxmlformats.org/drawingml/2006/main" xmlns:r="http://schemas.openxmlformats.org/officeDocument/2006/relationships" xmlns:p="http://schemas.openxmlformats.org/presentationml/2006/main" preserve="1">
+  <p:cSld name="Quote with Caption">
+    <p:spTree>
+      <p:nvGrpSpPr>
+        <p:cNvPr id="1" name=""/>
+        <p:cNvGrpSpPr/>
+        <p:nvPr/>
+      </p:nvGrpSpPr>
+      <p:grpSpPr>
+        <a:xfrm>
+          <a:off x="0" y="0"/>
+          <a:ext cx="0" cy="0"/>
+          <a:chOff x="0" y="0"/>
+          <a:chExt cx="0" cy="0"/>
+        </a:xfrm>
+      </p:grpSpPr>
+      <p:sp>
+        <p:nvSpPr>
+          <p:cNvPr id="2" name="Title 1"/>
+          <p:cNvSpPr>
+            <a:spLocks noGrp="1"/>
+          </p:cNvSpPr>
+          <p:nvPr>
+            <p:ph type="title"/>
+          </p:nvPr>
+        </p:nvSpPr>
+        <p:spPr>
+          <a:xfrm>
+            <a:off x="1574801" y="1447800"/>
+            <a:ext cx="7999315" cy="2323374"/>
+          </a:xfrm>
+        </p:spPr>
+        <p:txBody>
+          <a:bodyPr/>
+          <a:lstStyle>
+            <a:lvl1pPr>
+              <a:defRPr sz="4800"/>
+            </a:lvl1pPr>
+          </a:lstStyle>
+          <a:p>
+            <a:r>
+              <a:rPr lang="en-US" smtClean="0"/>
+              <a:t>Click to edit Master title style</a:t>
+            </a:r>
+            <a:endParaRPr lang="en-US" dirty="0"/>
+          </a:p>
+        </p:txBody>
+      </p:sp>
+      <p:sp>
+        <p:nvSpPr>
+          <p:cNvPr id="11" name="Text Placeholder 3"/>
+          <p:cNvSpPr>
+            <a:spLocks noGrp="1"/>
+          </p:cNvSpPr>
+          <p:nvPr>
+            <p:ph type="body" sz="half" idx="14"/>
+          </p:nvPr>
+        </p:nvSpPr>
+        <p:spPr>
+          <a:xfrm>
+            <a:off x="1930400" y="3771174"/>
+            <a:ext cx="7279649" cy="342174"/>
+          </a:xfrm>
+        </p:spPr>
+        <p:txBody>
+          <a:bodyPr vert="horz" lIns="91440" tIns="45720" rIns="91440" bIns="45720" rtlCol="0" anchor="t">
+            <a:normAutofit/>
+          </a:bodyPr>
+          <a:lstStyle>
+            <a:lvl1pPr marL="0" indent="0">
+              <a:buNone/>
+              <a:defRPr lang="en-US" sz="1400" b="0" i="0" kern="1200" cap="small" dirty="0">
+                <a:solidFill>
+                  <a:schemeClr val="bg2">
+                    <a:lumMod val="40000"/>
+                    <a:lumOff val="60000"/>
+                  </a:schemeClr>
+                </a:solidFill>
+                <a:latin typeface="+mj-lt"/>
+                <a:ea typeface="+mj-ea"/>
+                <a:cs typeface="+mj-cs"/>
+              </a:defRPr>
+            </a:lvl1pPr>
+            <a:lvl2pPr marL="457200" indent="0">
+              <a:buNone/>
+              <a:defRPr sz="1200"/>
+            </a:lvl2pPr>
+            <a:lvl3pPr marL="914400" indent="0">
+              <a:buNone/>
+              <a:defRPr sz="1000"/>
+            </a:lvl3pPr>
+            <a:lvl4pPr marL="1371600" indent="0">
+              <a:buNone/>
+              <a:defRPr sz="900"/>
+            </a:lvl4pPr>
+            <a:lvl5pPr marL="1828800" indent="0">
+              <a:buNone/>
+              <a:defRPr sz="900"/>
+            </a:lvl5pPr>
+            <a:lvl6pPr marL="2286000" indent="0">
+              <a:buNone/>
+              <a:defRPr sz="900"/>
+            </a:lvl6pPr>
+            <a:lvl7pPr marL="2743200" indent="0">
+              <a:buNone/>
+              <a:defRPr sz="900"/>
+            </a:lvl7pPr>
+            <a:lvl8pPr marL="3200400" indent="0">
+              <a:buNone/>
+              <a:defRPr sz="900"/>
+            </a:lvl8pPr>
+            <a:lvl9pPr marL="3657600" indent="0">
+              <a:buNone/>
+              <a:defRPr sz="900"/>
+            </a:lvl9pPr>
+          </a:lstStyle>
+          <a:p>
+            <a:pPr marL="0" lvl="0" indent="0">
+              <a:buNone/>
+            </a:pPr>
+            <a:r>
+              <a:rPr lang="en-US" smtClean="0"/>
+              <a:t>Click to edit Master text styles</a:t>
+            </a:r>
+          </a:p>
+        </p:txBody>
+      </p:sp>
+      <p:sp>
+        <p:nvSpPr>
+          <p:cNvPr id="10" name="Text Placeholder 3"/>
+          <p:cNvSpPr>
+            <a:spLocks noGrp="1"/>
+          </p:cNvSpPr>
+          <p:nvPr>
+            <p:ph type="body" sz="half" idx="2"/>
+          </p:nvPr>
+        </p:nvSpPr>
+        <p:spPr>
+          <a:xfrm>
+            <a:off x="1154954" y="4350657"/>
+            <a:ext cx="8825659" cy="1676400"/>
+          </a:xfrm>
+        </p:spPr>
+        <p:txBody>
+          <a:bodyPr anchor="ctr">
+            <a:normAutofit/>
+          </a:bodyPr>
+          <a:lstStyle>
+            <a:lvl1pPr marL="0" indent="0">
+              <a:buNone/>
+              <a:defRPr sz="1800"/>
+            </a:lvl1pPr>
+            <a:lvl2pPr marL="457200" indent="0">
+              <a:buNone/>
+              <a:defRPr sz="1200"/>
+            </a:lvl2pPr>
+            <a:lvl3pPr marL="914400" indent="0">
+              <a:buNone/>
+              <a:defRPr sz="1000"/>
+            </a:lvl3pPr>
+            <a:lvl4pPr marL="1371600" indent="0">
+              <a:buNone/>
+              <a:defRPr sz="900"/>
+            </a:lvl4pPr>
+            <a:lvl5pPr marL="1828800" indent="0">
+              <a:buNone/>
+              <a:defRPr sz="900"/>
+            </a:lvl5pPr>
+            <a:lvl6pPr marL="2286000" indent="0">
+              <a:buNone/>
+              <a:defRPr sz="900"/>
+            </a:lvl6pPr>
+            <a:lvl7pPr marL="2743200" indent="0">
+              <a:buNone/>
+              <a:defRPr sz="900"/>
+            </a:lvl7pPr>
+            <a:lvl8pPr marL="3200400" indent="0">
+              <a:buNone/>
+              <a:defRPr sz="900"/>
+            </a:lvl8pPr>
+            <a:lvl9pPr marL="3657600" indent="0">
+              <a:buNone/>
+              <a:defRPr sz="900"/>
+            </a:lvl9pPr>
+          </a:lstStyle>
+          <a:p>
+            <a:pPr lvl="0"/>
+            <a:r>
+              <a:rPr lang="en-US" smtClean="0"/>
+              <a:t>Click to edit Master text styles</a:t>
+            </a:r>
+          </a:p>
+        </p:txBody>
+      </p:sp>
+      <p:sp>
+        <p:nvSpPr>
+          <p:cNvPr id="4" name="Date Placeholder 3"/>
+          <p:cNvSpPr>
+            <a:spLocks noGrp="1"/>
+          </p:cNvSpPr>
+          <p:nvPr>
+            <p:ph type="dt" sz="half" idx="10"/>
+          </p:nvPr>
+        </p:nvSpPr>
+        <p:spPr/>
+        <p:txBody>
+          <a:bodyPr/>
+          <a:lstStyle/>
+          <a:p>
+            <a:fld id="{7537D143-A3E9-46F1-8354-94C6592F23B8}" type="datetimeFigureOut">
+              <a:rPr lang="en-US" smtClean="0"/>
+              <a:t>11/1/2016</a:t>
+            </a:fld>
+            <a:endParaRPr lang="en-US"/>
+          </a:p>
+        </p:txBody>
+      </p:sp>
+      <p:sp>
+        <p:nvSpPr>
+          <p:cNvPr id="5" name="Footer Placeholder 4"/>
+          <p:cNvSpPr>
+            <a:spLocks noGrp="1"/>
+          </p:cNvSpPr>
+          <p:nvPr>
+            <p:ph type="ftr" sz="quarter" idx="11"/>
+          </p:nvPr>
+        </p:nvSpPr>
+        <p:spPr/>
+        <p:txBody>
+          <a:bodyPr/>
+          <a:lstStyle/>
+          <a:p>
+            <a:endParaRPr lang="en-US"/>
+          </a:p>
+        </p:txBody>
+      </p:sp>
+      <p:sp>
+        <p:nvSpPr>
+          <p:cNvPr id="6" name="Slide Number Placeholder 5"/>
+          <p:cNvSpPr>
+            <a:spLocks noGrp="1"/>
+          </p:cNvSpPr>
+          <p:nvPr>
+            <p:ph type="sldNum" sz="quarter" idx="12"/>
+          </p:nvPr>
+        </p:nvSpPr>
+        <p:spPr/>
+        <p:txBody>
+          <a:bodyPr/>
+          <a:lstStyle/>
+          <a:p>
+            <a:fld id="{57841346-9C98-40A2-9C8C-456042C66470}" type="slidenum">
+              <a:rPr lang="en-US" smtClean="0"/>
+              <a:t>‹#›</a:t>
+            </a:fld>
+            <a:endParaRPr lang="en-US"/>
+          </a:p>
+        </p:txBody>
+      </p:sp>
+      <p:sp>
+        <p:nvSpPr>
+          <p:cNvPr id="12" name="TextBox 11"/>
+          <p:cNvSpPr txBox="1"/>
+          <p:nvPr/>
+        </p:nvSpPr>
+        <p:spPr>
+          <a:xfrm>
+            <a:off x="898295" y="971253"/>
+            <a:ext cx="801912" cy="1969770"/>
+          </a:xfrm>
+          <a:prstGeom prst="rect">
+            <a:avLst/>
+          </a:prstGeom>
+          <a:noFill/>
+        </p:spPr>
+        <p:txBody>
+          <a:bodyPr wrap="square" rtlCol="0">
+            <a:spAutoFit/>
+          </a:bodyPr>
+          <a:lstStyle>
+            <a:defPPr>
+              <a:defRPr lang="en-US"/>
+            </a:defPPr>
+            <a:lvl1pPr algn="r">
+              <a:defRPr sz="12200" b="0" i="0">
+                <a:solidFill>
+                  <a:schemeClr val="bg2">
+                    <a:lumMod val="40000"/>
+                    <a:lumOff val="60000"/>
+                  </a:schemeClr>
+                </a:solidFill>
+                <a:latin typeface="Arial"/>
+                <a:ea typeface="+mj-ea"/>
+                <a:cs typeface="+mj-cs"/>
+              </a:defRPr>
+            </a:lvl1pPr>
+          </a:lstStyle>
+          <a:p>
+            <a:pPr lvl="0"/>
+            <a:r>
+              <a:rPr lang="en-US" dirty="0"/>
+              <a:t>“</a:t>
+            </a:r>
+          </a:p>
+        </p:txBody>
+      </p:sp>
+      <p:sp>
+        <p:nvSpPr>
+          <p:cNvPr id="15" name="TextBox 14"/>
+          <p:cNvSpPr txBox="1"/>
+          <p:nvPr/>
+        </p:nvSpPr>
+        <p:spPr>
+          <a:xfrm>
+            <a:off x="9330490" y="2613787"/>
+            <a:ext cx="801912" cy="1969770"/>
+          </a:xfrm>
+          <a:prstGeom prst="rect">
+            <a:avLst/>
+          </a:prstGeom>
+          <a:noFill/>
+        </p:spPr>
+        <p:txBody>
+          <a:bodyPr wrap="square" rtlCol="0">
+            <a:spAutoFit/>
+          </a:bodyPr>
+          <a:lstStyle>
+            <a:defPPr>
+              <a:defRPr lang="en-US"/>
+            </a:defPPr>
+            <a:lvl1pPr algn="r">
+              <a:defRPr sz="12200" b="0" i="0">
+                <a:solidFill>
+                  <a:schemeClr val="bg2">
+                    <a:lumMod val="40000"/>
+                    <a:lumOff val="60000"/>
+                  </a:schemeClr>
+                </a:solidFill>
+                <a:latin typeface="Arial"/>
+                <a:ea typeface="+mj-ea"/>
+                <a:cs typeface="+mj-cs"/>
+              </a:defRPr>
+            </a:lvl1pPr>
+          </a:lstStyle>
+          <a:p>
+            <a:pPr lvl="0"/>
+            <a:r>
+              <a:rPr lang="en-US" dirty="0"/>
+              <a:t>”</a:t>
+            </a:r>
+          </a:p>
+        </p:txBody>
+      </p:sp>
+    </p:spTree>
+    <p:extLst>
+      <p:ext uri="{BB962C8B-B14F-4D97-AF65-F5344CB8AC3E}">
+        <p14:creationId xmlns:p14="http://schemas.microsoft.com/office/powerpoint/2010/main" val="258970390"/>
+      </p:ext>
+    </p:extLst>
+  </p:cSld>
+  <p:clrMapOvr>
+    <a:masterClrMapping/>
+  </p:clrMapOvr>
+</p:sldLayout>
+</file>
+
+<file path=ppt/slideLayouts/slideLayout13.xml><?xml version="1.0" encoding="utf-8"?>
+<p:sldLayout xmlns:a="http://schemas.openxmlformats.org/drawingml/2006/main" xmlns:r="http://schemas.openxmlformats.org/officeDocument/2006/relationships" xmlns:p="http://schemas.openxmlformats.org/presentationml/2006/main" preserve="1">
+  <p:cSld name="Name Card">
+    <p:spTree>
+      <p:nvGrpSpPr>
+        <p:cNvPr id="1" name=""/>
+        <p:cNvGrpSpPr/>
+        <p:nvPr/>
+      </p:nvGrpSpPr>
+      <p:grpSpPr>
+        <a:xfrm>
+          <a:off x="0" y="0"/>
+          <a:ext cx="0" cy="0"/>
+          <a:chOff x="0" y="0"/>
+          <a:chExt cx="0" cy="0"/>
+        </a:xfrm>
+      </p:grpSpPr>
+      <p:sp>
+        <p:nvSpPr>
+          <p:cNvPr id="2" name="Title 1"/>
+          <p:cNvSpPr>
+            <a:spLocks noGrp="1"/>
+          </p:cNvSpPr>
+          <p:nvPr>
+            <p:ph type="title"/>
+          </p:nvPr>
+        </p:nvSpPr>
+        <p:spPr>
+          <a:xfrm>
+            <a:off x="1154954" y="3124201"/>
+            <a:ext cx="8825660" cy="1653180"/>
+          </a:xfrm>
+        </p:spPr>
+        <p:txBody>
+          <a:bodyPr anchor="b"/>
+          <a:lstStyle>
+            <a:lvl1pPr algn="l">
+              <a:defRPr sz="4000" b="0" cap="none"/>
+            </a:lvl1pPr>
+          </a:lstStyle>
+          <a:p>
+            <a:r>
+              <a:rPr lang="en-US" smtClean="0"/>
+              <a:t>Click to edit Master title style</a:t>
+            </a:r>
+            <a:endParaRPr lang="en-US" dirty="0"/>
+          </a:p>
+        </p:txBody>
+      </p:sp>
+      <p:sp>
+        <p:nvSpPr>
+          <p:cNvPr id="3" name="Text Placeholder 2"/>
+          <p:cNvSpPr>
+            <a:spLocks noGrp="1"/>
+          </p:cNvSpPr>
+          <p:nvPr>
+            <p:ph type="body" idx="1"/>
+          </p:nvPr>
+        </p:nvSpPr>
+        <p:spPr>
+          <a:xfrm>
+            <a:off x="1154954" y="4777381"/>
+            <a:ext cx="8825659" cy="860400"/>
+          </a:xfrm>
+        </p:spPr>
+        <p:txBody>
+          <a:bodyPr anchor="t"/>
+          <a:lstStyle>
+            <a:lvl1pPr marL="0" indent="0" algn="l">
+              <a:buNone/>
+              <a:defRPr sz="2000" cap="none">
+                <a:solidFill>
+                  <a:schemeClr val="bg2">
+                    <a:lumMod val="40000"/>
+                    <a:lumOff val="60000"/>
+                  </a:schemeClr>
+                </a:solidFill>
+              </a:defRPr>
+            </a:lvl1pPr>
+            <a:lvl2pPr marL="457200" indent="0">
+              <a:buNone/>
+              <a:defRPr sz="1800">
+                <a:solidFill>
+                  <a:schemeClr val="tx1">
+                    <a:tint val="75000"/>
+                  </a:schemeClr>
+                </a:solidFill>
+              </a:defRPr>
+            </a:lvl2pPr>
+            <a:lvl3pPr marL="914400" indent="0">
+              <a:buNone/>
+              <a:defRPr sz="1600">
+                <a:solidFill>
+                  <a:schemeClr val="tx1">
+                    <a:tint val="75000"/>
+                  </a:schemeClr>
+                </a:solidFill>
+              </a:defRPr>
+            </a:lvl3pPr>
+            <a:lvl4pPr marL="1371600" indent="0">
+              <a:buNone/>
+              <a:defRPr sz="1400">
+                <a:solidFill>
+                  <a:schemeClr val="tx1">
+                    <a:tint val="75000"/>
+                  </a:schemeClr>
+                </a:solidFill>
+              </a:defRPr>
+            </a:lvl4pPr>
+            <a:lvl5pPr marL="1828800" indent="0">
+              <a:buNone/>
+              <a:defRPr sz="1400">
+                <a:solidFill>
+                  <a:schemeClr val="tx1">
+                    <a:tint val="75000"/>
+                  </a:schemeClr>
+                </a:solidFill>
+              </a:defRPr>
+            </a:lvl5pPr>
+            <a:lvl6pPr marL="2286000" indent="0">
+              <a:buNone/>
+              <a:defRPr sz="1400">
+                <a:solidFill>
+                  <a:schemeClr val="tx1">
+                    <a:tint val="75000"/>
+                  </a:schemeClr>
+                </a:solidFill>
+              </a:defRPr>
+            </a:lvl6pPr>
+            <a:lvl7pPr marL="2743200" indent="0">
+              <a:buNone/>
+              <a:defRPr sz="1400">
+                <a:solidFill>
+                  <a:schemeClr val="tx1">
+                    <a:tint val="75000"/>
+                  </a:schemeClr>
+                </a:solidFill>
+              </a:defRPr>
+            </a:lvl7pPr>
+            <a:lvl8pPr marL="3200400" indent="0">
+              <a:buNone/>
+              <a:defRPr sz="1400">
+                <a:solidFill>
+                  <a:schemeClr val="tx1">
+                    <a:tint val="75000"/>
+                  </a:schemeClr>
+                </a:solidFill>
+              </a:defRPr>
+            </a:lvl8pPr>
+            <a:lvl9pPr marL="3657600" indent="0">
+              <a:buNone/>
+              <a:defRPr sz="1400">
+                <a:solidFill>
+                  <a:schemeClr val="tx1">
+                    <a:tint val="75000"/>
+                  </a:schemeClr>
+                </a:solidFill>
+              </a:defRPr>
+            </a:lvl9pPr>
+          </a:lstStyle>
+          <a:p>
+            <a:pPr lvl="0"/>
+            <a:r>
+              <a:rPr lang="en-US" smtClean="0"/>
+              <a:t>Click to edit Master text styles</a:t>
+            </a:r>
+          </a:p>
+        </p:txBody>
+      </p:sp>
+      <p:sp>
+        <p:nvSpPr>
+          <p:cNvPr id="4" name="Date Placeholder 3"/>
+          <p:cNvSpPr>
+            <a:spLocks noGrp="1"/>
+          </p:cNvSpPr>
+          <p:nvPr>
+            <p:ph type="dt" sz="half" idx="10"/>
+          </p:nvPr>
+        </p:nvSpPr>
+        <p:spPr/>
+        <p:txBody>
+          <a:bodyPr/>
+          <a:lstStyle/>
+          <a:p>
+            <a:fld id="{7537D143-A3E9-46F1-8354-94C6592F23B8}" type="datetimeFigureOut">
+              <a:rPr lang="en-US" smtClean="0"/>
+              <a:t>11/1/2016</a:t>
+            </a:fld>
+            <a:endParaRPr lang="en-US"/>
+          </a:p>
+        </p:txBody>
+      </p:sp>
+      <p:sp>
+        <p:nvSpPr>
+          <p:cNvPr id="5" name="Footer Placeholder 4"/>
+          <p:cNvSpPr>
+            <a:spLocks noGrp="1"/>
+          </p:cNvSpPr>
+          <p:nvPr>
+            <p:ph type="ftr" sz="quarter" idx="11"/>
+          </p:nvPr>
+        </p:nvSpPr>
+        <p:spPr/>
+        <p:txBody>
+          <a:bodyPr/>
+          <a:lstStyle/>
+          <a:p>
+            <a:endParaRPr lang="en-US"/>
+          </a:p>
+        </p:txBody>
+      </p:sp>
+      <p:sp>
+        <p:nvSpPr>
+          <p:cNvPr id="6" name="Slide Number Placeholder 5"/>
+          <p:cNvSpPr>
+            <a:spLocks noGrp="1"/>
+          </p:cNvSpPr>
+          <p:nvPr>
+            <p:ph type="sldNum" sz="quarter" idx="12"/>
+          </p:nvPr>
+        </p:nvSpPr>
+        <p:spPr/>
+        <p:txBody>
+          <a:bodyPr/>
+          <a:lstStyle/>
+          <a:p>
+            <a:fld id="{57841346-9C98-40A2-9C8C-456042C66470}" type="slidenum">
+              <a:rPr lang="en-US" smtClean="0"/>
+              <a:t>‹#›</a:t>
+            </a:fld>
+            <a:endParaRPr lang="en-US"/>
+          </a:p>
+        </p:txBody>
+      </p:sp>
+    </p:spTree>
+    <p:extLst>
+      <p:ext uri="{BB962C8B-B14F-4D97-AF65-F5344CB8AC3E}">
+        <p14:creationId xmlns:p14="http://schemas.microsoft.com/office/powerpoint/2010/main" val="2348634822"/>
+      </p:ext>
+    </p:extLst>
+  </p:cSld>
+  <p:clrMapOvr>
+    <a:masterClrMapping/>
+  </p:clrMapOvr>
+</p:sldLayout>
+</file>
+
+<file path=ppt/slideLayouts/slideLayout14.xml><?xml version="1.0" encoding="utf-8"?>
+<p:sldLayout xmlns:a="http://schemas.openxmlformats.org/drawingml/2006/main" xmlns:r="http://schemas.openxmlformats.org/officeDocument/2006/relationships" xmlns:p="http://schemas.openxmlformats.org/presentationml/2006/main" preserve="1">
+  <p:cSld name="3 Column">
+    <p:spTree>
+      <p:nvGrpSpPr>
+        <p:cNvPr id="1" name=""/>
+        <p:cNvGrpSpPr/>
+        <p:nvPr/>
+      </p:nvGrpSpPr>
+      <p:grpSpPr>
+        <a:xfrm>
+          <a:off x="0" y="0"/>
+          <a:ext cx="0" cy="0"/>
+          <a:chOff x="0" y="0"/>
+          <a:chExt cx="0" cy="0"/>
+        </a:xfrm>
+      </p:grpSpPr>
+      <p:sp>
+        <p:nvSpPr>
+          <p:cNvPr id="2" name="Title 1"/>
+          <p:cNvSpPr>
+            <a:spLocks noGrp="1"/>
+          </p:cNvSpPr>
+          <p:nvPr>
+            <p:ph type="title"/>
+          </p:nvPr>
+        </p:nvSpPr>
+        <p:spPr/>
+        <p:txBody>
+          <a:bodyPr/>
+          <a:lstStyle>
+            <a:lvl1pPr>
+              <a:defRPr sz="4200"/>
+            </a:lvl1pPr>
+          </a:lstStyle>
+          <a:p>
+            <a:r>
+              <a:rPr lang="en-US" smtClean="0"/>
+              <a:t>Click to edit Master title style</a:t>
+            </a:r>
+            <a:endParaRPr lang="en-US" dirty="0"/>
+          </a:p>
+        </p:txBody>
+      </p:sp>
+      <p:sp>
+        <p:nvSpPr>
+          <p:cNvPr id="3" name="Text Placeholder 2"/>
+          <p:cNvSpPr>
+            <a:spLocks noGrp="1"/>
+          </p:cNvSpPr>
+          <p:nvPr>
+            <p:ph type="body" idx="1"/>
+          </p:nvPr>
+        </p:nvSpPr>
+        <p:spPr>
+          <a:xfrm>
+            <a:off x="632947" y="1981200"/>
+            <a:ext cx="2946866" cy="576262"/>
+          </a:xfrm>
+        </p:spPr>
+        <p:txBody>
+          <a:bodyPr anchor="b">
+            <a:noAutofit/>
+          </a:bodyPr>
+          <a:lstStyle>
+            <a:lvl1pPr marL="0" indent="0">
+              <a:buNone/>
+              <a:defRPr sz="2400" b="0">
+                <a:solidFill>
+                  <a:schemeClr val="bg2">
+                    <a:lumMod val="40000"/>
+                    <a:lumOff val="60000"/>
+                  </a:schemeClr>
+                </a:solidFill>
+              </a:defRPr>
+            </a:lvl1pPr>
+            <a:lvl2pPr marL="457200" indent="0">
+              <a:buNone/>
+              <a:defRPr sz="2000" b="1"/>
+            </a:lvl2pPr>
+            <a:lvl3pPr marL="914400" indent="0">
+              <a:buNone/>
+              <a:defRPr sz="1800" b="1"/>
+            </a:lvl3pPr>
+            <a:lvl4pPr marL="1371600" indent="0">
+              <a:buNone/>
+              <a:defRPr sz="1600" b="1"/>
+            </a:lvl4pPr>
+            <a:lvl5pPr marL="1828800" indent="0">
+              <a:buNone/>
+              <a:defRPr sz="1600" b="1"/>
+            </a:lvl5pPr>
+            <a:lvl6pPr marL="2286000" indent="0">
+              <a:buNone/>
+              <a:defRPr sz="1600" b="1"/>
+            </a:lvl6pPr>
+            <a:lvl7pPr marL="2743200" indent="0">
+              <a:buNone/>
+              <a:defRPr sz="1600" b="1"/>
+            </a:lvl7pPr>
+            <a:lvl8pPr marL="3200400" indent="0">
+              <a:buNone/>
+              <a:defRPr sz="1600" b="1"/>
+            </a:lvl8pPr>
+            <a:lvl9pPr marL="3657600" indent="0">
+              <a:buNone/>
+              <a:defRPr sz="1600" b="1"/>
+            </a:lvl9pPr>
+          </a:lstStyle>
+          <a:p>
+            <a:pPr lvl="0"/>
+            <a:r>
+              <a:rPr lang="en-US" smtClean="0"/>
+              <a:t>Click to edit Master text styles</a:t>
+            </a:r>
+          </a:p>
+        </p:txBody>
+      </p:sp>
+      <p:sp>
+        <p:nvSpPr>
+          <p:cNvPr id="16" name="Text Placeholder 3"/>
+          <p:cNvSpPr>
+            <a:spLocks noGrp="1"/>
+          </p:cNvSpPr>
+          <p:nvPr>
+            <p:ph type="body" sz="half" idx="15"/>
+          </p:nvPr>
+        </p:nvSpPr>
+        <p:spPr>
+          <a:xfrm>
+            <a:off x="652463" y="2667000"/>
+            <a:ext cx="2927350" cy="3589338"/>
+          </a:xfrm>
+        </p:spPr>
+        <p:txBody>
+          <a:bodyPr anchor="t">
+            <a:normAutofit/>
+          </a:bodyPr>
+          <a:lstStyle>
+            <a:lvl1pPr marL="0" indent="0">
+              <a:buNone/>
+              <a:defRPr sz="1400"/>
+            </a:lvl1pPr>
+            <a:lvl2pPr marL="457200" indent="0">
+              <a:buNone/>
+              <a:defRPr sz="1200"/>
+            </a:lvl2pPr>
+            <a:lvl3pPr marL="914400" indent="0">
+              <a:buNone/>
+              <a:defRPr sz="1000"/>
+            </a:lvl3pPr>
+            <a:lvl4pPr marL="1371600" indent="0">
+              <a:buNone/>
+              <a:defRPr sz="900"/>
+            </a:lvl4pPr>
+            <a:lvl5pPr marL="1828800" indent="0">
+              <a:buNone/>
+              <a:defRPr sz="900"/>
+            </a:lvl5pPr>
+            <a:lvl6pPr marL="2286000" indent="0">
+              <a:buNone/>
+              <a:defRPr sz="900"/>
+            </a:lvl6pPr>
+            <a:lvl7pPr marL="2743200" indent="0">
+              <a:buNone/>
+              <a:defRPr sz="900"/>
+            </a:lvl7pPr>
+            <a:lvl8pPr marL="3200400" indent="0">
+              <a:buNone/>
+              <a:defRPr sz="900"/>
+            </a:lvl8pPr>
+            <a:lvl9pPr marL="3657600" indent="0">
+              <a:buNone/>
+              <a:defRPr sz="900"/>
+            </a:lvl9pPr>
+          </a:lstStyle>
+          <a:p>
+            <a:pPr lvl="0"/>
+            <a:r>
+              <a:rPr lang="en-US" smtClean="0"/>
+              <a:t>Click to edit Master text styles</a:t>
+            </a:r>
+          </a:p>
+        </p:txBody>
+      </p:sp>
+      <p:sp>
+        <p:nvSpPr>
+          <p:cNvPr id="5" name="Text Placeholder 4"/>
+          <p:cNvSpPr>
+            <a:spLocks noGrp="1"/>
+          </p:cNvSpPr>
+          <p:nvPr>
+            <p:ph type="body" sz="quarter" idx="3"/>
+          </p:nvPr>
+        </p:nvSpPr>
+        <p:spPr>
+          <a:xfrm>
+            <a:off x="3883659" y="1981200"/>
+            <a:ext cx="2936241" cy="576262"/>
+          </a:xfrm>
+        </p:spPr>
+        <p:txBody>
+          <a:bodyPr anchor="b">
+            <a:noAutofit/>
+          </a:bodyPr>
+          <a:lstStyle>
+            <a:lvl1pPr marL="0" indent="0">
+              <a:buNone/>
+              <a:defRPr sz="2400" b="0">
+                <a:solidFill>
+                  <a:schemeClr val="bg2">
+                    <a:lumMod val="40000"/>
+                    <a:lumOff val="60000"/>
+                  </a:schemeClr>
+                </a:solidFill>
+              </a:defRPr>
+            </a:lvl1pPr>
+            <a:lvl2pPr marL="457200" indent="0">
+              <a:buNone/>
+              <a:defRPr sz="2000" b="1"/>
+            </a:lvl2pPr>
+            <a:lvl3pPr marL="914400" indent="0">
+              <a:buNone/>
+              <a:defRPr sz="1800" b="1"/>
+            </a:lvl3pPr>
+            <a:lvl4pPr marL="1371600" indent="0">
+              <a:buNone/>
+              <a:defRPr sz="1600" b="1"/>
+            </a:lvl4pPr>
+            <a:lvl5pPr marL="1828800" indent="0">
+              <a:buNone/>
+              <a:defRPr sz="1600" b="1"/>
+            </a:lvl5pPr>
+            <a:lvl6pPr marL="2286000" indent="0">
+              <a:buNone/>
+              <a:defRPr sz="1600" b="1"/>
+            </a:lvl6pPr>
+            <a:lvl7pPr marL="2743200" indent="0">
+              <a:buNone/>
+              <a:defRPr sz="1600" b="1"/>
+            </a:lvl7pPr>
+            <a:lvl8pPr marL="3200400" indent="0">
+              <a:buNone/>
+              <a:defRPr sz="1600" b="1"/>
+            </a:lvl8pPr>
+            <a:lvl9pPr marL="3657600" indent="0">
+              <a:buNone/>
+              <a:defRPr sz="1600" b="1"/>
+            </a:lvl9pPr>
+          </a:lstStyle>
+          <a:p>
+            <a:pPr lvl="0"/>
+            <a:r>
+              <a:rPr lang="en-US" smtClean="0"/>
+              <a:t>Click to edit Master text styles</a:t>
+            </a:r>
+          </a:p>
+        </p:txBody>
+      </p:sp>
+      <p:sp>
+        <p:nvSpPr>
+          <p:cNvPr id="19" name="Text Placeholder 3"/>
+          <p:cNvSpPr>
+            <a:spLocks noGrp="1"/>
+          </p:cNvSpPr>
+          <p:nvPr>
+            <p:ph type="body" sz="half" idx="16"/>
+          </p:nvPr>
+        </p:nvSpPr>
+        <p:spPr>
+          <a:xfrm>
+            <a:off x="3873106" y="2667000"/>
+            <a:ext cx="2946794" cy="3589338"/>
+          </a:xfrm>
+        </p:spPr>
+        <p:txBody>
+          <a:bodyPr anchor="t">
+            <a:normAutofit/>
+          </a:bodyPr>
+          <a:lstStyle>
+            <a:lvl1pPr marL="0" indent="0">
+              <a:buNone/>
+              <a:defRPr sz="1400"/>
+            </a:lvl1pPr>
+            <a:lvl2pPr marL="457200" indent="0">
+              <a:buNone/>
+              <a:defRPr sz="1200"/>
+            </a:lvl2pPr>
+            <a:lvl3pPr marL="914400" indent="0">
+              <a:buNone/>
+              <a:defRPr sz="1000"/>
+            </a:lvl3pPr>
+            <a:lvl4pPr marL="1371600" indent="0">
+              <a:buNone/>
+              <a:defRPr sz="900"/>
+            </a:lvl4pPr>
+            <a:lvl5pPr marL="1828800" indent="0">
+              <a:buNone/>
+              <a:defRPr sz="900"/>
+            </a:lvl5pPr>
+            <a:lvl6pPr marL="2286000" indent="0">
+              <a:buNone/>
+              <a:defRPr sz="900"/>
+            </a:lvl6pPr>
+            <a:lvl7pPr marL="2743200" indent="0">
+              <a:buNone/>
+              <a:defRPr sz="900"/>
+            </a:lvl7pPr>
+            <a:lvl8pPr marL="3200400" indent="0">
+              <a:buNone/>
+              <a:defRPr sz="900"/>
+            </a:lvl8pPr>
+            <a:lvl9pPr marL="3657600" indent="0">
+              <a:buNone/>
+              <a:defRPr sz="900"/>
+            </a:lvl9pPr>
+          </a:lstStyle>
+          <a:p>
+            <a:pPr lvl="0"/>
+            <a:r>
+              <a:rPr lang="en-US" smtClean="0"/>
+              <a:t>Click to edit Master text styles</a:t>
+            </a:r>
+          </a:p>
+        </p:txBody>
+      </p:sp>
+      <p:sp>
+        <p:nvSpPr>
+          <p:cNvPr id="14" name="Text Placeholder 4"/>
+          <p:cNvSpPr>
+            <a:spLocks noGrp="1"/>
+          </p:cNvSpPr>
+          <p:nvPr>
+            <p:ph type="body" sz="quarter" idx="13"/>
+          </p:nvPr>
+        </p:nvSpPr>
+        <p:spPr>
+          <a:xfrm>
+            <a:off x="7124700" y="1981200"/>
+            <a:ext cx="2932113" cy="576262"/>
+          </a:xfrm>
+        </p:spPr>
+        <p:txBody>
+          <a:bodyPr anchor="b">
+            <a:noAutofit/>
+          </a:bodyPr>
+          <a:lstStyle>
+            <a:lvl1pPr marL="0" indent="0">
+              <a:buNone/>
+              <a:defRPr sz="2400" b="0">
+                <a:solidFill>
+                  <a:schemeClr val="bg2">
+                    <a:lumMod val="40000"/>
+                    <a:lumOff val="60000"/>
+                  </a:schemeClr>
+                </a:solidFill>
+              </a:defRPr>
+            </a:lvl1pPr>
+            <a:lvl2pPr marL="457200" indent="0">
+              <a:buNone/>
+              <a:defRPr sz="2000" b="1"/>
+            </a:lvl2pPr>
+            <a:lvl3pPr marL="914400" indent="0">
+              <a:buNone/>
+              <a:defRPr sz="1800" b="1"/>
+            </a:lvl3pPr>
+            <a:lvl4pPr marL="1371600" indent="0">
+              <a:buNone/>
+              <a:defRPr sz="1600" b="1"/>
+            </a:lvl4pPr>
+            <a:lvl5pPr marL="1828800" indent="0">
+              <a:buNone/>
+              <a:defRPr sz="1600" b="1"/>
+            </a:lvl5pPr>
+            <a:lvl6pPr marL="2286000" indent="0">
+              <a:buNone/>
+              <a:defRPr sz="1600" b="1"/>
+            </a:lvl6pPr>
+            <a:lvl7pPr marL="2743200" indent="0">
+              <a:buNone/>
+              <a:defRPr sz="1600" b="1"/>
+            </a:lvl7pPr>
+            <a:lvl8pPr marL="3200400" indent="0">
+              <a:buNone/>
+              <a:defRPr sz="1600" b="1"/>
+            </a:lvl8pPr>
+            <a:lvl9pPr marL="3657600" indent="0">
+              <a:buNone/>
+              <a:defRPr sz="1600" b="1"/>
+            </a:lvl9pPr>
+          </a:lstStyle>
+          <a:p>
+            <a:pPr lvl="0"/>
+            <a:r>
+              <a:rPr lang="en-US" smtClean="0"/>
+              <a:t>Click to edit Master text styles</a:t>
+            </a:r>
+          </a:p>
+        </p:txBody>
+      </p:sp>
+      <p:sp>
+        <p:nvSpPr>
+          <p:cNvPr id="20" name="Text Placeholder 3"/>
+          <p:cNvSpPr>
+            <a:spLocks noGrp="1"/>
+          </p:cNvSpPr>
+          <p:nvPr>
+            <p:ph type="body" sz="half" idx="17"/>
+          </p:nvPr>
+        </p:nvSpPr>
+        <p:spPr>
+          <a:xfrm>
+            <a:off x="7124700" y="2667000"/>
+            <a:ext cx="2932113" cy="3589338"/>
+          </a:xfrm>
+        </p:spPr>
+        <p:txBody>
+          <a:bodyPr anchor="t">
+            <a:normAutofit/>
+          </a:bodyPr>
+          <a:lstStyle>
+            <a:lvl1pPr marL="0" indent="0">
+              <a:buNone/>
+              <a:defRPr sz="1400"/>
+            </a:lvl1pPr>
+            <a:lvl2pPr marL="457200" indent="0">
+              <a:buNone/>
+              <a:defRPr sz="1200"/>
+            </a:lvl2pPr>
+            <a:lvl3pPr marL="914400" indent="0">
+              <a:buNone/>
+              <a:defRPr sz="1000"/>
+            </a:lvl3pPr>
+            <a:lvl4pPr marL="1371600" indent="0">
+              <a:buNone/>
+              <a:defRPr sz="900"/>
+            </a:lvl4pPr>
+            <a:lvl5pPr marL="1828800" indent="0">
+              <a:buNone/>
+              <a:defRPr sz="900"/>
+            </a:lvl5pPr>
+            <a:lvl6pPr marL="2286000" indent="0">
+              <a:buNone/>
+              <a:defRPr sz="900"/>
+            </a:lvl6pPr>
+            <a:lvl7pPr marL="2743200" indent="0">
+              <a:buNone/>
+              <a:defRPr sz="900"/>
+            </a:lvl7pPr>
+            <a:lvl8pPr marL="3200400" indent="0">
+              <a:buNone/>
+              <a:defRPr sz="900"/>
+            </a:lvl8pPr>
+            <a:lvl9pPr marL="3657600" indent="0">
+              <a:buNone/>
+              <a:defRPr sz="900"/>
+            </a:lvl9pPr>
+          </a:lstStyle>
+          <a:p>
+            <a:pPr lvl="0"/>
+            <a:r>
+              <a:rPr lang="en-US" smtClean="0"/>
+              <a:t>Click to edit Master text styles</a:t>
+            </a:r>
+          </a:p>
+        </p:txBody>
+      </p:sp>
+      <p:cxnSp>
+        <p:nvCxnSpPr>
+          <p:cNvPr id="17" name="Straight Connector 16"/>
+          <p:cNvCxnSpPr/>
+          <p:nvPr/>
+        </p:nvCxnSpPr>
+        <p:spPr>
+          <a:xfrm>
+            <a:off x="3726142" y="2133600"/>
+            <a:ext cx="0" cy="3962400"/>
+          </a:xfrm>
+          <a:prstGeom prst="line">
+            <a:avLst/>
+          </a:prstGeom>
+          <a:ln w="12700" cmpd="sng">
+            <a:solidFill>
+              <a:schemeClr val="bg2">
+                <a:lumMod val="40000"/>
+                <a:lumOff val="60000"/>
+                <a:alpha val="40000"/>
+              </a:schemeClr>
+            </a:solidFill>
+          </a:ln>
+        </p:spPr>
+        <p:style>
+          <a:lnRef idx="2">
+            <a:schemeClr val="accent1"/>
+          </a:lnRef>
+          <a:fillRef idx="0">
+            <a:schemeClr val="accent1"/>
+          </a:fillRef>
+          <a:effectRef idx="1">
+            <a:schemeClr val="accent1"/>
+          </a:effectRef>
+          <a:fontRef idx="minor">
+            <a:schemeClr val="tx1"/>
+          </a:fontRef>
+        </p:style>
+      </p:cxnSp>
+      <p:cxnSp>
+        <p:nvCxnSpPr>
+          <p:cNvPr id="18" name="Straight Connector 17"/>
+          <p:cNvCxnSpPr/>
+          <p:nvPr/>
+        </p:nvCxnSpPr>
+        <p:spPr>
+          <a:xfrm>
+            <a:off x="6962227" y="2133600"/>
+            <a:ext cx="0" cy="3966882"/>
+          </a:xfrm>
+          <a:prstGeom prst="line">
+            <a:avLst/>
+          </a:prstGeom>
+          <a:ln w="12700" cmpd="sng">
+            <a:solidFill>
+              <a:schemeClr val="bg2">
+                <a:lumMod val="40000"/>
+                <a:lumOff val="60000"/>
+                <a:alpha val="40000"/>
+              </a:schemeClr>
+            </a:solidFill>
+          </a:ln>
+        </p:spPr>
+        <p:style>
+          <a:lnRef idx="2">
+            <a:schemeClr val="accent1"/>
+          </a:lnRef>
+          <a:fillRef idx="0">
+            <a:schemeClr val="accent1"/>
+          </a:fillRef>
+          <a:effectRef idx="1">
+            <a:schemeClr val="accent1"/>
+          </a:effectRef>
+          <a:fontRef idx="minor">
+            <a:schemeClr val="tx1"/>
+          </a:fontRef>
+        </p:style>
+      </p:cxnSp>
+      <p:sp>
+        <p:nvSpPr>
+          <p:cNvPr id="7" name="Date Placeholder 3"/>
+          <p:cNvSpPr>
+            <a:spLocks noGrp="1"/>
+          </p:cNvSpPr>
+          <p:nvPr>
+            <p:ph type="dt" sz="half" idx="10"/>
+          </p:nvPr>
+        </p:nvSpPr>
+        <p:spPr/>
+        <p:txBody>
+          <a:bodyPr/>
+          <a:lstStyle/>
+          <a:p>
+            <a:fld id="{7537D143-A3E9-46F1-8354-94C6592F23B8}" type="datetimeFigureOut">
+              <a:rPr lang="en-US" smtClean="0"/>
+              <a:t>11/1/2016</a:t>
+            </a:fld>
+            <a:endParaRPr lang="en-US"/>
+          </a:p>
+        </p:txBody>
+      </p:sp>
+      <p:sp>
+        <p:nvSpPr>
+          <p:cNvPr id="4" name="Footer Placeholder 4"/>
+          <p:cNvSpPr>
+            <a:spLocks noGrp="1"/>
+          </p:cNvSpPr>
+          <p:nvPr>
+            <p:ph type="ftr" sz="quarter" idx="11"/>
+          </p:nvPr>
+        </p:nvSpPr>
+        <p:spPr/>
+        <p:txBody>
+          <a:bodyPr/>
+          <a:lstStyle/>
+          <a:p>
+            <a:endParaRPr lang="en-US"/>
+          </a:p>
+        </p:txBody>
+      </p:sp>
+      <p:sp>
+        <p:nvSpPr>
+          <p:cNvPr id="6" name="Slide Number Placeholder 5"/>
+          <p:cNvSpPr>
+            <a:spLocks noGrp="1"/>
+          </p:cNvSpPr>
+          <p:nvPr>
+            <p:ph type="sldNum" sz="quarter" idx="12"/>
+          </p:nvPr>
+        </p:nvSpPr>
+        <p:spPr/>
+        <p:txBody>
+          <a:bodyPr/>
+          <a:lstStyle/>
+          <a:p>
+            <a:fld id="{57841346-9C98-40A2-9C8C-456042C66470}" type="slidenum">
+              <a:rPr lang="en-US" smtClean="0"/>
+              <a:t>‹#›</a:t>
+            </a:fld>
+            <a:endParaRPr lang="en-US"/>
+          </a:p>
+        </p:txBody>
+      </p:sp>
+    </p:spTree>
+    <p:extLst>
+      <p:ext uri="{BB962C8B-B14F-4D97-AF65-F5344CB8AC3E}">
+        <p14:creationId xmlns:p14="http://schemas.microsoft.com/office/powerpoint/2010/main" val="3012217534"/>
+      </p:ext>
+    </p:extLst>
+  </p:cSld>
+  <p:clrMapOvr>
+    <a:masterClrMapping/>
+  </p:clrMapOvr>
+</p:sldLayout>
+</file>
+
+<file path=ppt/slideLayouts/slideLayout15.xml><?xml version="1.0" encoding="utf-8"?>
+<p:sldLayout xmlns:a="http://schemas.openxmlformats.org/drawingml/2006/main" xmlns:r="http://schemas.openxmlformats.org/officeDocument/2006/relationships" xmlns:p="http://schemas.openxmlformats.org/presentationml/2006/main" preserve="1">
+  <p:cSld name="3 Picture Column">
+    <p:spTree>
+      <p:nvGrpSpPr>
+        <p:cNvPr id="1" name=""/>
+        <p:cNvGrpSpPr/>
+        <p:nvPr/>
+      </p:nvGrpSpPr>
+      <p:grpSpPr>
+        <a:xfrm>
+          <a:off x="0" y="0"/>
+          <a:ext cx="0" cy="0"/>
+          <a:chOff x="0" y="0"/>
+          <a:chExt cx="0" cy="0"/>
+        </a:xfrm>
+      </p:grpSpPr>
+      <p:sp>
+        <p:nvSpPr>
+          <p:cNvPr id="2" name="Title 1"/>
+          <p:cNvSpPr>
+            <a:spLocks noGrp="1"/>
+          </p:cNvSpPr>
+          <p:nvPr>
+            <p:ph type="title"/>
+          </p:nvPr>
+        </p:nvSpPr>
+        <p:spPr/>
+        <p:txBody>
+          <a:bodyPr/>
+          <a:lstStyle>
+            <a:lvl1pPr>
+              <a:defRPr sz="4200"/>
+            </a:lvl1pPr>
+          </a:lstStyle>
+          <a:p>
+            <a:r>
+              <a:rPr lang="en-US" smtClean="0"/>
+              <a:t>Click to edit Master title style</a:t>
+            </a:r>
+            <a:endParaRPr lang="en-US" dirty="0"/>
+          </a:p>
+        </p:txBody>
+      </p:sp>
+      <p:sp>
+        <p:nvSpPr>
+          <p:cNvPr id="3" name="Text Placeholder 2"/>
+          <p:cNvSpPr>
+            <a:spLocks noGrp="1"/>
+          </p:cNvSpPr>
+          <p:nvPr>
+            <p:ph type="body" idx="1"/>
+          </p:nvPr>
+        </p:nvSpPr>
+        <p:spPr>
+          <a:xfrm>
+            <a:off x="652463" y="4250949"/>
+            <a:ext cx="2940050" cy="576262"/>
+          </a:xfrm>
+        </p:spPr>
+        <p:txBody>
+          <a:bodyPr anchor="b">
+            <a:noAutofit/>
+          </a:bodyPr>
+          <a:lstStyle>
+            <a:lvl1pPr marL="0" indent="0">
+              <a:buNone/>
+              <a:defRPr sz="2400" b="0">
+                <a:solidFill>
+                  <a:schemeClr val="bg2">
+                    <a:lumMod val="40000"/>
+                    <a:lumOff val="60000"/>
+                  </a:schemeClr>
+                </a:solidFill>
+              </a:defRPr>
+            </a:lvl1pPr>
+            <a:lvl2pPr marL="457200" indent="0">
+              <a:buNone/>
+              <a:defRPr sz="2000" b="1"/>
+            </a:lvl2pPr>
+            <a:lvl3pPr marL="914400" indent="0">
+              <a:buNone/>
+              <a:defRPr sz="1800" b="1"/>
+            </a:lvl3pPr>
+            <a:lvl4pPr marL="1371600" indent="0">
+              <a:buNone/>
+              <a:defRPr sz="1600" b="1"/>
+            </a:lvl4pPr>
+            <a:lvl5pPr marL="1828800" indent="0">
+              <a:buNone/>
+              <a:defRPr sz="1600" b="1"/>
+            </a:lvl5pPr>
+            <a:lvl6pPr marL="2286000" indent="0">
+              <a:buNone/>
+              <a:defRPr sz="1600" b="1"/>
+            </a:lvl6pPr>
+            <a:lvl7pPr marL="2743200" indent="0">
+              <a:buNone/>
+              <a:defRPr sz="1600" b="1"/>
+            </a:lvl7pPr>
+            <a:lvl8pPr marL="3200400" indent="0">
+              <a:buNone/>
+              <a:defRPr sz="1600" b="1"/>
+            </a:lvl8pPr>
+            <a:lvl9pPr marL="3657600" indent="0">
+              <a:buNone/>
+              <a:defRPr sz="1600" b="1"/>
+            </a:lvl9pPr>
+          </a:lstStyle>
+          <a:p>
+            <a:pPr lvl="0"/>
+            <a:r>
+              <a:rPr lang="en-US" smtClean="0"/>
+              <a:t>Click to edit Master text styles</a:t>
+            </a:r>
+          </a:p>
+        </p:txBody>
+      </p:sp>
+      <p:sp>
+        <p:nvSpPr>
+          <p:cNvPr id="29" name="Picture Placeholder 2"/>
+          <p:cNvSpPr>
+            <a:spLocks noGrp="1" noChangeAspect="1"/>
+          </p:cNvSpPr>
+          <p:nvPr>
+            <p:ph type="pic" idx="15"/>
+          </p:nvPr>
+        </p:nvSpPr>
+        <p:spPr>
+          <a:xfrm>
+            <a:off x="652463" y="2209800"/>
+            <a:ext cx="2940050" cy="1524000"/>
+          </a:xfrm>
+          <a:prstGeom prst="roundRect">
+            <a:avLst>
+              <a:gd name="adj" fmla="val 1858"/>
+            </a:avLst>
+          </a:prstGeom>
+          <a:effectLst>
+            <a:outerShdw blurRad="50800" dist="50800" dir="5400000" algn="tl" rotWithShape="0">
+              <a:srgbClr val="000000">
+                <a:alpha val="43000"/>
+              </a:srgbClr>
+            </a:outerShdw>
+          </a:effectLst>
+        </p:spPr>
+        <p:txBody>
+          <a:bodyPr anchor="t">
+            <a:normAutofit/>
+          </a:bodyPr>
+          <a:lstStyle>
+            <a:lvl1pPr marL="0" indent="0" algn="ctr">
+              <a:buNone/>
+              <a:defRPr sz="1600"/>
+            </a:lvl1pPr>
+            <a:lvl2pPr marL="457200" indent="0">
+              <a:buNone/>
+              <a:defRPr sz="1600"/>
+            </a:lvl2pPr>
+            <a:lvl3pPr marL="914400" indent="0">
+              <a:buNone/>
+              <a:defRPr sz="1600"/>
+            </a:lvl3pPr>
+            <a:lvl4pPr marL="1371600" indent="0">
+              <a:buNone/>
+              <a:defRPr sz="1600"/>
+            </a:lvl4pPr>
+            <a:lvl5pPr marL="1828800" indent="0">
+              <a:buNone/>
+              <a:defRPr sz="1600"/>
+            </a:lvl5pPr>
+            <a:lvl6pPr marL="2286000" indent="0">
+              <a:buNone/>
+              <a:defRPr sz="1600"/>
+            </a:lvl6pPr>
+            <a:lvl7pPr marL="2743200" indent="0">
+              <a:buNone/>
+              <a:defRPr sz="1600"/>
+            </a:lvl7pPr>
+            <a:lvl8pPr marL="3200400" indent="0">
+              <a:buNone/>
+              <a:defRPr sz="1600"/>
+            </a:lvl8pPr>
+            <a:lvl9pPr marL="3657600" indent="0">
+              <a:buNone/>
+              <a:defRPr sz="1600"/>
+            </a:lvl9pPr>
+          </a:lstStyle>
+          <a:p>
+            <a:r>
+              <a:rPr lang="en-US" smtClean="0"/>
+              <a:t>Click icon to add picture</a:t>
+            </a:r>
+            <a:endParaRPr lang="en-US" dirty="0"/>
+          </a:p>
+        </p:txBody>
+      </p:sp>
+      <p:sp>
+        <p:nvSpPr>
+          <p:cNvPr id="22" name="Text Placeholder 3"/>
+          <p:cNvSpPr>
+            <a:spLocks noGrp="1"/>
+          </p:cNvSpPr>
+          <p:nvPr>
+            <p:ph type="body" sz="half" idx="18"/>
+          </p:nvPr>
+        </p:nvSpPr>
+        <p:spPr>
+          <a:xfrm>
+            <a:off x="652463" y="4827211"/>
+            <a:ext cx="2940050" cy="659189"/>
+          </a:xfrm>
+        </p:spPr>
+        <p:txBody>
+          <a:bodyPr anchor="t">
+            <a:normAutofit/>
+          </a:bodyPr>
+          <a:lstStyle>
+            <a:lvl1pPr marL="0" indent="0">
+              <a:buNone/>
+              <a:defRPr sz="1400"/>
+            </a:lvl1pPr>
+            <a:lvl2pPr marL="457200" indent="0">
+              <a:buNone/>
+              <a:defRPr sz="1200"/>
+            </a:lvl2pPr>
+            <a:lvl3pPr marL="914400" indent="0">
+              <a:buNone/>
+              <a:defRPr sz="1000"/>
+            </a:lvl3pPr>
+            <a:lvl4pPr marL="1371600" indent="0">
+              <a:buNone/>
+              <a:defRPr sz="900"/>
+            </a:lvl4pPr>
+            <a:lvl5pPr marL="1828800" indent="0">
+              <a:buNone/>
+              <a:defRPr sz="900"/>
+            </a:lvl5pPr>
+            <a:lvl6pPr marL="2286000" indent="0">
+              <a:buNone/>
+              <a:defRPr sz="900"/>
+            </a:lvl6pPr>
+            <a:lvl7pPr marL="2743200" indent="0">
+              <a:buNone/>
+              <a:defRPr sz="900"/>
+            </a:lvl7pPr>
+            <a:lvl8pPr marL="3200400" indent="0">
+              <a:buNone/>
+              <a:defRPr sz="900"/>
+            </a:lvl8pPr>
+            <a:lvl9pPr marL="3657600" indent="0">
+              <a:buNone/>
+              <a:defRPr sz="900"/>
+            </a:lvl9pPr>
+          </a:lstStyle>
+          <a:p>
+            <a:pPr lvl="0"/>
+            <a:r>
+              <a:rPr lang="en-US" smtClean="0"/>
+              <a:t>Click to edit Master text styles</a:t>
+            </a:r>
+          </a:p>
+        </p:txBody>
+      </p:sp>
+      <p:sp>
+        <p:nvSpPr>
+          <p:cNvPr id="5" name="Text Placeholder 4"/>
+          <p:cNvSpPr>
+            <a:spLocks noGrp="1"/>
+          </p:cNvSpPr>
+          <p:nvPr>
+            <p:ph type="body" sz="quarter" idx="3"/>
+          </p:nvPr>
+        </p:nvSpPr>
+        <p:spPr>
+          <a:xfrm>
+            <a:off x="3889375" y="4250949"/>
+            <a:ext cx="2930525" cy="576262"/>
+          </a:xfrm>
+        </p:spPr>
+        <p:txBody>
+          <a:bodyPr anchor="b">
+            <a:noAutofit/>
+          </a:bodyPr>
+          <a:lstStyle>
+            <a:lvl1pPr marL="0" indent="0">
+              <a:buNone/>
+              <a:defRPr sz="2400" b="0">
+                <a:solidFill>
+                  <a:schemeClr val="bg2">
+                    <a:lumMod val="40000"/>
+                    <a:lumOff val="60000"/>
+                  </a:schemeClr>
+                </a:solidFill>
+              </a:defRPr>
+            </a:lvl1pPr>
+            <a:lvl2pPr marL="457200" indent="0">
+              <a:buNone/>
+              <a:defRPr sz="2000" b="1"/>
+            </a:lvl2pPr>
+            <a:lvl3pPr marL="914400" indent="0">
+              <a:buNone/>
+              <a:defRPr sz="1800" b="1"/>
+            </a:lvl3pPr>
+            <a:lvl4pPr marL="1371600" indent="0">
+              <a:buNone/>
+              <a:defRPr sz="1600" b="1"/>
+            </a:lvl4pPr>
+            <a:lvl5pPr marL="1828800" indent="0">
+              <a:buNone/>
+              <a:defRPr sz="1600" b="1"/>
+            </a:lvl5pPr>
+            <a:lvl6pPr marL="2286000" indent="0">
+              <a:buNone/>
+              <a:defRPr sz="1600" b="1"/>
+            </a:lvl6pPr>
+            <a:lvl7pPr marL="2743200" indent="0">
+              <a:buNone/>
+              <a:defRPr sz="1600" b="1"/>
+            </a:lvl7pPr>
+            <a:lvl8pPr marL="3200400" indent="0">
+              <a:buNone/>
+              <a:defRPr sz="1600" b="1"/>
+            </a:lvl8pPr>
+            <a:lvl9pPr marL="3657600" indent="0">
+              <a:buNone/>
+              <a:defRPr sz="1600" b="1"/>
+            </a:lvl9pPr>
+          </a:lstStyle>
+          <a:p>
+            <a:pPr lvl="0"/>
+            <a:r>
+              <a:rPr lang="en-US" smtClean="0"/>
+              <a:t>Click to edit Master text styles</a:t>
+            </a:r>
+          </a:p>
+        </p:txBody>
+      </p:sp>
+      <p:sp>
+        <p:nvSpPr>
+          <p:cNvPr id="30" name="Picture Placeholder 2"/>
+          <p:cNvSpPr>
+            <a:spLocks noGrp="1" noChangeAspect="1"/>
+          </p:cNvSpPr>
+          <p:nvPr>
+            <p:ph type="pic" idx="21"/>
+          </p:nvPr>
+        </p:nvSpPr>
+        <p:spPr>
+          <a:xfrm>
+            <a:off x="3889374" y="2209800"/>
+            <a:ext cx="2930525" cy="1524000"/>
+          </a:xfrm>
+          <a:prstGeom prst="roundRect">
+            <a:avLst>
+              <a:gd name="adj" fmla="val 1858"/>
+            </a:avLst>
+          </a:prstGeom>
+          <a:effectLst>
+            <a:outerShdw blurRad="50800" dist="50800" dir="5400000" algn="tl" rotWithShape="0">
+              <a:srgbClr val="000000">
+                <a:alpha val="43000"/>
+              </a:srgbClr>
+            </a:outerShdw>
+          </a:effectLst>
+        </p:spPr>
+        <p:txBody>
+          <a:bodyPr anchor="t">
+            <a:normAutofit/>
+          </a:bodyPr>
+          <a:lstStyle>
+            <a:lvl1pPr marL="0" indent="0" algn="ctr">
+              <a:buNone/>
+              <a:defRPr sz="1600"/>
+            </a:lvl1pPr>
+            <a:lvl2pPr marL="457200" indent="0">
+              <a:buNone/>
+              <a:defRPr sz="1600"/>
+            </a:lvl2pPr>
+            <a:lvl3pPr marL="914400" indent="0">
+              <a:buNone/>
+              <a:defRPr sz="1600"/>
+            </a:lvl3pPr>
+            <a:lvl4pPr marL="1371600" indent="0">
+              <a:buNone/>
+              <a:defRPr sz="1600"/>
+            </a:lvl4pPr>
+            <a:lvl5pPr marL="1828800" indent="0">
+              <a:buNone/>
+              <a:defRPr sz="1600"/>
+            </a:lvl5pPr>
+            <a:lvl6pPr marL="2286000" indent="0">
+              <a:buNone/>
+              <a:defRPr sz="1600"/>
+            </a:lvl6pPr>
+            <a:lvl7pPr marL="2743200" indent="0">
+              <a:buNone/>
+              <a:defRPr sz="1600"/>
+            </a:lvl7pPr>
+            <a:lvl8pPr marL="3200400" indent="0">
+              <a:buNone/>
+              <a:defRPr sz="1600"/>
+            </a:lvl8pPr>
+            <a:lvl9pPr marL="3657600" indent="0">
+              <a:buNone/>
+              <a:defRPr sz="1600"/>
+            </a:lvl9pPr>
+          </a:lstStyle>
+          <a:p>
+            <a:r>
+              <a:rPr lang="en-US" smtClean="0"/>
+              <a:t>Click icon to add picture</a:t>
+            </a:r>
+            <a:endParaRPr lang="en-US" dirty="0"/>
+          </a:p>
+        </p:txBody>
+      </p:sp>
+      <p:sp>
+        <p:nvSpPr>
+          <p:cNvPr id="23" name="Text Placeholder 3"/>
+          <p:cNvSpPr>
+            <a:spLocks noGrp="1"/>
+          </p:cNvSpPr>
+          <p:nvPr>
+            <p:ph type="body" sz="half" idx="19"/>
+          </p:nvPr>
+        </p:nvSpPr>
+        <p:spPr>
+          <a:xfrm>
+            <a:off x="3888022" y="4827210"/>
+            <a:ext cx="2934406" cy="659189"/>
+          </a:xfrm>
+        </p:spPr>
+        <p:txBody>
+          <a:bodyPr anchor="t">
+            <a:normAutofit/>
+          </a:bodyPr>
+          <a:lstStyle>
+            <a:lvl1pPr marL="0" indent="0">
+              <a:buNone/>
+              <a:defRPr sz="1400"/>
+            </a:lvl1pPr>
+            <a:lvl2pPr marL="457200" indent="0">
+              <a:buNone/>
+              <a:defRPr sz="1200"/>
+            </a:lvl2pPr>
+            <a:lvl3pPr marL="914400" indent="0">
+              <a:buNone/>
+              <a:defRPr sz="1000"/>
+            </a:lvl3pPr>
+            <a:lvl4pPr marL="1371600" indent="0">
+              <a:buNone/>
+              <a:defRPr sz="900"/>
+            </a:lvl4pPr>
+            <a:lvl5pPr marL="1828800" indent="0">
+              <a:buNone/>
+              <a:defRPr sz="900"/>
+            </a:lvl5pPr>
+            <a:lvl6pPr marL="2286000" indent="0">
+              <a:buNone/>
+              <a:defRPr sz="900"/>
+            </a:lvl6pPr>
+            <a:lvl7pPr marL="2743200" indent="0">
+              <a:buNone/>
+              <a:defRPr sz="900"/>
+            </a:lvl7pPr>
+            <a:lvl8pPr marL="3200400" indent="0">
+              <a:buNone/>
+              <a:defRPr sz="900"/>
+            </a:lvl8pPr>
+            <a:lvl9pPr marL="3657600" indent="0">
+              <a:buNone/>
+              <a:defRPr sz="900"/>
+            </a:lvl9pPr>
+          </a:lstStyle>
+          <a:p>
+            <a:pPr lvl="0"/>
+            <a:r>
+              <a:rPr lang="en-US" smtClean="0"/>
+              <a:t>Click to edit Master text styles</a:t>
+            </a:r>
+          </a:p>
+        </p:txBody>
+      </p:sp>
+      <p:sp>
+        <p:nvSpPr>
+          <p:cNvPr id="14" name="Text Placeholder 4"/>
+          <p:cNvSpPr>
+            <a:spLocks noGrp="1"/>
+          </p:cNvSpPr>
+          <p:nvPr>
+            <p:ph type="body" sz="quarter" idx="13"/>
+          </p:nvPr>
+        </p:nvSpPr>
+        <p:spPr>
+          <a:xfrm>
+            <a:off x="7124700" y="4250949"/>
+            <a:ext cx="2932113" cy="576262"/>
+          </a:xfrm>
+        </p:spPr>
+        <p:txBody>
+          <a:bodyPr anchor="b">
+            <a:noAutofit/>
+          </a:bodyPr>
+          <a:lstStyle>
+            <a:lvl1pPr marL="0" indent="0">
+              <a:buNone/>
+              <a:defRPr sz="2400" b="0">
+                <a:solidFill>
+                  <a:schemeClr val="bg2">
+                    <a:lumMod val="40000"/>
+                    <a:lumOff val="60000"/>
+                  </a:schemeClr>
+                </a:solidFill>
+              </a:defRPr>
+            </a:lvl1pPr>
+            <a:lvl2pPr marL="457200" indent="0">
+              <a:buNone/>
+              <a:defRPr sz="2000" b="1"/>
+            </a:lvl2pPr>
+            <a:lvl3pPr marL="914400" indent="0">
+              <a:buNone/>
+              <a:defRPr sz="1800" b="1"/>
+            </a:lvl3pPr>
+            <a:lvl4pPr marL="1371600" indent="0">
+              <a:buNone/>
+              <a:defRPr sz="1600" b="1"/>
+            </a:lvl4pPr>
+            <a:lvl5pPr marL="1828800" indent="0">
+              <a:buNone/>
+              <a:defRPr sz="1600" b="1"/>
+            </a:lvl5pPr>
+            <a:lvl6pPr marL="2286000" indent="0">
+              <a:buNone/>
+              <a:defRPr sz="1600" b="1"/>
+            </a:lvl6pPr>
+            <a:lvl7pPr marL="2743200" indent="0">
+              <a:buNone/>
+              <a:defRPr sz="1600" b="1"/>
+            </a:lvl7pPr>
+            <a:lvl8pPr marL="3200400" indent="0">
+              <a:buNone/>
+              <a:defRPr sz="1600" b="1"/>
+            </a:lvl8pPr>
+            <a:lvl9pPr marL="3657600" indent="0">
+              <a:buNone/>
+              <a:defRPr sz="1600" b="1"/>
+            </a:lvl9pPr>
+          </a:lstStyle>
+          <a:p>
+            <a:pPr lvl="0"/>
+            <a:r>
+              <a:rPr lang="en-US" smtClean="0"/>
+              <a:t>Click to edit Master text styles</a:t>
+            </a:r>
+          </a:p>
+        </p:txBody>
+      </p:sp>
+      <p:sp>
+        <p:nvSpPr>
+          <p:cNvPr id="31" name="Picture Placeholder 2"/>
+          <p:cNvSpPr>
+            <a:spLocks noGrp="1" noChangeAspect="1"/>
+          </p:cNvSpPr>
+          <p:nvPr>
+            <p:ph type="pic" idx="22"/>
+          </p:nvPr>
+        </p:nvSpPr>
+        <p:spPr>
+          <a:xfrm>
+            <a:off x="7124699" y="2209800"/>
+            <a:ext cx="2932113" cy="1524000"/>
+          </a:xfrm>
+          <a:prstGeom prst="roundRect">
+            <a:avLst>
+              <a:gd name="adj" fmla="val 1858"/>
+            </a:avLst>
+          </a:prstGeom>
+          <a:effectLst>
+            <a:outerShdw blurRad="50800" dist="50800" dir="5400000" algn="tl" rotWithShape="0">
+              <a:srgbClr val="000000">
+                <a:alpha val="43000"/>
+              </a:srgbClr>
+            </a:outerShdw>
+          </a:effectLst>
+        </p:spPr>
+        <p:txBody>
+          <a:bodyPr anchor="t">
+            <a:normAutofit/>
+          </a:bodyPr>
+          <a:lstStyle>
+            <a:lvl1pPr marL="0" indent="0" algn="ctr">
+              <a:buNone/>
+              <a:defRPr sz="1600"/>
+            </a:lvl1pPr>
+            <a:lvl2pPr marL="457200" indent="0">
+              <a:buNone/>
+              <a:defRPr sz="1600"/>
+            </a:lvl2pPr>
+            <a:lvl3pPr marL="914400" indent="0">
+              <a:buNone/>
+              <a:defRPr sz="1600"/>
+            </a:lvl3pPr>
+            <a:lvl4pPr marL="1371600" indent="0">
+              <a:buNone/>
+              <a:defRPr sz="1600"/>
+            </a:lvl4pPr>
+            <a:lvl5pPr marL="1828800" indent="0">
+              <a:buNone/>
+              <a:defRPr sz="1600"/>
+            </a:lvl5pPr>
+            <a:lvl6pPr marL="2286000" indent="0">
+              <a:buNone/>
+              <a:defRPr sz="1600"/>
+            </a:lvl6pPr>
+            <a:lvl7pPr marL="2743200" indent="0">
+              <a:buNone/>
+              <a:defRPr sz="1600"/>
+            </a:lvl7pPr>
+            <a:lvl8pPr marL="3200400" indent="0">
+              <a:buNone/>
+              <a:defRPr sz="1600"/>
+            </a:lvl8pPr>
+            <a:lvl9pPr marL="3657600" indent="0">
+              <a:buNone/>
+              <a:defRPr sz="1600"/>
+            </a:lvl9pPr>
+          </a:lstStyle>
+          <a:p>
+            <a:r>
+              <a:rPr lang="en-US" smtClean="0"/>
+              <a:t>Click icon to add picture</a:t>
+            </a:r>
+            <a:endParaRPr lang="en-US" dirty="0"/>
+          </a:p>
+        </p:txBody>
+      </p:sp>
+      <p:sp>
+        <p:nvSpPr>
+          <p:cNvPr id="24" name="Text Placeholder 3"/>
+          <p:cNvSpPr>
+            <a:spLocks noGrp="1"/>
+          </p:cNvSpPr>
+          <p:nvPr>
+            <p:ph type="body" sz="half" idx="20"/>
+          </p:nvPr>
+        </p:nvSpPr>
+        <p:spPr>
+          <a:xfrm>
+            <a:off x="7124575" y="4827208"/>
+            <a:ext cx="2935997" cy="659189"/>
+          </a:xfrm>
+        </p:spPr>
+        <p:txBody>
+          <a:bodyPr anchor="t">
+            <a:normAutofit/>
+          </a:bodyPr>
+          <a:lstStyle>
+            <a:lvl1pPr marL="0" indent="0">
+              <a:buNone/>
+              <a:defRPr sz="1400"/>
+            </a:lvl1pPr>
+            <a:lvl2pPr marL="457200" indent="0">
+              <a:buNone/>
+              <a:defRPr sz="1200"/>
+            </a:lvl2pPr>
+            <a:lvl3pPr marL="914400" indent="0">
+              <a:buNone/>
+              <a:defRPr sz="1000"/>
+            </a:lvl3pPr>
+            <a:lvl4pPr marL="1371600" indent="0">
+              <a:buNone/>
+              <a:defRPr sz="900"/>
+            </a:lvl4pPr>
+            <a:lvl5pPr marL="1828800" indent="0">
+              <a:buNone/>
+              <a:defRPr sz="900"/>
+            </a:lvl5pPr>
+            <a:lvl6pPr marL="2286000" indent="0">
+              <a:buNone/>
+              <a:defRPr sz="900"/>
+            </a:lvl6pPr>
+            <a:lvl7pPr marL="2743200" indent="0">
+              <a:buNone/>
+              <a:defRPr sz="900"/>
+            </a:lvl7pPr>
+            <a:lvl8pPr marL="3200400" indent="0">
+              <a:buNone/>
+              <a:defRPr sz="900"/>
+            </a:lvl8pPr>
+            <a:lvl9pPr marL="3657600" indent="0">
+              <a:buNone/>
+              <a:defRPr sz="900"/>
+            </a:lvl9pPr>
+          </a:lstStyle>
+          <a:p>
+            <a:pPr lvl="0"/>
+            <a:r>
+              <a:rPr lang="en-US" smtClean="0"/>
+              <a:t>Click to edit Master text styles</a:t>
+            </a:r>
+          </a:p>
+        </p:txBody>
+      </p:sp>
+      <p:cxnSp>
+        <p:nvCxnSpPr>
+          <p:cNvPr id="19" name="Straight Connector 18"/>
+          <p:cNvCxnSpPr/>
+          <p:nvPr/>
+        </p:nvCxnSpPr>
+        <p:spPr>
+          <a:xfrm>
+            <a:off x="3726142" y="2133600"/>
+            <a:ext cx="0" cy="3962400"/>
+          </a:xfrm>
+          <a:prstGeom prst="line">
+            <a:avLst/>
+          </a:prstGeom>
+          <a:ln w="12700" cmpd="sng">
+            <a:solidFill>
+              <a:schemeClr val="bg2">
+                <a:lumMod val="40000"/>
+                <a:lumOff val="60000"/>
+                <a:alpha val="40000"/>
+              </a:schemeClr>
+            </a:solidFill>
+          </a:ln>
+        </p:spPr>
+        <p:style>
+          <a:lnRef idx="2">
+            <a:schemeClr val="accent1"/>
+          </a:lnRef>
+          <a:fillRef idx="0">
+            <a:schemeClr val="accent1"/>
+          </a:fillRef>
+          <a:effectRef idx="1">
+            <a:schemeClr val="accent1"/>
+          </a:effectRef>
+          <a:fontRef idx="minor">
+            <a:schemeClr val="tx1"/>
+          </a:fontRef>
+        </p:style>
+      </p:cxnSp>
+      <p:cxnSp>
+        <p:nvCxnSpPr>
+          <p:cNvPr id="20" name="Straight Connector 19"/>
+          <p:cNvCxnSpPr/>
+          <p:nvPr/>
+        </p:nvCxnSpPr>
+        <p:spPr>
+          <a:xfrm>
+            <a:off x="6962227" y="2133600"/>
+            <a:ext cx="0" cy="3966882"/>
+          </a:xfrm>
+          <a:prstGeom prst="line">
+            <a:avLst/>
+          </a:prstGeom>
+          <a:ln w="12700" cmpd="sng">
+            <a:solidFill>
+              <a:schemeClr val="bg2">
+                <a:lumMod val="40000"/>
+                <a:lumOff val="60000"/>
+                <a:alpha val="40000"/>
+              </a:schemeClr>
+            </a:solidFill>
+          </a:ln>
+        </p:spPr>
+        <p:style>
+          <a:lnRef idx="2">
+            <a:schemeClr val="accent1"/>
+          </a:lnRef>
+          <a:fillRef idx="0">
+            <a:schemeClr val="accent1"/>
+          </a:fillRef>
+          <a:effectRef idx="1">
+            <a:schemeClr val="accent1"/>
+          </a:effectRef>
+          <a:fontRef idx="minor">
+            <a:schemeClr val="tx1"/>
+          </a:fontRef>
+        </p:style>
+      </p:cxnSp>
+      <p:sp>
+        <p:nvSpPr>
+          <p:cNvPr id="7" name="Date Placeholder 3"/>
+          <p:cNvSpPr>
+            <a:spLocks noGrp="1"/>
+          </p:cNvSpPr>
+          <p:nvPr>
+            <p:ph type="dt" sz="half" idx="10"/>
+          </p:nvPr>
+        </p:nvSpPr>
+        <p:spPr/>
+        <p:txBody>
+          <a:bodyPr/>
+          <a:lstStyle/>
+          <a:p>
+            <a:fld id="{7537D143-A3E9-46F1-8354-94C6592F23B8}" type="datetimeFigureOut">
+              <a:rPr lang="en-US" smtClean="0"/>
+              <a:t>11/1/2016</a:t>
+            </a:fld>
+            <a:endParaRPr lang="en-US"/>
+          </a:p>
+        </p:txBody>
+      </p:sp>
+      <p:sp>
+        <p:nvSpPr>
+          <p:cNvPr id="4" name="Footer Placeholder 4"/>
+          <p:cNvSpPr>
+            <a:spLocks noGrp="1"/>
+          </p:cNvSpPr>
+          <p:nvPr>
+            <p:ph type="ftr" sz="quarter" idx="11"/>
+          </p:nvPr>
+        </p:nvSpPr>
+        <p:spPr/>
+        <p:txBody>
+          <a:bodyPr/>
+          <a:lstStyle/>
+          <a:p>
+            <a:endParaRPr lang="en-US"/>
+          </a:p>
+        </p:txBody>
+      </p:sp>
+      <p:sp>
+        <p:nvSpPr>
+          <p:cNvPr id="6" name="Slide Number Placeholder 5"/>
+          <p:cNvSpPr>
+            <a:spLocks noGrp="1"/>
+          </p:cNvSpPr>
+          <p:nvPr>
+            <p:ph type="sldNum" sz="quarter" idx="12"/>
+          </p:nvPr>
+        </p:nvSpPr>
+        <p:spPr/>
+        <p:txBody>
+          <a:bodyPr/>
+          <a:lstStyle/>
+          <a:p>
+            <a:fld id="{57841346-9C98-40A2-9C8C-456042C66470}" type="slidenum">
+              <a:rPr lang="en-US" smtClean="0"/>
+              <a:t>‹#›</a:t>
+            </a:fld>
+            <a:endParaRPr lang="en-US"/>
+          </a:p>
+        </p:txBody>
+      </p:sp>
+    </p:spTree>
+    <p:extLst>
+      <p:ext uri="{BB962C8B-B14F-4D97-AF65-F5344CB8AC3E}">
+        <p14:creationId xmlns:p14="http://schemas.microsoft.com/office/powerpoint/2010/main" val="3676885328"/>
+      </p:ext>
+    </p:extLst>
+  </p:cSld>
+  <p:clrMapOvr>
+    <a:masterClrMapping/>
+  </p:clrMapOvr>
+</p:sldLayout>
+</file>
+
+<file path=ppt/slideLayouts/slideLayout16.xml><?xml version="1.0" encoding="utf-8"?>
 <p:sldLayout xmlns:a="http://schemas.openxmlformats.org/drawingml/2006/main" xmlns:r="http://schemas.openxmlformats.org/officeDocument/2006/relationships" xmlns:p="http://schemas.openxmlformats.org/presentationml/2006/main" type="vertTx" preserve="1">
   <p:cSld name="Title and Vertical Text">
     <p:spTree>
@@ -350,7 +2971,7 @@
               <a:rPr lang="en-US" smtClean="0"/>
               <a:t>Click to edit Master title style</a:t>
             </a:r>
-            <a:endParaRPr lang="en-US"/>
+            <a:endParaRPr lang="en-US" dirty="0"/>
           </a:p>
         </p:txBody>
       </p:sp>
@@ -366,7 +2987,7 @@
         </p:nvSpPr>
         <p:spPr/>
         <p:txBody>
-          <a:bodyPr vert="eaVert"/>
+          <a:bodyPr vert="eaVert" anchor="t" anchorCtr="0"/>
           <a:lstStyle/>
           <a:p>
             <a:pPr lvl="0"/>
@@ -402,7 +3023,7 @@
               <a:rPr lang="en-US" smtClean="0"/>
               <a:t>Fifth level</a:t>
             </a:r>
-            <a:endParaRPr lang="en-US"/>
+            <a:endParaRPr lang="en-US" dirty="0"/>
           </a:p>
         </p:txBody>
       </p:sp>
@@ -474,7 +3095,7 @@
     </p:spTree>
     <p:extLst>
       <p:ext uri="{BB962C8B-B14F-4D97-AF65-F5344CB8AC3E}">
-        <p14:creationId xmlns:p14="http://schemas.microsoft.com/office/powerpoint/2010/main" val="3807162176"/>
+        <p14:creationId xmlns:p14="http://schemas.microsoft.com/office/powerpoint/2010/main" val="859624561"/>
       </p:ext>
     </p:extLst>
   </p:cSld>
@@ -484,7 +3105,7 @@
 </p:sldLayout>
 </file>
 
-<file path=ppt/slideLayouts/slideLayout11.xml><?xml version="1.0" encoding="utf-8"?>
+<file path=ppt/slideLayouts/slideLayout17.xml><?xml version="1.0" encoding="utf-8"?>
 <p:sldLayout xmlns:a="http://schemas.openxmlformats.org/drawingml/2006/main" xmlns:r="http://schemas.openxmlformats.org/officeDocument/2006/relationships" xmlns:p="http://schemas.openxmlformats.org/presentationml/2006/main" type="vertTitleAndTx" preserve="1">
   <p:cSld name="Vertical Title and Text">
     <p:spTree>
@@ -513,19 +3134,19 @@
         </p:nvSpPr>
         <p:spPr>
           <a:xfrm>
-            <a:off x="8724900" y="365125"/>
-            <a:ext cx="2628900" cy="5811838"/>
+            <a:off x="8304212" y="430213"/>
+            <a:ext cx="1752601" cy="5826125"/>
           </a:xfrm>
         </p:spPr>
         <p:txBody>
-          <a:bodyPr vert="eaVert"/>
+          <a:bodyPr vert="eaVert" anchor="b" anchorCtr="0"/>
           <a:lstStyle/>
           <a:p>
             <a:r>
               <a:rPr lang="en-US" smtClean="0"/>
               <a:t>Click to edit Master title style</a:t>
             </a:r>
-            <a:endParaRPr lang="en-US"/>
+            <a:endParaRPr lang="en-US" dirty="0"/>
           </a:p>
         </p:txBody>
       </p:sp>
@@ -541,8 +3162,8 @@
         </p:nvSpPr>
         <p:spPr>
           <a:xfrm>
-            <a:off x="838200" y="365125"/>
-            <a:ext cx="7734300" cy="5811838"/>
+            <a:off x="652463" y="887414"/>
+            <a:ext cx="7423149" cy="5368924"/>
           </a:xfrm>
         </p:spPr>
         <p:txBody>
@@ -582,7 +3203,7 @@
               <a:rPr lang="en-US" smtClean="0"/>
               <a:t>Fifth level</a:t>
             </a:r>
-            <a:endParaRPr lang="en-US"/>
+            <a:endParaRPr lang="en-US" dirty="0"/>
           </a:p>
         </p:txBody>
       </p:sp>
@@ -654,7 +3275,7 @@
     </p:spTree>
     <p:extLst>
       <p:ext uri="{BB962C8B-B14F-4D97-AF65-F5344CB8AC3E}">
-        <p14:creationId xmlns:p14="http://schemas.microsoft.com/office/powerpoint/2010/main" val="3917347473"/>
+        <p14:creationId xmlns:p14="http://schemas.microsoft.com/office/powerpoint/2010/main" val="3548041117"/>
       </p:ext>
     </p:extLst>
   </p:cSld>
@@ -700,7 +3321,7 @@
               <a:rPr lang="en-US" smtClean="0"/>
               <a:t>Click to edit Master title style</a:t>
             </a:r>
-            <a:endParaRPr lang="en-US"/>
+            <a:endParaRPr lang="en-US" dirty="0"/>
           </a:p>
         </p:txBody>
       </p:sp>
@@ -752,13 +3373,13 @@
               <a:rPr lang="en-US" smtClean="0"/>
               <a:t>Fifth level</a:t>
             </a:r>
-            <a:endParaRPr lang="en-US"/>
-          </a:p>
-        </p:txBody>
-      </p:sp>
-      <p:sp>
-        <p:nvSpPr>
-          <p:cNvPr id="4" name="Date Placeholder 3"/>
+            <a:endParaRPr lang="en-US" dirty="0"/>
+          </a:p>
+        </p:txBody>
+      </p:sp>
+      <p:sp>
+        <p:nvSpPr>
+          <p:cNvPr id="7" name="Date Placeholder 3"/>
           <p:cNvSpPr>
             <a:spLocks noGrp="1"/>
           </p:cNvSpPr>
@@ -824,7 +3445,7 @@
     </p:spTree>
     <p:extLst>
       <p:ext uri="{BB962C8B-B14F-4D97-AF65-F5344CB8AC3E}">
-        <p14:creationId xmlns:p14="http://schemas.microsoft.com/office/powerpoint/2010/main" val="2263001263"/>
+        <p14:creationId xmlns:p14="http://schemas.microsoft.com/office/powerpoint/2010/main" val="2756313345"/>
       </p:ext>
     </p:extLst>
   </p:cSld>
@@ -863,15 +3484,15 @@
         </p:nvSpPr>
         <p:spPr>
           <a:xfrm>
-            <a:off x="831850" y="1709738"/>
-            <a:ext cx="10515600" cy="2852737"/>
+            <a:off x="1154956" y="2861733"/>
+            <a:ext cx="8825657" cy="1915647"/>
           </a:xfrm>
         </p:spPr>
         <p:txBody>
           <a:bodyPr anchor="b"/>
           <a:lstStyle>
-            <a:lvl1pPr>
-              <a:defRPr sz="6000"/>
+            <a:lvl1pPr algn="l">
+              <a:defRPr sz="4000" b="0" cap="none"/>
             </a:lvl1pPr>
           </a:lstStyle>
           <a:p>
@@ -879,7 +3500,7 @@
               <a:rPr lang="en-US" smtClean="0"/>
               <a:t>Click to edit Master title style</a:t>
             </a:r>
-            <a:endParaRPr lang="en-US"/>
+            <a:endParaRPr lang="en-US" dirty="0"/>
           </a:p>
         </p:txBody>
       </p:sp>
@@ -895,26 +3516,27 @@
         </p:nvSpPr>
         <p:spPr>
           <a:xfrm>
-            <a:off x="831850" y="4589463"/>
-            <a:ext cx="10515600" cy="1500187"/>
+            <a:off x="1154955" y="4777381"/>
+            <a:ext cx="8825658" cy="860400"/>
           </a:xfrm>
         </p:spPr>
         <p:txBody>
-          <a:bodyPr/>
+          <a:bodyPr anchor="t"/>
           <a:lstStyle>
-            <a:lvl1pPr marL="0" indent="0">
-              <a:buNone/>
-              <a:defRPr sz="2400">
+            <a:lvl1pPr marL="0" indent="0" algn="l">
+              <a:buNone/>
+              <a:defRPr sz="2000" cap="all">
                 <a:solidFill>
-                  <a:schemeClr val="tx1">
-                    <a:tint val="75000"/>
+                  <a:schemeClr val="bg2">
+                    <a:lumMod val="40000"/>
+                    <a:lumOff val="60000"/>
                   </a:schemeClr>
                 </a:solidFill>
               </a:defRPr>
             </a:lvl1pPr>
             <a:lvl2pPr marL="457200" indent="0">
               <a:buNone/>
-              <a:defRPr sz="2000">
+              <a:defRPr sz="1800">
                 <a:solidFill>
                   <a:schemeClr val="tx1">
                     <a:tint val="75000"/>
@@ -924,7 +3546,7 @@
             </a:lvl2pPr>
             <a:lvl3pPr marL="914400" indent="0">
               <a:buNone/>
-              <a:defRPr sz="1800">
+              <a:defRPr sz="1600">
                 <a:solidFill>
                   <a:schemeClr val="tx1">
                     <a:tint val="75000"/>
@@ -934,7 +3556,7 @@
             </a:lvl3pPr>
             <a:lvl4pPr marL="1371600" indent="0">
               <a:buNone/>
-              <a:defRPr sz="1600">
+              <a:defRPr sz="1400">
                 <a:solidFill>
                   <a:schemeClr val="tx1">
                     <a:tint val="75000"/>
@@ -944,7 +3566,7 @@
             </a:lvl4pPr>
             <a:lvl5pPr marL="1828800" indent="0">
               <a:buNone/>
-              <a:defRPr sz="1600">
+              <a:defRPr sz="1400">
                 <a:solidFill>
                   <a:schemeClr val="tx1">
                     <a:tint val="75000"/>
@@ -954,7 +3576,7 @@
             </a:lvl5pPr>
             <a:lvl6pPr marL="2286000" indent="0">
               <a:buNone/>
-              <a:defRPr sz="1600">
+              <a:defRPr sz="1400">
                 <a:solidFill>
                   <a:schemeClr val="tx1">
                     <a:tint val="75000"/>
@@ -964,7 +3586,7 @@
             </a:lvl6pPr>
             <a:lvl7pPr marL="2743200" indent="0">
               <a:buNone/>
-              <a:defRPr sz="1600">
+              <a:defRPr sz="1400">
                 <a:solidFill>
                   <a:schemeClr val="tx1">
                     <a:tint val="75000"/>
@@ -974,7 +3596,7 @@
             </a:lvl7pPr>
             <a:lvl8pPr marL="3200400" indent="0">
               <a:buNone/>
-              <a:defRPr sz="1600">
+              <a:defRPr sz="1400">
                 <a:solidFill>
                   <a:schemeClr val="tx1">
                     <a:tint val="75000"/>
@@ -984,7 +3606,7 @@
             </a:lvl8pPr>
             <a:lvl9pPr marL="3657600" indent="0">
               <a:buNone/>
-              <a:defRPr sz="1600">
+              <a:defRPr sz="1400">
                 <a:solidFill>
                   <a:schemeClr val="tx1">
                     <a:tint val="75000"/>
@@ -1070,7 +3692,7 @@
     </p:spTree>
     <p:extLst>
       <p:ext uri="{BB962C8B-B14F-4D97-AF65-F5344CB8AC3E}">
-        <p14:creationId xmlns:p14="http://schemas.microsoft.com/office/powerpoint/2010/main" val="2183451038"/>
+        <p14:creationId xmlns:p14="http://schemas.microsoft.com/office/powerpoint/2010/main" val="3510850825"/>
       </p:ext>
     </p:extLst>
   </p:cSld>
@@ -1116,7 +3738,7 @@
               <a:rPr lang="en-US" smtClean="0"/>
               <a:t>Click to edit Master title style</a:t>
             </a:r>
-            <a:endParaRPr lang="en-US"/>
+            <a:endParaRPr lang="en-US" dirty="0"/>
           </a:p>
         </p:txBody>
       </p:sp>
@@ -1132,13 +3754,43 @@
         </p:nvSpPr>
         <p:spPr>
           <a:xfrm>
-            <a:off x="838200" y="1825625"/>
-            <a:ext cx="5181600" cy="4351338"/>
+            <a:off x="1103312" y="2060575"/>
+            <a:ext cx="4396339" cy="4195763"/>
           </a:xfrm>
         </p:spPr>
         <p:txBody>
-          <a:bodyPr/>
-          <a:lstStyle/>
+          <a:bodyPr>
+            <a:normAutofit/>
+          </a:bodyPr>
+          <a:lstStyle>
+            <a:lvl1pPr>
+              <a:defRPr sz="1800"/>
+            </a:lvl1pPr>
+            <a:lvl2pPr>
+              <a:defRPr sz="1600"/>
+            </a:lvl2pPr>
+            <a:lvl3pPr>
+              <a:defRPr sz="1400"/>
+            </a:lvl3pPr>
+            <a:lvl4pPr>
+              <a:defRPr sz="1200"/>
+            </a:lvl4pPr>
+            <a:lvl5pPr>
+              <a:defRPr sz="1200"/>
+            </a:lvl5pPr>
+            <a:lvl6pPr>
+              <a:defRPr sz="1200"/>
+            </a:lvl6pPr>
+            <a:lvl7pPr>
+              <a:defRPr sz="1200"/>
+            </a:lvl7pPr>
+            <a:lvl8pPr>
+              <a:defRPr sz="1200"/>
+            </a:lvl8pPr>
+            <a:lvl9pPr>
+              <a:defRPr sz="1200"/>
+            </a:lvl9pPr>
+          </a:lstStyle>
           <a:p>
             <a:pPr lvl="0"/>
             <a:r>
@@ -1173,7 +3825,7 @@
               <a:rPr lang="en-US" smtClean="0"/>
               <a:t>Fifth level</a:t>
             </a:r>
-            <a:endParaRPr lang="en-US"/>
+            <a:endParaRPr lang="en-US" dirty="0"/>
           </a:p>
         </p:txBody>
       </p:sp>
@@ -1189,13 +3841,43 @@
         </p:nvSpPr>
         <p:spPr>
           <a:xfrm>
-            <a:off x="6172200" y="1825625"/>
-            <a:ext cx="5181600" cy="4351338"/>
+            <a:off x="5654493" y="2056092"/>
+            <a:ext cx="4396341" cy="4200245"/>
           </a:xfrm>
         </p:spPr>
         <p:txBody>
-          <a:bodyPr/>
-          <a:lstStyle/>
+          <a:bodyPr>
+            <a:normAutofit/>
+          </a:bodyPr>
+          <a:lstStyle>
+            <a:lvl1pPr>
+              <a:defRPr sz="1800"/>
+            </a:lvl1pPr>
+            <a:lvl2pPr>
+              <a:defRPr sz="1600"/>
+            </a:lvl2pPr>
+            <a:lvl3pPr>
+              <a:defRPr sz="1400"/>
+            </a:lvl3pPr>
+            <a:lvl4pPr>
+              <a:defRPr sz="1200"/>
+            </a:lvl4pPr>
+            <a:lvl5pPr>
+              <a:defRPr sz="1200"/>
+            </a:lvl5pPr>
+            <a:lvl6pPr>
+              <a:defRPr sz="1200"/>
+            </a:lvl6pPr>
+            <a:lvl7pPr>
+              <a:defRPr sz="1200"/>
+            </a:lvl7pPr>
+            <a:lvl8pPr>
+              <a:defRPr sz="1200"/>
+            </a:lvl8pPr>
+            <a:lvl9pPr>
+              <a:defRPr sz="1200"/>
+            </a:lvl9pPr>
+          </a:lstStyle>
           <a:p>
             <a:pPr lvl="0"/>
             <a:r>
@@ -1230,7 +3912,7 @@
               <a:rPr lang="en-US" smtClean="0"/>
               <a:t>Fifth level</a:t>
             </a:r>
-            <a:endParaRPr lang="en-US"/>
+            <a:endParaRPr lang="en-US" dirty="0"/>
           </a:p>
         </p:txBody>
       </p:sp>
@@ -1302,7 +3984,7 @@
     </p:spTree>
     <p:extLst>
       <p:ext uri="{BB962C8B-B14F-4D97-AF65-F5344CB8AC3E}">
-        <p14:creationId xmlns:p14="http://schemas.microsoft.com/office/powerpoint/2010/main" val="1190709081"/>
+        <p14:creationId xmlns:p14="http://schemas.microsoft.com/office/powerpoint/2010/main" val="3053252937"/>
       </p:ext>
     </p:extLst>
   </p:cSld>
@@ -1339,46 +4021,54 @@
             <p:ph type="title"/>
           </p:nvPr>
         </p:nvSpPr>
+        <p:spPr/>
+        <p:txBody>
+          <a:bodyPr/>
+          <a:lstStyle>
+            <a:lvl1pPr>
+              <a:defRPr/>
+            </a:lvl1pPr>
+          </a:lstStyle>
+          <a:p>
+            <a:r>
+              <a:rPr lang="en-US" smtClean="0"/>
+              <a:t>Click to edit Master title style</a:t>
+            </a:r>
+            <a:endParaRPr lang="en-US" dirty="0"/>
+          </a:p>
+        </p:txBody>
+      </p:sp>
+      <p:sp>
+        <p:nvSpPr>
+          <p:cNvPr id="3" name="Text Placeholder 2"/>
+          <p:cNvSpPr>
+            <a:spLocks noGrp="1"/>
+          </p:cNvSpPr>
+          <p:nvPr>
+            <p:ph type="body" idx="1"/>
+          </p:nvPr>
+        </p:nvSpPr>
         <p:spPr>
           <a:xfrm>
-            <a:off x="839788" y="365125"/>
-            <a:ext cx="10515600" cy="1325563"/>
+            <a:off x="1103313" y="1905000"/>
+            <a:ext cx="4396338" cy="576262"/>
           </a:xfrm>
         </p:spPr>
         <p:txBody>
-          <a:bodyPr/>
-          <a:lstStyle/>
-          <a:p>
-            <a:r>
-              <a:rPr lang="en-US" smtClean="0"/>
-              <a:t>Click to edit Master title style</a:t>
-            </a:r>
-            <a:endParaRPr lang="en-US"/>
-          </a:p>
-        </p:txBody>
-      </p:sp>
-      <p:sp>
-        <p:nvSpPr>
-          <p:cNvPr id="3" name="Text Placeholder 2"/>
-          <p:cNvSpPr>
-            <a:spLocks noGrp="1"/>
-          </p:cNvSpPr>
-          <p:nvPr>
-            <p:ph type="body" idx="1"/>
-          </p:nvPr>
-        </p:nvSpPr>
-        <p:spPr>
-          <a:xfrm>
-            <a:off x="839788" y="1681163"/>
-            <a:ext cx="5157787" cy="823912"/>
-          </a:xfrm>
-        </p:spPr>
-        <p:txBody>
-          <a:bodyPr anchor="b"/>
+          <a:bodyPr anchor="b">
+            <a:noAutofit/>
+          </a:bodyPr>
           <a:lstStyle>
             <a:lvl1pPr marL="0" indent="0">
               <a:buNone/>
-              <a:defRPr sz="2400" b="1"/>
+              <a:defRPr sz="2400" b="0">
+                <a:solidFill>
+                  <a:schemeClr val="bg2">
+                    <a:lumMod val="40000"/>
+                    <a:lumOff val="60000"/>
+                  </a:schemeClr>
+                </a:solidFill>
+              </a:defRPr>
             </a:lvl1pPr>
             <a:lvl2pPr marL="457200" indent="0">
               <a:buNone/>
@@ -1434,13 +4124,43 @@
         </p:nvSpPr>
         <p:spPr>
           <a:xfrm>
-            <a:off x="839788" y="2505075"/>
-            <a:ext cx="5157787" cy="3684588"/>
+            <a:off x="1103312" y="2514600"/>
+            <a:ext cx="4396339" cy="3741738"/>
           </a:xfrm>
         </p:spPr>
         <p:txBody>
-          <a:bodyPr/>
-          <a:lstStyle/>
+          <a:bodyPr>
+            <a:normAutofit/>
+          </a:bodyPr>
+          <a:lstStyle>
+            <a:lvl1pPr>
+              <a:defRPr sz="1800"/>
+            </a:lvl1pPr>
+            <a:lvl2pPr>
+              <a:defRPr sz="1600"/>
+            </a:lvl2pPr>
+            <a:lvl3pPr>
+              <a:defRPr sz="1400"/>
+            </a:lvl3pPr>
+            <a:lvl4pPr>
+              <a:defRPr sz="1200"/>
+            </a:lvl4pPr>
+            <a:lvl5pPr>
+              <a:defRPr sz="1200"/>
+            </a:lvl5pPr>
+            <a:lvl6pPr>
+              <a:defRPr sz="1200"/>
+            </a:lvl6pPr>
+            <a:lvl7pPr>
+              <a:defRPr sz="1200"/>
+            </a:lvl7pPr>
+            <a:lvl8pPr>
+              <a:defRPr sz="1200"/>
+            </a:lvl8pPr>
+            <a:lvl9pPr>
+              <a:defRPr sz="1200"/>
+            </a:lvl9pPr>
+          </a:lstStyle>
           <a:p>
             <a:pPr lvl="0"/>
             <a:r>
@@ -1475,7 +4195,7 @@
               <a:rPr lang="en-US" smtClean="0"/>
               <a:t>Fifth level</a:t>
             </a:r>
-            <a:endParaRPr lang="en-US"/>
+            <a:endParaRPr lang="en-US" dirty="0"/>
           </a:p>
         </p:txBody>
       </p:sp>
@@ -1491,16 +4211,25 @@
         </p:nvSpPr>
         <p:spPr>
           <a:xfrm>
-            <a:off x="6172200" y="1681163"/>
-            <a:ext cx="5183188" cy="823912"/>
+            <a:off x="5654495" y="1905000"/>
+            <a:ext cx="4396339" cy="576262"/>
           </a:xfrm>
         </p:spPr>
         <p:txBody>
-          <a:bodyPr anchor="b"/>
+          <a:bodyPr anchor="b">
+            <a:noAutofit/>
+          </a:bodyPr>
           <a:lstStyle>
             <a:lvl1pPr marL="0" indent="0">
               <a:buNone/>
-              <a:defRPr sz="2400" b="1"/>
+              <a:defRPr sz="2400" b="0">
+                <a:solidFill>
+                  <a:schemeClr val="bg2">
+                    <a:lumMod val="40000"/>
+                    <a:lumOff val="60000"/>
+                  </a:schemeClr>
+                </a:solidFill>
+              </a:defRPr>
             </a:lvl1pPr>
             <a:lvl2pPr marL="457200" indent="0">
               <a:buNone/>
@@ -1556,13 +4285,43 @@
         </p:nvSpPr>
         <p:spPr>
           <a:xfrm>
-            <a:off x="6172200" y="2505075"/>
-            <a:ext cx="5183188" cy="3684588"/>
+            <a:off x="5654495" y="2514600"/>
+            <a:ext cx="4396339" cy="3741738"/>
           </a:xfrm>
         </p:spPr>
         <p:txBody>
-          <a:bodyPr/>
-          <a:lstStyle/>
+          <a:bodyPr>
+            <a:normAutofit/>
+          </a:bodyPr>
+          <a:lstStyle>
+            <a:lvl1pPr>
+              <a:defRPr sz="1800"/>
+            </a:lvl1pPr>
+            <a:lvl2pPr>
+              <a:defRPr sz="1600"/>
+            </a:lvl2pPr>
+            <a:lvl3pPr>
+              <a:defRPr sz="1400"/>
+            </a:lvl3pPr>
+            <a:lvl4pPr>
+              <a:defRPr sz="1200"/>
+            </a:lvl4pPr>
+            <a:lvl5pPr>
+              <a:defRPr sz="1200"/>
+            </a:lvl5pPr>
+            <a:lvl6pPr>
+              <a:defRPr sz="1200"/>
+            </a:lvl6pPr>
+            <a:lvl7pPr>
+              <a:defRPr sz="1200"/>
+            </a:lvl7pPr>
+            <a:lvl8pPr>
+              <a:defRPr sz="1200"/>
+            </a:lvl8pPr>
+            <a:lvl9pPr>
+              <a:defRPr sz="1200"/>
+            </a:lvl9pPr>
+          </a:lstStyle>
           <a:p>
             <a:pPr lvl="0"/>
             <a:r>
@@ -1597,7 +4356,7 @@
               <a:rPr lang="en-US" smtClean="0"/>
               <a:t>Fifth level</a:t>
             </a:r>
-            <a:endParaRPr lang="en-US"/>
+            <a:endParaRPr lang="en-US" dirty="0"/>
           </a:p>
         </p:txBody>
       </p:sp>
@@ -1669,7 +4428,7 @@
     </p:spTree>
     <p:extLst>
       <p:ext uri="{BB962C8B-B14F-4D97-AF65-F5344CB8AC3E}">
-        <p14:creationId xmlns:p14="http://schemas.microsoft.com/office/powerpoint/2010/main" val="1985732475"/>
+        <p14:creationId xmlns:p14="http://schemas.microsoft.com/office/powerpoint/2010/main" val="1776894944"/>
       </p:ext>
     </p:extLst>
   </p:cSld>
@@ -1715,13 +4474,13 @@
               <a:rPr lang="en-US" smtClean="0"/>
               <a:t>Click to edit Master title style</a:t>
             </a:r>
-            <a:endParaRPr lang="en-US"/>
-          </a:p>
-        </p:txBody>
-      </p:sp>
-      <p:sp>
-        <p:nvSpPr>
-          <p:cNvPr id="3" name="Date Placeholder 2"/>
+            <a:endParaRPr lang="en-US" dirty="0"/>
+          </a:p>
+        </p:txBody>
+      </p:sp>
+      <p:sp>
+        <p:nvSpPr>
+          <p:cNvPr id="7" name="Date Placeholder 2"/>
           <p:cNvSpPr>
             <a:spLocks noGrp="1"/>
           </p:cNvSpPr>
@@ -1744,7 +4503,7 @@
       </p:sp>
       <p:sp>
         <p:nvSpPr>
-          <p:cNvPr id="4" name="Footer Placeholder 3"/>
+          <p:cNvPr id="5" name="Footer Placeholder 3"/>
           <p:cNvSpPr>
             <a:spLocks noGrp="1"/>
           </p:cNvSpPr>
@@ -1763,7 +4522,7 @@
       </p:sp>
       <p:sp>
         <p:nvSpPr>
-          <p:cNvPr id="5" name="Slide Number Placeholder 4"/>
+          <p:cNvPr id="6" name="Slide Number Placeholder 4"/>
           <p:cNvSpPr>
             <a:spLocks noGrp="1"/>
           </p:cNvSpPr>
@@ -1787,7 +4546,7 @@
     </p:spTree>
     <p:extLst>
       <p:ext uri="{BB962C8B-B14F-4D97-AF65-F5344CB8AC3E}">
-        <p14:creationId xmlns:p14="http://schemas.microsoft.com/office/powerpoint/2010/main" val="1636821365"/>
+        <p14:creationId xmlns:p14="http://schemas.microsoft.com/office/powerpoint/2010/main" val="3206802117"/>
       </p:ext>
     </p:extLst>
   </p:cSld>
@@ -1816,7 +4575,7 @@
       </p:grpSpPr>
       <p:sp>
         <p:nvSpPr>
-          <p:cNvPr id="2" name="Date Placeholder 1"/>
+          <p:cNvPr id="7" name="Date Placeholder 1"/>
           <p:cNvSpPr>
             <a:spLocks noGrp="1"/>
           </p:cNvSpPr>
@@ -1839,7 +4598,7 @@
       </p:sp>
       <p:sp>
         <p:nvSpPr>
-          <p:cNvPr id="3" name="Footer Placeholder 2"/>
+          <p:cNvPr id="5" name="Footer Placeholder 2"/>
           <p:cNvSpPr>
             <a:spLocks noGrp="1"/>
           </p:cNvSpPr>
@@ -1858,7 +4617,7 @@
       </p:sp>
       <p:sp>
         <p:nvSpPr>
-          <p:cNvPr id="4" name="Slide Number Placeholder 3"/>
+          <p:cNvPr id="6" name="Slide Number Placeholder 3"/>
           <p:cNvSpPr>
             <a:spLocks noGrp="1"/>
           </p:cNvSpPr>
@@ -1882,7 +4641,7 @@
     </p:spTree>
     <p:extLst>
       <p:ext uri="{BB962C8B-B14F-4D97-AF65-F5344CB8AC3E}">
-        <p14:creationId xmlns:p14="http://schemas.microsoft.com/office/powerpoint/2010/main" val="4103518697"/>
+        <p14:creationId xmlns:p14="http://schemas.microsoft.com/office/powerpoint/2010/main" val="3815956379"/>
       </p:ext>
     </p:extLst>
   </p:cSld>
@@ -1921,15 +4680,15 @@
         </p:nvSpPr>
         <p:spPr>
           <a:xfrm>
-            <a:off x="839788" y="457200"/>
-            <a:ext cx="3932237" cy="1600200"/>
+            <a:off x="1154953" y="1447800"/>
+            <a:ext cx="3401064" cy="1447800"/>
           </a:xfrm>
         </p:spPr>
         <p:txBody>
           <a:bodyPr anchor="b"/>
           <a:lstStyle>
-            <a:lvl1pPr>
-              <a:defRPr sz="3200"/>
+            <a:lvl1pPr algn="l">
+              <a:defRPr sz="2400" b="0"/>
             </a:lvl1pPr>
           </a:lstStyle>
           <a:p>
@@ -1937,7 +4696,7 @@
               <a:rPr lang="en-US" smtClean="0"/>
               <a:t>Click to edit Master title style</a:t>
             </a:r>
-            <a:endParaRPr lang="en-US"/>
+            <a:endParaRPr lang="en-US" dirty="0"/>
           </a:p>
         </p:txBody>
       </p:sp>
@@ -1953,39 +4712,41 @@
         </p:nvSpPr>
         <p:spPr>
           <a:xfrm>
-            <a:off x="5183188" y="987425"/>
-            <a:ext cx="6172200" cy="4873625"/>
+            <a:off x="4784616" y="1447800"/>
+            <a:ext cx="5195997" cy="4572000"/>
           </a:xfrm>
         </p:spPr>
         <p:txBody>
-          <a:bodyPr/>
+          <a:bodyPr anchor="ctr">
+            <a:normAutofit/>
+          </a:bodyPr>
           <a:lstStyle>
             <a:lvl1pPr>
-              <a:defRPr sz="3200"/>
+              <a:defRPr sz="2000"/>
             </a:lvl1pPr>
             <a:lvl2pPr>
-              <a:defRPr sz="2800"/>
+              <a:defRPr sz="1800"/>
             </a:lvl2pPr>
             <a:lvl3pPr>
-              <a:defRPr sz="2400"/>
+              <a:defRPr sz="1600"/>
             </a:lvl3pPr>
             <a:lvl4pPr>
-              <a:defRPr sz="2000"/>
+              <a:defRPr sz="1400"/>
             </a:lvl4pPr>
             <a:lvl5pPr>
-              <a:defRPr sz="2000"/>
+              <a:defRPr sz="1400"/>
             </a:lvl5pPr>
             <a:lvl6pPr>
-              <a:defRPr sz="2000"/>
+              <a:defRPr sz="1400"/>
             </a:lvl6pPr>
             <a:lvl7pPr>
-              <a:defRPr sz="2000"/>
+              <a:defRPr sz="1400"/>
             </a:lvl7pPr>
             <a:lvl8pPr>
-              <a:defRPr sz="2000"/>
+              <a:defRPr sz="1400"/>
             </a:lvl8pPr>
             <a:lvl9pPr>
-              <a:defRPr sz="2000"/>
+              <a:defRPr sz="1400"/>
             </a:lvl9pPr>
           </a:lstStyle>
           <a:p>
@@ -2022,7 +4783,7 @@
               <a:rPr lang="en-US" smtClean="0"/>
               <a:t>Fifth level</a:t>
             </a:r>
-            <a:endParaRPr lang="en-US"/>
+            <a:endParaRPr lang="en-US" dirty="0"/>
           </a:p>
         </p:txBody>
       </p:sp>
@@ -2038,8 +4799,8 @@
         </p:nvSpPr>
         <p:spPr>
           <a:xfrm>
-            <a:off x="839788" y="2057400"/>
-            <a:ext cx="3932237" cy="3811588"/>
+            <a:off x="1154953" y="3129280"/>
+            <a:ext cx="3401063" cy="2895599"/>
           </a:xfrm>
         </p:spPr>
         <p:txBody>
@@ -2047,39 +4808,39 @@
           <a:lstStyle>
             <a:lvl1pPr marL="0" indent="0">
               <a:buNone/>
-              <a:defRPr sz="1600"/>
+              <a:defRPr sz="1400"/>
             </a:lvl1pPr>
             <a:lvl2pPr marL="457200" indent="0">
               <a:buNone/>
-              <a:defRPr sz="1400"/>
+              <a:defRPr sz="1200"/>
             </a:lvl2pPr>
             <a:lvl3pPr marL="914400" indent="0">
               <a:buNone/>
-              <a:defRPr sz="1200"/>
+              <a:defRPr sz="1000"/>
             </a:lvl3pPr>
             <a:lvl4pPr marL="1371600" indent="0">
               <a:buNone/>
-              <a:defRPr sz="1000"/>
+              <a:defRPr sz="900"/>
             </a:lvl4pPr>
             <a:lvl5pPr marL="1828800" indent="0">
               <a:buNone/>
-              <a:defRPr sz="1000"/>
+              <a:defRPr sz="900"/>
             </a:lvl5pPr>
             <a:lvl6pPr marL="2286000" indent="0">
               <a:buNone/>
-              <a:defRPr sz="1000"/>
+              <a:defRPr sz="900"/>
             </a:lvl6pPr>
             <a:lvl7pPr marL="2743200" indent="0">
               <a:buNone/>
-              <a:defRPr sz="1000"/>
+              <a:defRPr sz="900"/>
             </a:lvl7pPr>
             <a:lvl8pPr marL="3200400" indent="0">
               <a:buNone/>
-              <a:defRPr sz="1000"/>
+              <a:defRPr sz="900"/>
             </a:lvl8pPr>
             <a:lvl9pPr marL="3657600" indent="0">
               <a:buNone/>
-              <a:defRPr sz="1000"/>
+              <a:defRPr sz="900"/>
             </a:lvl9pPr>
           </a:lstStyle>
           <a:p>
@@ -2093,7 +4854,7 @@
       </p:sp>
       <p:sp>
         <p:nvSpPr>
-          <p:cNvPr id="5" name="Date Placeholder 4"/>
+          <p:cNvPr id="7" name="Date Placeholder 4"/>
           <p:cNvSpPr>
             <a:spLocks noGrp="1"/>
           </p:cNvSpPr>
@@ -2116,7 +4877,7 @@
       </p:sp>
       <p:sp>
         <p:nvSpPr>
-          <p:cNvPr id="6" name="Footer Placeholder 5"/>
+          <p:cNvPr id="5" name="Footer Placeholder 5"/>
           <p:cNvSpPr>
             <a:spLocks noGrp="1"/>
           </p:cNvSpPr>
@@ -2135,7 +4896,7 @@
       </p:sp>
       <p:sp>
         <p:nvSpPr>
-          <p:cNvPr id="7" name="Slide Number Placeholder 6"/>
+          <p:cNvPr id="6" name="Slide Number Placeholder 6"/>
           <p:cNvSpPr>
             <a:spLocks noGrp="1"/>
           </p:cNvSpPr>
@@ -2159,7 +4920,7 @@
     </p:spTree>
     <p:extLst>
       <p:ext uri="{BB962C8B-B14F-4D97-AF65-F5344CB8AC3E}">
-        <p14:creationId xmlns:p14="http://schemas.microsoft.com/office/powerpoint/2010/main" val="1289745247"/>
+        <p14:creationId xmlns:p14="http://schemas.microsoft.com/office/powerpoint/2010/main" val="63316149"/>
       </p:ext>
     </p:extLst>
   </p:cSld>
@@ -2198,15 +4959,17 @@
         </p:nvSpPr>
         <p:spPr>
           <a:xfrm>
-            <a:off x="839788" y="457200"/>
-            <a:ext cx="3932237" cy="1600200"/>
+            <a:off x="1153907" y="1854192"/>
+            <a:ext cx="5092906" cy="1574808"/>
           </a:xfrm>
         </p:spPr>
         <p:txBody>
-          <a:bodyPr anchor="b"/>
+          <a:bodyPr anchor="b">
+            <a:normAutofit/>
+          </a:bodyPr>
           <a:lstStyle>
-            <a:lvl1pPr>
-              <a:defRPr sz="3200"/>
+            <a:lvl1pPr algn="l">
+              <a:defRPr sz="3600" b="0"/>
             </a:lvl1pPr>
           </a:lstStyle>
           <a:p>
@@ -2214,7 +4977,7 @@
               <a:rPr lang="en-US" smtClean="0"/>
               <a:t>Click to edit Master title style</a:t>
             </a:r>
-            <a:endParaRPr lang="en-US"/>
+            <a:endParaRPr lang="en-US" dirty="0"/>
           </a:p>
         </p:txBody>
       </p:sp>
@@ -2222,7 +4985,7 @@
         <p:nvSpPr>
           <p:cNvPr id="3" name="Picture Placeholder 2"/>
           <p:cNvSpPr>
-            <a:spLocks noGrp="1"/>
+            <a:spLocks noGrp="1" noChangeAspect="1"/>
           </p:cNvSpPr>
           <p:nvPr>
             <p:ph type="pic" idx="1"/>
@@ -2230,109 +4993,129 @@
         </p:nvSpPr>
         <p:spPr>
           <a:xfrm>
-            <a:off x="5183188" y="987425"/>
-            <a:ext cx="6172200" cy="4873625"/>
+            <a:off x="6949546" y="1143000"/>
+            <a:ext cx="3200400" cy="4572000"/>
           </a:xfrm>
+          <a:prstGeom prst="roundRect">
+            <a:avLst>
+              <a:gd name="adj" fmla="val 1858"/>
+            </a:avLst>
+          </a:prstGeom>
+          <a:effectLst>
+            <a:outerShdw blurRad="50800" dist="50800" dir="5400000" algn="tl" rotWithShape="0">
+              <a:srgbClr val="000000">
+                <a:alpha val="43000"/>
+              </a:srgbClr>
+            </a:outerShdw>
+          </a:effectLst>
         </p:spPr>
         <p:txBody>
-          <a:bodyPr/>
+          <a:bodyPr anchor="t">
+            <a:normAutofit/>
+          </a:bodyPr>
           <a:lstStyle>
-            <a:lvl1pPr marL="0" indent="0">
-              <a:buNone/>
-              <a:defRPr sz="3200"/>
-            </a:lvl1pPr>
-            <a:lvl2pPr marL="457200" indent="0">
-              <a:buNone/>
-              <a:defRPr sz="2800"/>
-            </a:lvl2pPr>
-            <a:lvl3pPr marL="914400" indent="0">
-              <a:buNone/>
-              <a:defRPr sz="2400"/>
-            </a:lvl3pPr>
-            <a:lvl4pPr marL="1371600" indent="0">
-              <a:buNone/>
-              <a:defRPr sz="2000"/>
-            </a:lvl4pPr>
-            <a:lvl5pPr marL="1828800" indent="0">
-              <a:buNone/>
-              <a:defRPr sz="2000"/>
-            </a:lvl5pPr>
-            <a:lvl6pPr marL="2286000" indent="0">
-              <a:buNone/>
-              <a:defRPr sz="2000"/>
-            </a:lvl6pPr>
-            <a:lvl7pPr marL="2743200" indent="0">
-              <a:buNone/>
-              <a:defRPr sz="2000"/>
-            </a:lvl7pPr>
-            <a:lvl8pPr marL="3200400" indent="0">
-              <a:buNone/>
-              <a:defRPr sz="2000"/>
-            </a:lvl8pPr>
-            <a:lvl9pPr marL="3657600" indent="0">
-              <a:buNone/>
-              <a:defRPr sz="2000"/>
-            </a:lvl9pPr>
-          </a:lstStyle>
-          <a:p>
-            <a:endParaRPr lang="en-US"/>
-          </a:p>
-        </p:txBody>
-      </p:sp>
-      <p:sp>
-        <p:nvSpPr>
-          <p:cNvPr id="4" name="Text Placeholder 3"/>
-          <p:cNvSpPr>
-            <a:spLocks noGrp="1"/>
-          </p:cNvSpPr>
-          <p:nvPr>
-            <p:ph type="body" sz="half" idx="2"/>
-          </p:nvPr>
-        </p:nvSpPr>
-        <p:spPr>
-          <a:xfrm>
-            <a:off x="839788" y="2057400"/>
-            <a:ext cx="3932237" cy="3811588"/>
-          </a:xfrm>
-        </p:spPr>
-        <p:txBody>
-          <a:bodyPr/>
-          <a:lstStyle>
-            <a:lvl1pPr marL="0" indent="0">
+            <a:lvl1pPr marL="0" indent="0" algn="ctr">
               <a:buNone/>
               <a:defRPr sz="1600"/>
             </a:lvl1pPr>
             <a:lvl2pPr marL="457200" indent="0">
               <a:buNone/>
-              <a:defRPr sz="1400"/>
+              <a:defRPr sz="1600"/>
             </a:lvl2pPr>
             <a:lvl3pPr marL="914400" indent="0">
               <a:buNone/>
-              <a:defRPr sz="1200"/>
+              <a:defRPr sz="1600"/>
             </a:lvl3pPr>
             <a:lvl4pPr marL="1371600" indent="0">
               <a:buNone/>
-              <a:defRPr sz="1000"/>
+              <a:defRPr sz="1600"/>
             </a:lvl4pPr>
             <a:lvl5pPr marL="1828800" indent="0">
               <a:buNone/>
-              <a:defRPr sz="1000"/>
+              <a:defRPr sz="1600"/>
             </a:lvl5pPr>
             <a:lvl6pPr marL="2286000" indent="0">
               <a:buNone/>
-              <a:defRPr sz="1000"/>
+              <a:defRPr sz="1600"/>
             </a:lvl6pPr>
             <a:lvl7pPr marL="2743200" indent="0">
               <a:buNone/>
-              <a:defRPr sz="1000"/>
+              <a:defRPr sz="1600"/>
             </a:lvl7pPr>
             <a:lvl8pPr marL="3200400" indent="0">
               <a:buNone/>
-              <a:defRPr sz="1000"/>
+              <a:defRPr sz="1600"/>
             </a:lvl8pPr>
             <a:lvl9pPr marL="3657600" indent="0">
               <a:buNone/>
+              <a:defRPr sz="1600"/>
+            </a:lvl9pPr>
+          </a:lstStyle>
+          <a:p>
+            <a:r>
+              <a:rPr lang="en-US" smtClean="0"/>
+              <a:t>Click icon to add picture</a:t>
+            </a:r>
+            <a:endParaRPr lang="en-US" dirty="0"/>
+          </a:p>
+        </p:txBody>
+      </p:sp>
+      <p:sp>
+        <p:nvSpPr>
+          <p:cNvPr id="4" name="Text Placeholder 3"/>
+          <p:cNvSpPr>
+            <a:spLocks noGrp="1"/>
+          </p:cNvSpPr>
+          <p:nvPr>
+            <p:ph type="body" sz="half" idx="2"/>
+          </p:nvPr>
+        </p:nvSpPr>
+        <p:spPr>
+          <a:xfrm>
+            <a:off x="1154954" y="3657600"/>
+            <a:ext cx="5084979" cy="1371600"/>
+          </a:xfrm>
+        </p:spPr>
+        <p:txBody>
+          <a:bodyPr>
+            <a:normAutofit/>
+          </a:bodyPr>
+          <a:lstStyle>
+            <a:lvl1pPr marL="0" indent="0">
+              <a:buNone/>
+              <a:defRPr sz="1400"/>
+            </a:lvl1pPr>
+            <a:lvl2pPr marL="457200" indent="0">
+              <a:buNone/>
+              <a:defRPr sz="1200"/>
+            </a:lvl2pPr>
+            <a:lvl3pPr marL="914400" indent="0">
+              <a:buNone/>
               <a:defRPr sz="1000"/>
+            </a:lvl3pPr>
+            <a:lvl4pPr marL="1371600" indent="0">
+              <a:buNone/>
+              <a:defRPr sz="900"/>
+            </a:lvl4pPr>
+            <a:lvl5pPr marL="1828800" indent="0">
+              <a:buNone/>
+              <a:defRPr sz="900"/>
+            </a:lvl5pPr>
+            <a:lvl6pPr marL="2286000" indent="0">
+              <a:buNone/>
+              <a:defRPr sz="900"/>
+            </a:lvl6pPr>
+            <a:lvl7pPr marL="2743200" indent="0">
+              <a:buNone/>
+              <a:defRPr sz="900"/>
+            </a:lvl7pPr>
+            <a:lvl8pPr marL="3200400" indent="0">
+              <a:buNone/>
+              <a:defRPr sz="900"/>
+            </a:lvl8pPr>
+            <a:lvl9pPr marL="3657600" indent="0">
+              <a:buNone/>
+              <a:defRPr sz="900"/>
             </a:lvl9pPr>
           </a:lstStyle>
           <a:p>
@@ -2412,7 +5195,7 @@
     </p:spTree>
     <p:extLst>
       <p:ext uri="{BB962C8B-B14F-4D97-AF65-F5344CB8AC3E}">
-        <p14:creationId xmlns:p14="http://schemas.microsoft.com/office/powerpoint/2010/main" val="473327539"/>
+        <p14:creationId xmlns:p14="http://schemas.microsoft.com/office/powerpoint/2010/main" val="1527175102"/>
       </p:ext>
     </p:extLst>
   </p:cSld>
@@ -2426,8 +5209,8 @@
 <p:sldMaster xmlns:a="http://schemas.openxmlformats.org/drawingml/2006/main" xmlns:r="http://schemas.openxmlformats.org/officeDocument/2006/relationships" xmlns:p="http://schemas.openxmlformats.org/presentationml/2006/main">
   <p:cSld>
     <p:bg>
-      <p:bgRef idx="1001">
-        <a:schemeClr val="bg1"/>
+      <p:bgRef idx="1003">
+        <a:schemeClr val="bg2"/>
       </p:bgRef>
     </p:bg>
     <p:spTree>
@@ -2444,125 +5227,420 @@
           <a:chExt cx="0" cy="0"/>
         </a:xfrm>
       </p:grpSpPr>
-      <p:sp>
-        <p:nvSpPr>
-          <p:cNvPr id="2" name="Title Placeholder 1"/>
-          <p:cNvSpPr>
-            <a:spLocks noGrp="1"/>
-          </p:cNvSpPr>
-          <p:nvPr>
-            <p:ph type="title"/>
-          </p:nvPr>
-        </p:nvSpPr>
+      <p:pic>
+        <p:nvPicPr>
+          <p:cNvPr id="8" name="Picture 7"/>
+          <p:cNvPicPr>
+            <a:picLocks noChangeAspect="1"/>
+          </p:cNvPicPr>
+          <p:nvPr/>
+        </p:nvPicPr>
+        <p:blipFill rotWithShape="1">
+          <a:blip r:embed="rId19">
+            <a:extLst>
+              <a:ext uri="{28A0092B-C50C-407E-A947-70E740481C1C}">
+                <a14:useLocalDpi xmlns:a14="http://schemas.microsoft.com/office/drawing/2010/main" val="0"/>
+              </a:ext>
+            </a:extLst>
+          </a:blip>
+          <a:srcRect l="3613"/>
+          <a:stretch/>
+        </p:blipFill>
         <p:spPr>
           <a:xfrm>
-            <a:off x="838200" y="365125"/>
-            <a:ext cx="10515600" cy="1325563"/>
+            <a:off x="0" y="2669685"/>
+            <a:ext cx="4037012" cy="4188315"/>
           </a:xfrm>
           <a:prstGeom prst="rect">
             <a:avLst/>
           </a:prstGeom>
         </p:spPr>
-        <p:txBody>
-          <a:bodyPr vert="horz" lIns="91440" tIns="45720" rIns="91440" bIns="45720" rtlCol="0" anchor="ctr">
-            <a:normAutofit/>
-          </a:bodyPr>
-          <a:lstStyle/>
-          <a:p>
-            <a:r>
-              <a:rPr lang="en-US" smtClean="0"/>
-              <a:t>Click to edit Master title style</a:t>
-            </a:r>
-            <a:endParaRPr lang="en-US"/>
-          </a:p>
-        </p:txBody>
-      </p:sp>
-      <p:sp>
-        <p:nvSpPr>
-          <p:cNvPr id="3" name="Text Placeholder 2"/>
-          <p:cNvSpPr>
-            <a:spLocks noGrp="1"/>
-          </p:cNvSpPr>
-          <p:nvPr>
-            <p:ph type="body" idx="1"/>
-          </p:nvPr>
-        </p:nvSpPr>
+      </p:pic>
+      <p:pic>
+        <p:nvPicPr>
+          <p:cNvPr id="7" name="Picture 6"/>
+          <p:cNvPicPr>
+            <a:picLocks noChangeAspect="1"/>
+          </p:cNvPicPr>
+          <p:nvPr/>
+        </p:nvPicPr>
+        <p:blipFill rotWithShape="1">
+          <a:blip r:embed="rId20">
+            <a:extLst>
+              <a:ext uri="{28A0092B-C50C-407E-A947-70E740481C1C}">
+                <a14:useLocalDpi xmlns:a14="http://schemas.microsoft.com/office/drawing/2010/main" val="0"/>
+              </a:ext>
+            </a:extLst>
+          </a:blip>
+          <a:srcRect l="35640"/>
+          <a:stretch/>
+        </p:blipFill>
         <p:spPr>
           <a:xfrm>
-            <a:off x="838200" y="1825625"/>
-            <a:ext cx="10515600" cy="4351338"/>
+            <a:off x="0" y="2892347"/>
+            <a:ext cx="1522412" cy="2365453"/>
           </a:xfrm>
           <a:prstGeom prst="rect">
             <a:avLst/>
           </a:prstGeom>
         </p:spPr>
-        <p:txBody>
-          <a:bodyPr vert="horz" lIns="91440" tIns="45720" rIns="91440" bIns="45720" rtlCol="0">
-            <a:normAutofit/>
-          </a:bodyPr>
-          <a:lstStyle/>
-          <a:p>
-            <a:pPr lvl="0"/>
-            <a:r>
-              <a:rPr lang="en-US" smtClean="0"/>
-              <a:t>Click to edit Master text styles</a:t>
-            </a:r>
-          </a:p>
-          <a:p>
-            <a:pPr lvl="1"/>
-            <a:r>
-              <a:rPr lang="en-US" smtClean="0"/>
-              <a:t>Second level</a:t>
-            </a:r>
-          </a:p>
-          <a:p>
-            <a:pPr lvl="2"/>
-            <a:r>
-              <a:rPr lang="en-US" smtClean="0"/>
-              <a:t>Third level</a:t>
-            </a:r>
-          </a:p>
-          <a:p>
-            <a:pPr lvl="3"/>
-            <a:r>
-              <a:rPr lang="en-US" smtClean="0"/>
-              <a:t>Fourth level</a:t>
-            </a:r>
-          </a:p>
-          <a:p>
-            <a:pPr lvl="4"/>
-            <a:r>
-              <a:rPr lang="en-US" smtClean="0"/>
-              <a:t>Fifth level</a:t>
-            </a:r>
-            <a:endParaRPr lang="en-US"/>
-          </a:p>
-        </p:txBody>
-      </p:sp>
-      <p:sp>
-        <p:nvSpPr>
-          <p:cNvPr id="4" name="Date Placeholder 3"/>
-          <p:cNvSpPr>
-            <a:spLocks noGrp="1"/>
-          </p:cNvSpPr>
-          <p:nvPr>
-            <p:ph type="dt" sz="half" idx="2"/>
-          </p:nvPr>
+      </p:pic>
+      <p:sp>
+        <p:nvSpPr>
+          <p:cNvPr id="16" name="Oval 15"/>
+          <p:cNvSpPr/>
+          <p:nvPr/>
         </p:nvSpPr>
         <p:spPr>
           <a:xfrm>
-            <a:off x="838200" y="6356350"/>
-            <a:ext cx="2743200" cy="365125"/>
+            <a:off x="8609012" y="1676400"/>
+            <a:ext cx="2819400" cy="2819400"/>
+          </a:xfrm>
+          <a:prstGeom prst="ellipse">
+            <a:avLst/>
+          </a:prstGeom>
+          <a:gradFill flip="none" rotWithShape="1">
+            <a:gsLst>
+              <a:gs pos="0">
+                <a:schemeClr val="bg2">
+                  <a:lumMod val="60000"/>
+                  <a:lumOff val="40000"/>
+                  <a:alpha val="7000"/>
+                </a:schemeClr>
+              </a:gs>
+              <a:gs pos="69000">
+                <a:schemeClr val="bg2">
+                  <a:lumMod val="60000"/>
+                  <a:lumOff val="40000"/>
+                  <a:alpha val="0"/>
+                </a:schemeClr>
+              </a:gs>
+              <a:gs pos="36000">
+                <a:schemeClr val="bg2">
+                  <a:lumMod val="60000"/>
+                  <a:lumOff val="40000"/>
+                  <a:alpha val="6000"/>
+                </a:schemeClr>
+              </a:gs>
+            </a:gsLst>
+            <a:path path="circle">
+              <a:fillToRect l="50000" t="50000" r="50000" b="50000"/>
+            </a:path>
+            <a:tileRect/>
+          </a:gradFill>
+          <a:ln>
+            <a:noFill/>
+          </a:ln>
+          <a:effectLst/>
+        </p:spPr>
+        <p:style>
+          <a:lnRef idx="1">
+            <a:schemeClr val="accent1"/>
+          </a:lnRef>
+          <a:fillRef idx="3">
+            <a:schemeClr val="accent1"/>
+          </a:fillRef>
+          <a:effectRef idx="2">
+            <a:schemeClr val="accent1"/>
+          </a:effectRef>
+          <a:fontRef idx="minor">
+            <a:schemeClr val="lt1"/>
+          </a:fontRef>
+        </p:style>
+      </p:sp>
+      <p:pic>
+        <p:nvPicPr>
+          <p:cNvPr id="9" name="Picture 8"/>
+          <p:cNvPicPr>
+            <a:picLocks noChangeAspect="1"/>
+          </p:cNvPicPr>
+          <p:nvPr/>
+        </p:nvPicPr>
+        <p:blipFill rotWithShape="1">
+          <a:blip r:embed="rId21">
+            <a:extLst>
+              <a:ext uri="{28A0092B-C50C-407E-A947-70E740481C1C}">
+                <a14:useLocalDpi xmlns:a14="http://schemas.microsoft.com/office/drawing/2010/main" val="0"/>
+              </a:ext>
+            </a:extLst>
+          </a:blip>
+          <a:srcRect t="28813"/>
+          <a:stretch/>
+        </p:blipFill>
+        <p:spPr>
+          <a:xfrm>
+            <a:off x="7999412" y="0"/>
+            <a:ext cx="1603387" cy="1141407"/>
           </a:xfrm>
           <a:prstGeom prst="rect">
             <a:avLst/>
           </a:prstGeom>
         </p:spPr>
-        <p:txBody>
-          <a:bodyPr vert="horz" lIns="91440" tIns="45720" rIns="91440" bIns="45720" rtlCol="0" anchor="ctr"/>
+      </p:pic>
+      <p:pic>
+        <p:nvPicPr>
+          <p:cNvPr id="10" name="Picture 9"/>
+          <p:cNvPicPr>
+            <a:picLocks noChangeAspect="1"/>
+          </p:cNvPicPr>
+          <p:nvPr/>
+        </p:nvPicPr>
+        <p:blipFill rotWithShape="1">
+          <a:blip r:embed="rId22">
+            <a:extLst>
+              <a:ext uri="{28A0092B-C50C-407E-A947-70E740481C1C}">
+                <a14:useLocalDpi xmlns:a14="http://schemas.microsoft.com/office/drawing/2010/main" val="0"/>
+              </a:ext>
+            </a:extLst>
+          </a:blip>
+          <a:srcRect b="23320"/>
+          <a:stretch/>
+        </p:blipFill>
+        <p:spPr>
+          <a:xfrm>
+            <a:off x="8605878" y="6096000"/>
+            <a:ext cx="993734" cy="762000"/>
+          </a:xfrm>
+          <a:prstGeom prst="rect">
+            <a:avLst/>
+          </a:prstGeom>
+        </p:spPr>
+      </p:pic>
+      <p:sp>
+        <p:nvSpPr>
+          <p:cNvPr id="14" name="Rectangle 13"/>
+          <p:cNvSpPr/>
+          <p:nvPr/>
+        </p:nvSpPr>
+        <p:spPr>
+          <a:xfrm>
+            <a:off x="10437812" y="0"/>
+            <a:ext cx="685800" cy="1143000"/>
+          </a:xfrm>
+          <a:prstGeom prst="rect">
+            <a:avLst/>
+          </a:prstGeom>
+          <a:solidFill>
+            <a:schemeClr val="accent1"/>
+          </a:solidFill>
+          <a:ln>
+            <a:noFill/>
+          </a:ln>
+        </p:spPr>
+        <p:style>
+          <a:lnRef idx="1">
+            <a:schemeClr val="accent1"/>
+          </a:lnRef>
+          <a:fillRef idx="3">
+            <a:schemeClr val="accent1"/>
+          </a:fillRef>
+          <a:effectRef idx="2">
+            <a:schemeClr val="accent1"/>
+          </a:effectRef>
+          <a:fontRef idx="minor">
+            <a:schemeClr val="lt1"/>
+          </a:fontRef>
+        </p:style>
+      </p:sp>
+      <p:sp>
+        <p:nvSpPr>
+          <p:cNvPr id="2" name="Title Placeholder 1"/>
+          <p:cNvSpPr>
+            <a:spLocks noGrp="1"/>
+          </p:cNvSpPr>
+          <p:nvPr>
+            <p:ph type="title"/>
+          </p:nvPr>
+        </p:nvSpPr>
+        <p:spPr>
+          <a:xfrm>
+            <a:off x="646111" y="452718"/>
+            <a:ext cx="9404723" cy="1400530"/>
+          </a:xfrm>
+          <a:prstGeom prst="rect">
+            <a:avLst/>
+          </a:prstGeom>
+        </p:spPr>
+        <p:txBody>
+          <a:bodyPr vert="horz" lIns="91440" tIns="45720" rIns="91440" bIns="45720" rtlCol="0" anchor="t">
+            <a:noAutofit/>
+          </a:bodyPr>
+          <a:lstStyle/>
+          <a:p>
+            <a:r>
+              <a:rPr lang="en-US" smtClean="0"/>
+              <a:t>Click to edit Master title style</a:t>
+            </a:r>
+            <a:endParaRPr lang="en-US" dirty="0"/>
+          </a:p>
+        </p:txBody>
+      </p:sp>
+      <p:sp>
+        <p:nvSpPr>
+          <p:cNvPr id="3" name="Text Placeholder 2"/>
+          <p:cNvSpPr>
+            <a:spLocks noGrp="1"/>
+          </p:cNvSpPr>
+          <p:nvPr>
+            <p:ph type="body" idx="1"/>
+          </p:nvPr>
+        </p:nvSpPr>
+        <p:spPr>
+          <a:xfrm>
+            <a:off x="1103312" y="2052918"/>
+            <a:ext cx="8946541" cy="4195481"/>
+          </a:xfrm>
+          <a:prstGeom prst="rect">
+            <a:avLst/>
+          </a:prstGeom>
+        </p:spPr>
+        <p:txBody>
+          <a:bodyPr vert="horz" lIns="91440" tIns="45720" rIns="91440" bIns="45720" rtlCol="0">
+            <a:normAutofit/>
+          </a:bodyPr>
+          <a:lstStyle/>
+          <a:p>
+            <a:pPr lvl="0"/>
+            <a:r>
+              <a:rPr lang="en-US" smtClean="0"/>
+              <a:t>Click to edit Master text styles</a:t>
+            </a:r>
+          </a:p>
+          <a:p>
+            <a:pPr lvl="1"/>
+            <a:r>
+              <a:rPr lang="en-US" smtClean="0"/>
+              <a:t>Second level</a:t>
+            </a:r>
+          </a:p>
+          <a:p>
+            <a:pPr lvl="2"/>
+            <a:r>
+              <a:rPr lang="en-US" smtClean="0"/>
+              <a:t>Third level</a:t>
+            </a:r>
+          </a:p>
+          <a:p>
+            <a:pPr lvl="3"/>
+            <a:r>
+              <a:rPr lang="en-US" smtClean="0"/>
+              <a:t>Fourth level</a:t>
+            </a:r>
+          </a:p>
+          <a:p>
+            <a:pPr lvl="4"/>
+            <a:r>
+              <a:rPr lang="en-US" smtClean="0"/>
+              <a:t>Fifth level</a:t>
+            </a:r>
+            <a:endParaRPr lang="en-US" dirty="0"/>
+          </a:p>
+        </p:txBody>
+      </p:sp>
+      <p:sp>
+        <p:nvSpPr>
+          <p:cNvPr id="4" name="Date Placeholder 3"/>
+          <p:cNvSpPr>
+            <a:spLocks noGrp="1"/>
+          </p:cNvSpPr>
+          <p:nvPr>
+            <p:ph type="dt" sz="half" idx="2"/>
+          </p:nvPr>
+        </p:nvSpPr>
+        <p:spPr>
+          <a:xfrm rot="5400000">
+            <a:off x="10155639" y="1790701"/>
+            <a:ext cx="990599" cy="304799"/>
+          </a:xfrm>
+          <a:prstGeom prst="rect">
+            <a:avLst/>
+          </a:prstGeom>
+        </p:spPr>
+        <p:txBody>
+          <a:bodyPr vert="horz" lIns="91440" tIns="45720" rIns="91440" bIns="45720" rtlCol="0" anchor="t"/>
           <a:lstStyle>
             <a:lvl1pPr algn="l">
-              <a:defRPr sz="1200">
+              <a:defRPr sz="1100" b="0" i="0">
+                <a:solidFill>
+                  <a:schemeClr val="tx1">
+                    <a:tint val="75000"/>
+                    <a:alpha val="60000"/>
+                  </a:schemeClr>
+                </a:solidFill>
+              </a:defRPr>
+            </a:lvl1pPr>
+          </a:lstStyle>
+          <a:p>
+            <a:fld id="{7537D143-A3E9-46F1-8354-94C6592F23B8}" type="datetimeFigureOut">
+              <a:rPr lang="en-US" smtClean="0"/>
+              <a:t>11/1/2016</a:t>
+            </a:fld>
+            <a:endParaRPr lang="en-US"/>
+          </a:p>
+        </p:txBody>
+      </p:sp>
+      <p:sp>
+        <p:nvSpPr>
+          <p:cNvPr id="5" name="Footer Placeholder 4"/>
+          <p:cNvSpPr>
+            <a:spLocks noGrp="1"/>
+          </p:cNvSpPr>
+          <p:nvPr>
+            <p:ph type="ftr" sz="quarter" idx="3"/>
+          </p:nvPr>
+        </p:nvSpPr>
+        <p:spPr>
+          <a:xfrm rot="5400000">
+            <a:off x="8951573" y="3225297"/>
+            <a:ext cx="3859795" cy="304801"/>
+          </a:xfrm>
+          <a:prstGeom prst="rect">
+            <a:avLst/>
+          </a:prstGeom>
+        </p:spPr>
+        <p:txBody>
+          <a:bodyPr vert="horz" lIns="91440" tIns="45720" rIns="91440" bIns="45720" rtlCol="0" anchor="b"/>
+          <a:lstStyle>
+            <a:lvl1pPr algn="l">
+              <a:defRPr sz="1100" b="0" i="0">
+                <a:solidFill>
+                  <a:schemeClr val="tx1">
+                    <a:tint val="75000"/>
+                    <a:alpha val="60000"/>
+                  </a:schemeClr>
+                </a:solidFill>
+              </a:defRPr>
+            </a:lvl1pPr>
+          </a:lstStyle>
+          <a:p>
+            <a:endParaRPr lang="en-US"/>
+          </a:p>
+        </p:txBody>
+      </p:sp>
+      <p:sp>
+        <p:nvSpPr>
+          <p:cNvPr id="6" name="Slide Number Placeholder 5"/>
+          <p:cNvSpPr>
+            <a:spLocks noGrp="1"/>
+          </p:cNvSpPr>
+          <p:nvPr>
+            <p:ph type="sldNum" sz="quarter" idx="4"/>
+          </p:nvPr>
+        </p:nvSpPr>
+        <p:spPr bwMode="gray">
+          <a:xfrm>
+            <a:off x="10352540" y="295729"/>
+            <a:ext cx="838199" cy="767687"/>
+          </a:xfrm>
+          <a:prstGeom prst="rect">
+            <a:avLst/>
+          </a:prstGeom>
+        </p:spPr>
+        <p:txBody>
+          <a:bodyPr vert="horz" lIns="91440" tIns="45720" rIns="91440" bIns="45720" rtlCol="0" anchor="b"/>
+          <a:lstStyle>
+            <a:lvl1pPr algn="ctr">
+              <a:defRPr sz="2800" b="0" i="0">
                 <a:solidFill>
                   <a:schemeClr val="tx1">
                     <a:tint val="75000"/>
@@ -2572,84 +5650,6 @@
             </a:lvl1pPr>
           </a:lstStyle>
           <a:p>
-            <a:fld id="{7537D143-A3E9-46F1-8354-94C6592F23B8}" type="datetimeFigureOut">
-              <a:rPr lang="en-US" smtClean="0"/>
-              <a:t>11/1/2016</a:t>
-            </a:fld>
-            <a:endParaRPr lang="en-US"/>
-          </a:p>
-        </p:txBody>
-      </p:sp>
-      <p:sp>
-        <p:nvSpPr>
-          <p:cNvPr id="5" name="Footer Placeholder 4"/>
-          <p:cNvSpPr>
-            <a:spLocks noGrp="1"/>
-          </p:cNvSpPr>
-          <p:nvPr>
-            <p:ph type="ftr" sz="quarter" idx="3"/>
-          </p:nvPr>
-        </p:nvSpPr>
-        <p:spPr>
-          <a:xfrm>
-            <a:off x="4038600" y="6356350"/>
-            <a:ext cx="4114800" cy="365125"/>
-          </a:xfrm>
-          <a:prstGeom prst="rect">
-            <a:avLst/>
-          </a:prstGeom>
-        </p:spPr>
-        <p:txBody>
-          <a:bodyPr vert="horz" lIns="91440" tIns="45720" rIns="91440" bIns="45720" rtlCol="0" anchor="ctr"/>
-          <a:lstStyle>
-            <a:lvl1pPr algn="ctr">
-              <a:defRPr sz="1200">
-                <a:solidFill>
-                  <a:schemeClr val="tx1">
-                    <a:tint val="75000"/>
-                  </a:schemeClr>
-                </a:solidFill>
-              </a:defRPr>
-            </a:lvl1pPr>
-          </a:lstStyle>
-          <a:p>
-            <a:endParaRPr lang="en-US"/>
-          </a:p>
-        </p:txBody>
-      </p:sp>
-      <p:sp>
-        <p:nvSpPr>
-          <p:cNvPr id="6" name="Slide Number Placeholder 5"/>
-          <p:cNvSpPr>
-            <a:spLocks noGrp="1"/>
-          </p:cNvSpPr>
-          <p:nvPr>
-            <p:ph type="sldNum" sz="quarter" idx="4"/>
-          </p:nvPr>
-        </p:nvSpPr>
-        <p:spPr>
-          <a:xfrm>
-            <a:off x="8610600" y="6356350"/>
-            <a:ext cx="2743200" cy="365125"/>
-          </a:xfrm>
-          <a:prstGeom prst="rect">
-            <a:avLst/>
-          </a:prstGeom>
-        </p:spPr>
-        <p:txBody>
-          <a:bodyPr vert="horz" lIns="91440" tIns="45720" rIns="91440" bIns="45720" rtlCol="0" anchor="ctr"/>
-          <a:lstStyle>
-            <a:lvl1pPr algn="r">
-              <a:defRPr sz="1200">
-                <a:solidFill>
-                  <a:schemeClr val="tx1">
-                    <a:tint val="75000"/>
-                  </a:schemeClr>
-                </a:solidFill>
-              </a:defRPr>
-            </a:lvl1pPr>
-          </a:lstStyle>
-          <a:p>
             <a:fld id="{57841346-9C98-40A2-9C8C-456042C66470}" type="slidenum">
               <a:rPr lang="en-US" smtClean="0"/>
               <a:t>‹#›</a:t>
@@ -2661,35 +5661,121 @@
     </p:spTree>
     <p:extLst>
       <p:ext uri="{BB962C8B-B14F-4D97-AF65-F5344CB8AC3E}">
-        <p14:creationId xmlns:p14="http://schemas.microsoft.com/office/powerpoint/2010/main" val="1861379211"/>
+        <p14:creationId xmlns:p14="http://schemas.microsoft.com/office/powerpoint/2010/main" val="773886529"/>
       </p:ext>
     </p:extLst>
   </p:cSld>
-  <p:clrMap bg1="lt1" tx1="dk1" bg2="lt2" tx2="dk2" accent1="accent1" accent2="accent2" accent3="accent3" accent4="accent4" accent5="accent5" accent6="accent6" hlink="hlink" folHlink="folHlink"/>
+  <p:clrMap bg1="dk1" tx1="lt1" bg2="dk2" tx2="lt2" accent1="accent1" accent2="accent2" accent3="accent3" accent4="accent4" accent5="accent5" accent6="accent6" hlink="hlink" folHlink="folHlink"/>
   <p:sldLayoutIdLst>
-    <p:sldLayoutId id="2147483649" r:id="rId1"/>
-    <p:sldLayoutId id="2147483650" r:id="rId2"/>
-    <p:sldLayoutId id="2147483651" r:id="rId3"/>
-    <p:sldLayoutId id="2147483652" r:id="rId4"/>
-    <p:sldLayoutId id="2147483653" r:id="rId5"/>
-    <p:sldLayoutId id="2147483654" r:id="rId6"/>
-    <p:sldLayoutId id="2147483655" r:id="rId7"/>
-    <p:sldLayoutId id="2147483656" r:id="rId8"/>
-    <p:sldLayoutId id="2147483657" r:id="rId9"/>
-    <p:sldLayoutId id="2147483658" r:id="rId10"/>
-    <p:sldLayoutId id="2147483659" r:id="rId11"/>
+    <p:sldLayoutId id="2147483661" r:id="rId1"/>
+    <p:sldLayoutId id="2147483662" r:id="rId2"/>
+    <p:sldLayoutId id="2147483663" r:id="rId3"/>
+    <p:sldLayoutId id="2147483664" r:id="rId4"/>
+    <p:sldLayoutId id="2147483665" r:id="rId5"/>
+    <p:sldLayoutId id="2147483666" r:id="rId6"/>
+    <p:sldLayoutId id="2147483667" r:id="rId7"/>
+    <p:sldLayoutId id="2147483668" r:id="rId8"/>
+    <p:sldLayoutId id="2147483669" r:id="rId9"/>
+    <p:sldLayoutId id="2147483670" r:id="rId10"/>
+    <p:sldLayoutId id="2147483671" r:id="rId11"/>
+    <p:sldLayoutId id="2147483672" r:id="rId12"/>
+    <p:sldLayoutId id="2147483673" r:id="rId13"/>
+    <p:sldLayoutId id="2147483674" r:id="rId14"/>
+    <p:sldLayoutId id="2147483675" r:id="rId15"/>
+    <p:sldLayoutId id="2147483676" r:id="rId16"/>
+    <p:sldLayoutId id="2147483677" r:id="rId17"/>
   </p:sldLayoutIdLst>
   <p:txStyles>
     <p:titleStyle>
-      <a:lvl1pPr algn="l" defTabSz="914400" rtl="0" eaLnBrk="1" latinLnBrk="0" hangingPunct="1">
-        <a:lnSpc>
-          <a:spcPct val="90000"/>
-        </a:lnSpc>
+      <a:lvl1pPr algn="l" defTabSz="457200" rtl="0" eaLnBrk="1" latinLnBrk="0" hangingPunct="1">
         <a:spcBef>
           <a:spcPct val="0"/>
         </a:spcBef>
         <a:buNone/>
-        <a:defRPr sz="4400" kern="1200">
+        <a:defRPr sz="4200" b="0" i="0" kern="1200">
+          <a:solidFill>
+            <a:schemeClr val="tx2"/>
+          </a:solidFill>
+          <a:latin typeface="+mj-lt"/>
+          <a:ea typeface="+mj-ea"/>
+          <a:cs typeface="+mj-cs"/>
+        </a:defRPr>
+      </a:lvl1pPr>
+      <a:lvl2pPr eaLnBrk="1" hangingPunct="1">
+        <a:defRPr>
+          <a:solidFill>
+            <a:schemeClr val="tx2"/>
+          </a:solidFill>
+        </a:defRPr>
+      </a:lvl2pPr>
+      <a:lvl3pPr eaLnBrk="1" hangingPunct="1">
+        <a:defRPr>
+          <a:solidFill>
+            <a:schemeClr val="tx2"/>
+          </a:solidFill>
+        </a:defRPr>
+      </a:lvl3pPr>
+      <a:lvl4pPr eaLnBrk="1" hangingPunct="1">
+        <a:defRPr>
+          <a:solidFill>
+            <a:schemeClr val="tx2"/>
+          </a:solidFill>
+        </a:defRPr>
+      </a:lvl4pPr>
+      <a:lvl5pPr eaLnBrk="1" hangingPunct="1">
+        <a:defRPr>
+          <a:solidFill>
+            <a:schemeClr val="tx2"/>
+          </a:solidFill>
+        </a:defRPr>
+      </a:lvl5pPr>
+      <a:lvl6pPr eaLnBrk="1" hangingPunct="1">
+        <a:defRPr>
+          <a:solidFill>
+            <a:schemeClr val="tx2"/>
+          </a:solidFill>
+        </a:defRPr>
+      </a:lvl6pPr>
+      <a:lvl7pPr eaLnBrk="1" hangingPunct="1">
+        <a:defRPr>
+          <a:solidFill>
+            <a:schemeClr val="tx2"/>
+          </a:solidFill>
+        </a:defRPr>
+      </a:lvl7pPr>
+      <a:lvl8pPr eaLnBrk="1" hangingPunct="1">
+        <a:defRPr>
+          <a:solidFill>
+            <a:schemeClr val="tx2"/>
+          </a:solidFill>
+        </a:defRPr>
+      </a:lvl8pPr>
+      <a:lvl9pPr eaLnBrk="1" hangingPunct="1">
+        <a:defRPr>
+          <a:solidFill>
+            <a:schemeClr val="tx2"/>
+          </a:solidFill>
+        </a:defRPr>
+      </a:lvl9pPr>
+    </p:titleStyle>
+    <p:bodyStyle>
+      <a:lvl1pPr marL="342900" indent="-342900" algn="l" defTabSz="457200" rtl="0" eaLnBrk="1" latinLnBrk="0" hangingPunct="1">
+        <a:spcBef>
+          <a:spcPts val="1000"/>
+        </a:spcBef>
+        <a:spcAft>
+          <a:spcPts val="0"/>
+        </a:spcAft>
+        <a:buClr>
+          <a:schemeClr val="bg2">
+            <a:lumMod val="40000"/>
+            <a:lumOff val="60000"/>
+          </a:schemeClr>
+        </a:buClr>
+        <a:buSzPct val="80000"/>
+        <a:buFont typeface="Wingdings 3" charset="2"/>
+        <a:buChar char=""/>
+        <a:defRPr sz="2000" b="0" i="0" kern="1200">
           <a:solidFill>
             <a:schemeClr val="tx1"/>
           </a:solidFill>
@@ -2698,18 +5784,213 @@
           <a:cs typeface="+mj-cs"/>
         </a:defRPr>
       </a:lvl1pPr>
-    </p:titleStyle>
-    <p:bodyStyle>
-      <a:lvl1pPr marL="228600" indent="-228600" algn="l" defTabSz="914400" rtl="0" eaLnBrk="1" latinLnBrk="0" hangingPunct="1">
-        <a:lnSpc>
-          <a:spcPct val="90000"/>
-        </a:lnSpc>
+      <a:lvl2pPr marL="742950" indent="-285750" algn="l" defTabSz="457200" rtl="0" eaLnBrk="1" latinLnBrk="0" hangingPunct="1">
         <a:spcBef>
           <a:spcPts val="1000"/>
         </a:spcBef>
-        <a:buFont typeface="Arial" panose="020B0604020202020204" pitchFamily="34" charset="0"/>
-        <a:buChar char="•"/>
-        <a:defRPr sz="2800" kern="1200">
+        <a:spcAft>
+          <a:spcPts val="0"/>
+        </a:spcAft>
+        <a:buClr>
+          <a:schemeClr val="bg2">
+            <a:lumMod val="40000"/>
+            <a:lumOff val="60000"/>
+          </a:schemeClr>
+        </a:buClr>
+        <a:buSzPct val="80000"/>
+        <a:buFont typeface="Wingdings 3" charset="2"/>
+        <a:buChar char=""/>
+        <a:defRPr sz="1800" b="0" i="0" kern="1200">
+          <a:solidFill>
+            <a:schemeClr val="tx1"/>
+          </a:solidFill>
+          <a:latin typeface="+mj-lt"/>
+          <a:ea typeface="+mj-ea"/>
+          <a:cs typeface="+mj-cs"/>
+        </a:defRPr>
+      </a:lvl2pPr>
+      <a:lvl3pPr marL="1143000" indent="-228600" algn="l" defTabSz="457200" rtl="0" eaLnBrk="1" latinLnBrk="0" hangingPunct="1">
+        <a:spcBef>
+          <a:spcPts val="1000"/>
+        </a:spcBef>
+        <a:spcAft>
+          <a:spcPts val="0"/>
+        </a:spcAft>
+        <a:buClr>
+          <a:schemeClr val="bg2">
+            <a:lumMod val="40000"/>
+            <a:lumOff val="60000"/>
+          </a:schemeClr>
+        </a:buClr>
+        <a:buSzPct val="80000"/>
+        <a:buFont typeface="Wingdings 3" charset="2"/>
+        <a:buChar char=""/>
+        <a:defRPr sz="1600" b="0" i="0" kern="1200">
+          <a:solidFill>
+            <a:schemeClr val="tx1"/>
+          </a:solidFill>
+          <a:latin typeface="+mj-lt"/>
+          <a:ea typeface="+mj-ea"/>
+          <a:cs typeface="+mj-cs"/>
+        </a:defRPr>
+      </a:lvl3pPr>
+      <a:lvl4pPr marL="1600200" indent="-228600" algn="l" defTabSz="457200" rtl="0" eaLnBrk="1" latinLnBrk="0" hangingPunct="1">
+        <a:spcBef>
+          <a:spcPts val="1000"/>
+        </a:spcBef>
+        <a:spcAft>
+          <a:spcPts val="0"/>
+        </a:spcAft>
+        <a:buClr>
+          <a:schemeClr val="bg2">
+            <a:lumMod val="40000"/>
+            <a:lumOff val="60000"/>
+          </a:schemeClr>
+        </a:buClr>
+        <a:buSzPct val="80000"/>
+        <a:buFont typeface="Wingdings 3" charset="2"/>
+        <a:buChar char=""/>
+        <a:defRPr sz="1400" b="0" i="0" kern="1200">
+          <a:solidFill>
+            <a:schemeClr val="tx1"/>
+          </a:solidFill>
+          <a:latin typeface="+mj-lt"/>
+          <a:ea typeface="+mj-ea"/>
+          <a:cs typeface="+mj-cs"/>
+        </a:defRPr>
+      </a:lvl4pPr>
+      <a:lvl5pPr marL="2057400" indent="-228600" algn="l" defTabSz="457200" rtl="0" eaLnBrk="1" latinLnBrk="0" hangingPunct="1">
+        <a:spcBef>
+          <a:spcPts val="1000"/>
+        </a:spcBef>
+        <a:spcAft>
+          <a:spcPts val="0"/>
+        </a:spcAft>
+        <a:buClr>
+          <a:schemeClr val="bg2">
+            <a:lumMod val="40000"/>
+            <a:lumOff val="60000"/>
+          </a:schemeClr>
+        </a:buClr>
+        <a:buSzPct val="80000"/>
+        <a:buFont typeface="Wingdings 3" charset="2"/>
+        <a:buChar char=""/>
+        <a:defRPr sz="1400" b="0" i="0" kern="1200">
+          <a:solidFill>
+            <a:schemeClr val="tx1"/>
+          </a:solidFill>
+          <a:latin typeface="+mj-lt"/>
+          <a:ea typeface="+mj-ea"/>
+          <a:cs typeface="+mj-cs"/>
+        </a:defRPr>
+      </a:lvl5pPr>
+      <a:lvl6pPr marL="2506000" indent="-228600" algn="l" defTabSz="457200" rtl="0" eaLnBrk="1" latinLnBrk="0" hangingPunct="1">
+        <a:spcBef>
+          <a:spcPts val="1000"/>
+        </a:spcBef>
+        <a:spcAft>
+          <a:spcPts val="0"/>
+        </a:spcAft>
+        <a:buClr>
+          <a:schemeClr val="bg2">
+            <a:lumMod val="40000"/>
+            <a:lumOff val="60000"/>
+          </a:schemeClr>
+        </a:buClr>
+        <a:buSzPct val="80000"/>
+        <a:buFont typeface="Wingdings 3" charset="2"/>
+        <a:buChar char=""/>
+        <a:defRPr sz="1400" b="0" i="0" kern="1200">
+          <a:solidFill>
+            <a:schemeClr val="tx1"/>
+          </a:solidFill>
+          <a:latin typeface="+mj-lt"/>
+          <a:ea typeface="+mj-ea"/>
+          <a:cs typeface="+mj-cs"/>
+        </a:defRPr>
+      </a:lvl6pPr>
+      <a:lvl7pPr marL="2971800" indent="-228600" algn="l" defTabSz="457200" rtl="0" eaLnBrk="1" latinLnBrk="0" hangingPunct="1">
+        <a:spcBef>
+          <a:spcPts val="1000"/>
+        </a:spcBef>
+        <a:spcAft>
+          <a:spcPts val="0"/>
+        </a:spcAft>
+        <a:buClr>
+          <a:schemeClr val="bg2">
+            <a:lumMod val="40000"/>
+            <a:lumOff val="60000"/>
+          </a:schemeClr>
+        </a:buClr>
+        <a:buSzPct val="80000"/>
+        <a:buFont typeface="Wingdings 3" charset="2"/>
+        <a:buChar char=""/>
+        <a:defRPr sz="1400" b="0" i="0" kern="1200">
+          <a:solidFill>
+            <a:schemeClr val="tx1"/>
+          </a:solidFill>
+          <a:latin typeface="+mj-lt"/>
+          <a:ea typeface="+mj-ea"/>
+          <a:cs typeface="+mj-cs"/>
+        </a:defRPr>
+      </a:lvl7pPr>
+      <a:lvl8pPr marL="3429000" indent="-228600" algn="l" defTabSz="457200" rtl="0" eaLnBrk="1" latinLnBrk="0" hangingPunct="1">
+        <a:spcBef>
+          <a:spcPts val="1000"/>
+        </a:spcBef>
+        <a:spcAft>
+          <a:spcPts val="0"/>
+        </a:spcAft>
+        <a:buClr>
+          <a:schemeClr val="bg2">
+            <a:lumMod val="40000"/>
+            <a:lumOff val="60000"/>
+          </a:schemeClr>
+        </a:buClr>
+        <a:buSzPct val="80000"/>
+        <a:buFont typeface="Wingdings 3" charset="2"/>
+        <a:buChar char=""/>
+        <a:defRPr sz="1400" b="0" i="0" kern="1200">
+          <a:solidFill>
+            <a:schemeClr val="tx1"/>
+          </a:solidFill>
+          <a:latin typeface="+mj-lt"/>
+          <a:ea typeface="+mj-ea"/>
+          <a:cs typeface="+mj-cs"/>
+        </a:defRPr>
+      </a:lvl8pPr>
+      <a:lvl9pPr marL="3886200" indent="-228600" algn="l" defTabSz="457200" rtl="0" eaLnBrk="1" latinLnBrk="0" hangingPunct="1">
+        <a:spcBef>
+          <a:spcPts val="1000"/>
+        </a:spcBef>
+        <a:spcAft>
+          <a:spcPts val="0"/>
+        </a:spcAft>
+        <a:buClr>
+          <a:schemeClr val="bg2">
+            <a:lumMod val="40000"/>
+            <a:lumOff val="60000"/>
+          </a:schemeClr>
+        </a:buClr>
+        <a:buSzPct val="80000"/>
+        <a:buFont typeface="Wingdings 3" charset="2"/>
+        <a:buChar char=""/>
+        <a:defRPr sz="1400" b="0" i="0" kern="1200">
+          <a:solidFill>
+            <a:schemeClr val="tx1"/>
+          </a:solidFill>
+          <a:latin typeface="+mj-lt"/>
+          <a:ea typeface="+mj-ea"/>
+          <a:cs typeface="+mj-cs"/>
+        </a:defRPr>
+      </a:lvl9pPr>
+    </p:bodyStyle>
+    <p:otherStyle>
+      <a:defPPr>
+        <a:defRPr lang="en-US"/>
+      </a:defPPr>
+      <a:lvl1pPr marL="0" algn="l" defTabSz="457200" rtl="0" eaLnBrk="1" latinLnBrk="0" hangingPunct="1">
+        <a:defRPr sz="1800" kern="1200">
           <a:solidFill>
             <a:schemeClr val="tx1"/>
           </a:solidFill>
@@ -2718,16 +5999,8 @@
           <a:cs typeface="+mn-cs"/>
         </a:defRPr>
       </a:lvl1pPr>
-      <a:lvl2pPr marL="685800" indent="-228600" algn="l" defTabSz="914400" rtl="0" eaLnBrk="1" latinLnBrk="0" hangingPunct="1">
-        <a:lnSpc>
-          <a:spcPct val="90000"/>
-        </a:lnSpc>
-        <a:spcBef>
-          <a:spcPts val="500"/>
-        </a:spcBef>
-        <a:buFont typeface="Arial" panose="020B0604020202020204" pitchFamily="34" charset="0"/>
-        <a:buChar char="•"/>
-        <a:defRPr sz="2400" kern="1200">
+      <a:lvl2pPr marL="457200" algn="l" defTabSz="457200" rtl="0" eaLnBrk="1" latinLnBrk="0" hangingPunct="1">
+        <a:defRPr sz="1800" kern="1200">
           <a:solidFill>
             <a:schemeClr val="tx1"/>
           </a:solidFill>
@@ -2736,16 +6009,8 @@
           <a:cs typeface="+mn-cs"/>
         </a:defRPr>
       </a:lvl2pPr>
-      <a:lvl3pPr marL="1143000" indent="-228600" algn="l" defTabSz="914400" rtl="0" eaLnBrk="1" latinLnBrk="0" hangingPunct="1">
-        <a:lnSpc>
-          <a:spcPct val="90000"/>
-        </a:lnSpc>
-        <a:spcBef>
-          <a:spcPts val="500"/>
-        </a:spcBef>
-        <a:buFont typeface="Arial" panose="020B0604020202020204" pitchFamily="34" charset="0"/>
-        <a:buChar char="•"/>
-        <a:defRPr sz="2000" kern="1200">
+      <a:lvl3pPr marL="914400" algn="l" defTabSz="457200" rtl="0" eaLnBrk="1" latinLnBrk="0" hangingPunct="1">
+        <a:defRPr sz="1800" kern="1200">
           <a:solidFill>
             <a:schemeClr val="tx1"/>
           </a:solidFill>
@@ -2754,15 +6019,7 @@
           <a:cs typeface="+mn-cs"/>
         </a:defRPr>
       </a:lvl3pPr>
-      <a:lvl4pPr marL="1600200" indent="-228600" algn="l" defTabSz="914400" rtl="0" eaLnBrk="1" latinLnBrk="0" hangingPunct="1">
-        <a:lnSpc>
-          <a:spcPct val="90000"/>
-        </a:lnSpc>
-        <a:spcBef>
-          <a:spcPts val="500"/>
-        </a:spcBef>
-        <a:buFont typeface="Arial" panose="020B0604020202020204" pitchFamily="34" charset="0"/>
-        <a:buChar char="•"/>
+      <a:lvl4pPr marL="1371600" algn="l" defTabSz="457200" rtl="0" eaLnBrk="1" latinLnBrk="0" hangingPunct="1">
         <a:defRPr sz="1800" kern="1200">
           <a:solidFill>
             <a:schemeClr val="tx1"/>
@@ -2772,15 +6029,7 @@
           <a:cs typeface="+mn-cs"/>
         </a:defRPr>
       </a:lvl4pPr>
-      <a:lvl5pPr marL="2057400" indent="-228600" algn="l" defTabSz="914400" rtl="0" eaLnBrk="1" latinLnBrk="0" hangingPunct="1">
-        <a:lnSpc>
-          <a:spcPct val="90000"/>
-        </a:lnSpc>
-        <a:spcBef>
-          <a:spcPts val="500"/>
-        </a:spcBef>
-        <a:buFont typeface="Arial" panose="020B0604020202020204" pitchFamily="34" charset="0"/>
-        <a:buChar char="•"/>
+      <a:lvl5pPr marL="1828800" algn="l" defTabSz="457200" rtl="0" eaLnBrk="1" latinLnBrk="0" hangingPunct="1">
         <a:defRPr sz="1800" kern="1200">
           <a:solidFill>
             <a:schemeClr val="tx1"/>
@@ -2790,15 +6039,7 @@
           <a:cs typeface="+mn-cs"/>
         </a:defRPr>
       </a:lvl5pPr>
-      <a:lvl6pPr marL="2514600" indent="-228600" algn="l" defTabSz="914400" rtl="0" eaLnBrk="1" latinLnBrk="0" hangingPunct="1">
-        <a:lnSpc>
-          <a:spcPct val="90000"/>
-        </a:lnSpc>
-        <a:spcBef>
-          <a:spcPts val="500"/>
-        </a:spcBef>
-        <a:buFont typeface="Arial" panose="020B0604020202020204" pitchFamily="34" charset="0"/>
-        <a:buChar char="•"/>
+      <a:lvl6pPr marL="2286000" algn="l" defTabSz="457200" rtl="0" eaLnBrk="1" latinLnBrk="0" hangingPunct="1">
         <a:defRPr sz="1800" kern="1200">
           <a:solidFill>
             <a:schemeClr val="tx1"/>
@@ -2808,15 +6049,7 @@
           <a:cs typeface="+mn-cs"/>
         </a:defRPr>
       </a:lvl6pPr>
-      <a:lvl7pPr marL="2971800" indent="-228600" algn="l" defTabSz="914400" rtl="0" eaLnBrk="1" latinLnBrk="0" hangingPunct="1">
-        <a:lnSpc>
-          <a:spcPct val="90000"/>
-        </a:lnSpc>
-        <a:spcBef>
-          <a:spcPts val="500"/>
-        </a:spcBef>
-        <a:buFont typeface="Arial" panose="020B0604020202020204" pitchFamily="34" charset="0"/>
-        <a:buChar char="•"/>
+      <a:lvl7pPr marL="2743200" algn="l" defTabSz="457200" rtl="0" eaLnBrk="1" latinLnBrk="0" hangingPunct="1">
         <a:defRPr sz="1800" kern="1200">
           <a:solidFill>
             <a:schemeClr val="tx1"/>
@@ -2826,15 +6059,7 @@
           <a:cs typeface="+mn-cs"/>
         </a:defRPr>
       </a:lvl7pPr>
-      <a:lvl8pPr marL="3429000" indent="-228600" algn="l" defTabSz="914400" rtl="0" eaLnBrk="1" latinLnBrk="0" hangingPunct="1">
-        <a:lnSpc>
-          <a:spcPct val="90000"/>
-        </a:lnSpc>
-        <a:spcBef>
-          <a:spcPts val="500"/>
-        </a:spcBef>
-        <a:buFont typeface="Arial" panose="020B0604020202020204" pitchFamily="34" charset="0"/>
-        <a:buChar char="•"/>
+      <a:lvl8pPr marL="3200400" algn="l" defTabSz="457200" rtl="0" eaLnBrk="1" latinLnBrk="0" hangingPunct="1">
         <a:defRPr sz="1800" kern="1200">
           <a:solidFill>
             <a:schemeClr val="tx1"/>
@@ -2844,110 +6069,7 @@
           <a:cs typeface="+mn-cs"/>
         </a:defRPr>
       </a:lvl8pPr>
-      <a:lvl9pPr marL="3886200" indent="-228600" algn="l" defTabSz="914400" rtl="0" eaLnBrk="1" latinLnBrk="0" hangingPunct="1">
-        <a:lnSpc>
-          <a:spcPct val="90000"/>
-        </a:lnSpc>
-        <a:spcBef>
-          <a:spcPts val="500"/>
-        </a:spcBef>
-        <a:buFont typeface="Arial" panose="020B0604020202020204" pitchFamily="34" charset="0"/>
-        <a:buChar char="•"/>
-        <a:defRPr sz="1800" kern="1200">
-          <a:solidFill>
-            <a:schemeClr val="tx1"/>
-          </a:solidFill>
-          <a:latin typeface="+mn-lt"/>
-          <a:ea typeface="+mn-ea"/>
-          <a:cs typeface="+mn-cs"/>
-        </a:defRPr>
-      </a:lvl9pPr>
-    </p:bodyStyle>
-    <p:otherStyle>
-      <a:defPPr>
-        <a:defRPr lang="en-US"/>
-      </a:defPPr>
-      <a:lvl1pPr marL="0" algn="l" defTabSz="914400" rtl="0" eaLnBrk="1" latinLnBrk="0" hangingPunct="1">
-        <a:defRPr sz="1800" kern="1200">
-          <a:solidFill>
-            <a:schemeClr val="tx1"/>
-          </a:solidFill>
-          <a:latin typeface="+mn-lt"/>
-          <a:ea typeface="+mn-ea"/>
-          <a:cs typeface="+mn-cs"/>
-        </a:defRPr>
-      </a:lvl1pPr>
-      <a:lvl2pPr marL="457200" algn="l" defTabSz="914400" rtl="0" eaLnBrk="1" latinLnBrk="0" hangingPunct="1">
-        <a:defRPr sz="1800" kern="1200">
-          <a:solidFill>
-            <a:schemeClr val="tx1"/>
-          </a:solidFill>
-          <a:latin typeface="+mn-lt"/>
-          <a:ea typeface="+mn-ea"/>
-          <a:cs typeface="+mn-cs"/>
-        </a:defRPr>
-      </a:lvl2pPr>
-      <a:lvl3pPr marL="914400" algn="l" defTabSz="914400" rtl="0" eaLnBrk="1" latinLnBrk="0" hangingPunct="1">
-        <a:defRPr sz="1800" kern="1200">
-          <a:solidFill>
-            <a:schemeClr val="tx1"/>
-          </a:solidFill>
-          <a:latin typeface="+mn-lt"/>
-          <a:ea typeface="+mn-ea"/>
-          <a:cs typeface="+mn-cs"/>
-        </a:defRPr>
-      </a:lvl3pPr>
-      <a:lvl4pPr marL="1371600" algn="l" defTabSz="914400" rtl="0" eaLnBrk="1" latinLnBrk="0" hangingPunct="1">
-        <a:defRPr sz="1800" kern="1200">
-          <a:solidFill>
-            <a:schemeClr val="tx1"/>
-          </a:solidFill>
-          <a:latin typeface="+mn-lt"/>
-          <a:ea typeface="+mn-ea"/>
-          <a:cs typeface="+mn-cs"/>
-        </a:defRPr>
-      </a:lvl4pPr>
-      <a:lvl5pPr marL="1828800" algn="l" defTabSz="914400" rtl="0" eaLnBrk="1" latinLnBrk="0" hangingPunct="1">
-        <a:defRPr sz="1800" kern="1200">
-          <a:solidFill>
-            <a:schemeClr val="tx1"/>
-          </a:solidFill>
-          <a:latin typeface="+mn-lt"/>
-          <a:ea typeface="+mn-ea"/>
-          <a:cs typeface="+mn-cs"/>
-        </a:defRPr>
-      </a:lvl5pPr>
-      <a:lvl6pPr marL="2286000" algn="l" defTabSz="914400" rtl="0" eaLnBrk="1" latinLnBrk="0" hangingPunct="1">
-        <a:defRPr sz="1800" kern="1200">
-          <a:solidFill>
-            <a:schemeClr val="tx1"/>
-          </a:solidFill>
-          <a:latin typeface="+mn-lt"/>
-          <a:ea typeface="+mn-ea"/>
-          <a:cs typeface="+mn-cs"/>
-        </a:defRPr>
-      </a:lvl6pPr>
-      <a:lvl7pPr marL="2743200" algn="l" defTabSz="914400" rtl="0" eaLnBrk="1" latinLnBrk="0" hangingPunct="1">
-        <a:defRPr sz="1800" kern="1200">
-          <a:solidFill>
-            <a:schemeClr val="tx1"/>
-          </a:solidFill>
-          <a:latin typeface="+mn-lt"/>
-          <a:ea typeface="+mn-ea"/>
-          <a:cs typeface="+mn-cs"/>
-        </a:defRPr>
-      </a:lvl7pPr>
-      <a:lvl8pPr marL="3200400" algn="l" defTabSz="914400" rtl="0" eaLnBrk="1" latinLnBrk="0" hangingPunct="1">
-        <a:defRPr sz="1800" kern="1200">
-          <a:solidFill>
-            <a:schemeClr val="tx1"/>
-          </a:solidFill>
-          <a:latin typeface="+mn-lt"/>
-          <a:ea typeface="+mn-ea"/>
-          <a:cs typeface="+mn-cs"/>
-        </a:defRPr>
-      </a:lvl8pPr>
-      <a:lvl9pPr marL="3657600" algn="l" defTabSz="914400" rtl="0" eaLnBrk="1" latinLnBrk="0" hangingPunct="1">
+      <a:lvl9pPr marL="3657600" algn="l" defTabSz="457200" rtl="0" eaLnBrk="1" latinLnBrk="0" hangingPunct="1">
         <a:defRPr sz="1800" kern="1200">
           <a:solidFill>
             <a:schemeClr val="tx1"/>
@@ -4039,9 +7161,9 @@
 </file>
 
 <file path=ppt/theme/theme1.xml><?xml version="1.0" encoding="utf-8"?>
-<a:theme xmlns:a="http://schemas.openxmlformats.org/drawingml/2006/main" name="Office Theme">
+<a:theme xmlns:a="http://schemas.openxmlformats.org/drawingml/2006/main" name="Ion">
   <a:themeElements>
-    <a:clrScheme name="Office">
+    <a:clrScheme name="Ion">
       <a:dk1>
         <a:sysClr val="windowText" lastClr="000000"/>
       </a:dk1>
@@ -4049,42 +7171,42 @@
         <a:sysClr val="window" lastClr="FFFFFF"/>
       </a:lt1>
       <a:dk2>
-        <a:srgbClr val="44546A"/>
+        <a:srgbClr val="1E5155"/>
       </a:dk2>
       <a:lt2>
-        <a:srgbClr val="E7E6E6"/>
+        <a:srgbClr val="EBEBEB"/>
       </a:lt2>
       <a:accent1>
-        <a:srgbClr val="5B9BD5"/>
+        <a:srgbClr val="B01513"/>
       </a:accent1>
       <a:accent2>
-        <a:srgbClr val="ED7D31"/>
+        <a:srgbClr val="EA6312"/>
       </a:accent2>
       <a:accent3>
-        <a:srgbClr val="A5A5A5"/>
+        <a:srgbClr val="E6B729"/>
       </a:accent3>
       <a:accent4>
-        <a:srgbClr val="FFC000"/>
+        <a:srgbClr val="6AAC90"/>
       </a:accent4>
       <a:accent5>
-        <a:srgbClr val="4472C4"/>
+        <a:srgbClr val="54849A"/>
       </a:accent5>
       <a:accent6>
-        <a:srgbClr val="70AD47"/>
+        <a:srgbClr val="9E5E9B"/>
       </a:accent6>
       <a:hlink>
-        <a:srgbClr val="0563C1"/>
+        <a:srgbClr val="58C1BA"/>
       </a:hlink>
       <a:folHlink>
-        <a:srgbClr val="954F72"/>
+        <a:srgbClr val="9DFFCB"/>
       </a:folHlink>
     </a:clrScheme>
-    <a:fontScheme name="Office">
+    <a:fontScheme name="Ion">
       <a:majorFont>
-        <a:latin typeface="Calibri Light" panose="020F0302020204030204"/>
+        <a:latin typeface="Century Gothic" panose="020B0502020202020204"/>
         <a:ea typeface=""/>
         <a:cs typeface=""/>
-        <a:font script="Jpan" typeface="ＭＳ Ｐゴシック"/>
+        <a:font script="Jpan" typeface="メイリオ"/>
         <a:font script="Hang" typeface="맑은 고딕"/>
         <a:font script="Hans" typeface="宋体"/>
         <a:font script="Hant" typeface="新細明體"/>
@@ -4116,10 +7238,10 @@
         <a:font script="Geor" typeface="Sylfaen"/>
       </a:majorFont>
       <a:minorFont>
-        <a:latin typeface="Calibri" panose="020F0502020204030204"/>
+        <a:latin typeface="Century Gothic" panose="020B0502020202020204"/>
         <a:ea typeface=""/>
         <a:cs typeface=""/>
-        <a:font script="Jpan" typeface="ＭＳ Ｐゴシック"/>
+        <a:font script="Jpan" typeface="メイリオ"/>
         <a:font script="Hang" typeface="맑은 고딕"/>
         <a:font script="Hans" typeface="宋体"/>
         <a:font script="Hant" typeface="新細明體"/>
@@ -4151,7 +7273,7 @@
         <a:font script="Geor" typeface="Sylfaen"/>
       </a:minorFont>
     </a:fontScheme>
-    <a:fmtScheme name="Office">
+    <a:fmtScheme name="Ion">
       <a:fillStyleLst>
         <a:solidFill>
           <a:schemeClr val="phClr"/>
@@ -4160,23 +7282,15 @@
           <a:gsLst>
             <a:gs pos="0">
               <a:schemeClr val="phClr">
-                <a:lumMod val="110000"/>
-                <a:satMod val="105000"/>
-                <a:tint val="67000"/>
-              </a:schemeClr>
-            </a:gs>
-            <a:gs pos="50000">
-              <a:schemeClr val="phClr">
-                <a:lumMod val="105000"/>
-                <a:satMod val="103000"/>
-                <a:tint val="73000"/>
+                <a:tint val="64000"/>
+                <a:lumMod val="118000"/>
               </a:schemeClr>
             </a:gs>
             <a:gs pos="100000">
               <a:schemeClr val="phClr">
-                <a:lumMod val="105000"/>
-                <a:satMod val="109000"/>
-                <a:tint val="81000"/>
+                <a:tint val="92000"/>
+                <a:alpha val="100000"/>
+                <a:lumMod val="110000"/>
               </a:schemeClr>
             </a:gs>
           </a:gsLst>
@@ -4186,23 +7300,14 @@
           <a:gsLst>
             <a:gs pos="0">
               <a:schemeClr val="phClr">
-                <a:satMod val="103000"/>
-                <a:lumMod val="102000"/>
-                <a:tint val="94000"/>
-              </a:schemeClr>
-            </a:gs>
-            <a:gs pos="50000">
-              <a:schemeClr val="phClr">
-                <a:satMod val="110000"/>
-                <a:lumMod val="100000"/>
-                <a:shade val="100000"/>
+                <a:tint val="98000"/>
+                <a:lumMod val="114000"/>
               </a:schemeClr>
             </a:gs>
             <a:gs pos="100000">
               <a:schemeClr val="phClr">
-                <a:lumMod val="99000"/>
-                <a:satMod val="120000"/>
-                <a:shade val="78000"/>
+                <a:shade val="90000"/>
+                <a:lumMod val="84000"/>
               </a:schemeClr>
             </a:gs>
           </a:gsLst>
@@ -4210,26 +7315,23 @@
         </a:gradFill>
       </a:fillStyleLst>
       <a:lnStyleLst>
-        <a:ln w="6350" cap="flat" cmpd="sng" algn="ctr">
+        <a:ln w="9525" cap="rnd" cmpd="sng" algn="ctr">
           <a:solidFill>
             <a:schemeClr val="phClr"/>
           </a:solidFill>
           <a:prstDash val="solid"/>
-          <a:miter lim="800000"/>
         </a:ln>
-        <a:ln w="12700" cap="flat" cmpd="sng" algn="ctr">
+        <a:ln w="19050" cap="rnd" cmpd="sng" algn="ctr">
           <a:solidFill>
             <a:schemeClr val="phClr"/>
           </a:solidFill>
           <a:prstDash val="solid"/>
-          <a:miter lim="800000"/>
         </a:ln>
-        <a:ln w="19050" cap="flat" cmpd="sng" algn="ctr">
+        <a:ln w="28575" cap="rnd" cmpd="sng" algn="ctr">
           <a:solidFill>
             <a:schemeClr val="phClr"/>
           </a:solidFill>
           <a:prstDash val="solid"/>
-          <a:miter lim="800000"/>
         </a:ln>
       </a:lnStyleLst>
       <a:effectStyleLst>
@@ -4237,55 +7339,80 @@
           <a:effectLst/>
         </a:effectStyle>
         <a:effectStyle>
-          <a:effectLst/>
+          <a:effectLst>
+            <a:outerShdw blurRad="38100" dist="25400" dir="5400000" rotWithShape="0">
+              <a:srgbClr val="000000">
+                <a:alpha val="45000"/>
+              </a:srgbClr>
+            </a:outerShdw>
+          </a:effectLst>
         </a:effectStyle>
         <a:effectStyle>
           <a:effectLst>
-            <a:outerShdw blurRad="57150" dist="19050" dir="5400000" algn="ctr" rotWithShape="0">
+            <a:outerShdw blurRad="63500" dist="38100" dir="5400000" rotWithShape="0">
               <a:srgbClr val="000000">
-                <a:alpha val="63000"/>
+                <a:alpha val="60000"/>
               </a:srgbClr>
             </a:outerShdw>
           </a:effectLst>
+          <a:scene3d>
+            <a:camera prst="orthographicFront">
+              <a:rot lat="0" lon="0" rev="0"/>
+            </a:camera>
+            <a:lightRig rig="threePt" dir="tl"/>
+          </a:scene3d>
+          <a:sp3d prstMaterial="plastic">
+            <a:bevelT w="0" h="0"/>
+          </a:sp3d>
         </a:effectStyle>
       </a:effectStyleLst>
       <a:bgFillStyleLst>
         <a:solidFill>
           <a:schemeClr val="phClr"/>
         </a:solidFill>
-        <a:solidFill>
-          <a:schemeClr val="phClr">
-            <a:tint val="95000"/>
-            <a:satMod val="170000"/>
-          </a:schemeClr>
-        </a:solidFill>
         <a:gradFill rotWithShape="1">
           <a:gsLst>
             <a:gs pos="0">
               <a:schemeClr val="phClr">
-                <a:tint val="93000"/>
-                <a:satMod val="150000"/>
-                <a:shade val="98000"/>
-                <a:lumMod val="102000"/>
-              </a:schemeClr>
-            </a:gs>
-            <a:gs pos="50000">
-              <a:schemeClr val="phClr">
-                <a:tint val="98000"/>
+                <a:tint val="97000"/>
+                <a:hueMod val="88000"/>
                 <a:satMod val="130000"/>
-                <a:shade val="90000"/>
-                <a:lumMod val="103000"/>
+                <a:lumMod val="124000"/>
               </a:schemeClr>
             </a:gs>
             <a:gs pos="100000">
               <a:schemeClr val="phClr">
-                <a:shade val="63000"/>
-                <a:satMod val="120000"/>
+                <a:tint val="96000"/>
+                <a:shade val="88000"/>
+                <a:hueMod val="108000"/>
+                <a:satMod val="164000"/>
+                <a:lumMod val="76000"/>
               </a:schemeClr>
             </a:gs>
           </a:gsLst>
-          <a:lin ang="5400000" scaled="0"/>
+          <a:path path="circle">
+            <a:fillToRect l="45000" t="65000" r="125000" b="100000"/>
+          </a:path>
         </a:gradFill>
+        <a:blipFill rotWithShape="1">
+          <a:blip xmlns:r="http://schemas.openxmlformats.org/officeDocument/2006/relationships" r:embed="rId1">
+            <a:duotone>
+              <a:schemeClr val="phClr">
+                <a:shade val="69000"/>
+                <a:hueMod val="108000"/>
+                <a:satMod val="164000"/>
+                <a:lumMod val="74000"/>
+              </a:schemeClr>
+              <a:schemeClr val="phClr">
+                <a:tint val="96000"/>
+                <a:hueMod val="88000"/>
+                <a:satMod val="140000"/>
+                <a:lumMod val="132000"/>
+              </a:schemeClr>
+            </a:duotone>
+          </a:blip>
+          <a:stretch/>
+        </a:blipFill>
       </a:bgFillStyleLst>
     </a:fmtScheme>
   </a:themeElements>
@@ -4293,7 +7420,7 @@
   <a:extraClrSchemeLst/>
   <a:extLst>
     <a:ext uri="{05A4C25C-085E-4340-85A3-A5531E510DB2}">
-      <thm15:themeFamily xmlns:thm15="http://schemas.microsoft.com/office/thememl/2012/main" name="Office Theme" id="{62F939B6-93AF-4DB8-9C6B-D6C7DFDC589F}" vid="{4A3C46E8-61CC-4603-A589-7422A47A8E4A}"/>
+      <thm15:themeFamily xmlns:thm15="http://schemas.microsoft.com/office/thememl/2012/main" name="Ion" id="{B8441ADB-2E43-4AF7-B97A-BD870242C6A8}" vid="{292E63A9-BB86-4E3D-B92A-7223C6510D2E}"/>
     </a:ext>
   </a:extLst>
 </a:theme>

--- a/Documentation/Group Presentation.pptx
+++ b/Documentation/Group Presentation.pptx
@@ -114,6 +114,11 @@
       </a:defRPr>
     </a:lvl9pPr>
   </p:defaultTextStyle>
+  <p:extLst>
+    <p:ext uri="{EFAFB233-063F-42B5-8137-9DF3F51BA10A}">
+      <p15:sldGuideLst xmlns:p15="http://schemas.microsoft.com/office/powerpoint/2012/main"/>
+    </p:ext>
+  </p:extLst>
 </p:presentation>
 </file>
 
@@ -5840,7 +5845,7 @@
               <a:buChar char=""/>
             </a:pPr>
             <a:r>
-              <a:rPr lang="en-US" sz="2000" b="0" strike="noStrike" spc="-1">
+              <a:rPr lang="en-US" sz="2000" b="0" strike="noStrike" spc="-1" dirty="0">
                 <a:solidFill>
                   <a:srgbClr val="FFFFFF"/>
                 </a:solidFill>
@@ -5867,7 +5872,7 @@
               <a:buChar char=""/>
             </a:pPr>
             <a:r>
-              <a:rPr lang="en-US" sz="1800" b="0" strike="noStrike" spc="-1">
+              <a:rPr lang="en-US" sz="1800" b="0" strike="noStrike" spc="-1" dirty="0">
                 <a:solidFill>
                   <a:srgbClr val="FFFFFF"/>
                 </a:solidFill>
@@ -5880,7 +5885,7 @@
               </a:rPr>
               <a:t>Complete data for the years 2006-2014 was found </a:t>
             </a:r>
-            <a:endParaRPr lang="en-US" sz="1600" b="0" strike="noStrike" spc="-1">
+            <a:endParaRPr lang="en-US" sz="1600" b="0" strike="noStrike" spc="-1" dirty="0">
               <a:solidFill>
                 <a:srgbClr val="FFFFFF"/>
               </a:solidFill>
@@ -5905,7 +5910,7 @@
               <a:buChar char=""/>
             </a:pPr>
             <a:r>
-              <a:rPr lang="en-US" sz="2000" b="0" strike="noStrike" spc="-1">
+              <a:rPr lang="en-US" sz="2000" b="0" strike="noStrike" spc="-1" dirty="0">
                 <a:solidFill>
                   <a:srgbClr val="FFFFFF"/>
                 </a:solidFill>
@@ -5932,7 +5937,7 @@
               <a:buChar char=""/>
             </a:pPr>
             <a:r>
-              <a:rPr lang="en-US" sz="1800" b="0" strike="noStrike" spc="-1">
+              <a:rPr lang="en-US" sz="1800" b="0" strike="noStrike" spc="-1" dirty="0">
                 <a:solidFill>
                   <a:srgbClr val="FFFFFF"/>
                 </a:solidFill>
@@ -5945,7 +5950,7 @@
               </a:rPr>
               <a:t>College Football Stats</a:t>
             </a:r>
-            <a:endParaRPr lang="en-US" sz="1600" b="0" strike="noStrike" spc="-1">
+            <a:endParaRPr lang="en-US" sz="1600" b="0" strike="noStrike" spc="-1" dirty="0">
               <a:solidFill>
                 <a:srgbClr val="FFFFFF"/>
               </a:solidFill>
@@ -5970,7 +5975,7 @@
               <a:buChar char=""/>
             </a:pPr>
             <a:r>
-              <a:rPr lang="en-US" sz="1600" b="0" strike="noStrike" spc="-1">
+              <a:rPr lang="en-US" sz="1600" b="0" strike="noStrike" spc="-1" dirty="0">
                 <a:solidFill>
                   <a:srgbClr val="FFFFFF"/>
                 </a:solidFill>
@@ -5981,9 +5986,50 @@
                 </a:uFill>
                 <a:latin typeface="Century Gothic"/>
               </a:rPr>
-              <a:t>Individual player stats</a:t>
+              <a:t>Individual player </a:t>
             </a:r>
-            <a:endParaRPr lang="en-US" sz="1400" b="0" strike="noStrike" spc="-1">
+            <a:r>
+              <a:rPr lang="en-US" sz="1600" b="0" strike="noStrike" spc="-1" dirty="0" smtClean="0">
+                <a:solidFill>
+                  <a:srgbClr val="FFFFFF"/>
+                </a:solidFill>
+                <a:uFill>
+                  <a:solidFill>
+                    <a:srgbClr val="FFFFFF"/>
+                  </a:solidFill>
+                </a:uFill>
+                <a:latin typeface="Century Gothic"/>
+              </a:rPr>
+              <a:t>stats</a:t>
+            </a:r>
+          </a:p>
+          <a:p>
+            <a:pPr marL="1143000" lvl="2" indent="-228240">
+              <a:lnSpc>
+                <a:spcPct val="100000"/>
+              </a:lnSpc>
+              <a:buClr>
+                <a:srgbClr val="8AD0D6"/>
+              </a:buClr>
+              <a:buSzPct val="80000"/>
+              <a:buFont typeface="Wingdings 3" charset="2"/>
+              <a:buChar char=""/>
+            </a:pPr>
+            <a:r>
+              <a:rPr lang="en-US" sz="1600" spc="-1" dirty="0" smtClean="0">
+                <a:solidFill>
+                  <a:srgbClr val="FFFFFF"/>
+                </a:solidFill>
+                <a:uFill>
+                  <a:solidFill>
+                    <a:srgbClr val="FFFFFF"/>
+                  </a:solidFill>
+                </a:uFill>
+                <a:latin typeface="Century Gothic"/>
+              </a:rPr>
+              <a:t>Excel files ready for download</a:t>
+            </a:r>
+            <a:endParaRPr lang="en-US" sz="1400" b="0" strike="noStrike" spc="-1" dirty="0">
               <a:solidFill>
                 <a:srgbClr val="FFFFFF"/>
               </a:solidFill>
@@ -6008,7 +6054,7 @@
               <a:buChar char=""/>
             </a:pPr>
             <a:r>
-              <a:rPr lang="en-US" sz="1800" b="0" strike="noStrike" spc="-1">
+              <a:rPr lang="en-US" sz="1800" b="0" strike="noStrike" spc="-1" dirty="0">
                 <a:solidFill>
                   <a:srgbClr val="FFFFFF"/>
                 </a:solidFill>
@@ -6021,7 +6067,7 @@
               </a:rPr>
               <a:t>ESPN College Football High School Recruits</a:t>
             </a:r>
-            <a:endParaRPr lang="en-US" sz="1600" b="0" strike="noStrike" spc="-1">
+            <a:endParaRPr lang="en-US" sz="1600" b="0" strike="noStrike" spc="-1" dirty="0">
               <a:solidFill>
                 <a:srgbClr val="FFFFFF"/>
               </a:solidFill>
@@ -6046,7 +6092,7 @@
               <a:buChar char=""/>
             </a:pPr>
             <a:r>
-              <a:rPr lang="en-US" sz="1600" b="0" strike="noStrike" spc="-1">
+              <a:rPr lang="en-US" sz="1600" b="0" strike="noStrike" spc="-1" dirty="0">
                 <a:solidFill>
                   <a:srgbClr val="FFFFFF"/>
                 </a:solidFill>
@@ -6057,9 +6103,50 @@
                 </a:uFill>
                 <a:latin typeface="Century Gothic"/>
               </a:rPr>
-              <a:t>Individual high school grades</a:t>
+              <a:t>Individual high school </a:t>
             </a:r>
-            <a:endParaRPr lang="en-US" sz="1400" b="0" strike="noStrike" spc="-1">
+            <a:r>
+              <a:rPr lang="en-US" sz="1600" b="0" strike="noStrike" spc="-1" dirty="0" smtClean="0">
+                <a:solidFill>
+                  <a:srgbClr val="FFFFFF"/>
+                </a:solidFill>
+                <a:uFill>
+                  <a:solidFill>
+                    <a:srgbClr val="FFFFFF"/>
+                  </a:solidFill>
+                </a:uFill>
+                <a:latin typeface="Century Gothic"/>
+              </a:rPr>
+              <a:t>grades</a:t>
+            </a:r>
+          </a:p>
+          <a:p>
+            <a:pPr marL="1143000" lvl="2" indent="-228240">
+              <a:lnSpc>
+                <a:spcPct val="100000"/>
+              </a:lnSpc>
+              <a:buClr>
+                <a:srgbClr val="8AD0D6"/>
+              </a:buClr>
+              <a:buSzPct val="80000"/>
+              <a:buFont typeface="Wingdings 3" charset="2"/>
+              <a:buChar char=""/>
+            </a:pPr>
+            <a:r>
+              <a:rPr lang="en-US" sz="1600" spc="-1" dirty="0" smtClean="0">
+                <a:solidFill>
+                  <a:srgbClr val="FFFFFF"/>
+                </a:solidFill>
+                <a:uFill>
+                  <a:solidFill>
+                    <a:srgbClr val="FFFFFF"/>
+                  </a:solidFill>
+                </a:uFill>
+                <a:latin typeface="Century Gothic"/>
+              </a:rPr>
+              <a:t>HTML Tables</a:t>
+            </a:r>
+            <a:endParaRPr lang="en-US" sz="1400" b="0" strike="noStrike" spc="-1" dirty="0">
               <a:solidFill>
                 <a:srgbClr val="FFFFFF"/>
               </a:solidFill>
@@ -6084,7 +6171,7 @@
               <a:buChar char=""/>
             </a:pPr>
             <a:r>
-              <a:rPr lang="en-US" sz="2000" b="0" strike="noStrike" spc="-1">
+              <a:rPr lang="en-US" sz="2000" b="0" strike="noStrike" spc="-1" dirty="0">
                 <a:solidFill>
                   <a:srgbClr val="FFFFFF"/>
                 </a:solidFill>
@@ -6111,7 +6198,7 @@
               <a:buChar char=""/>
             </a:pPr>
             <a:r>
-              <a:rPr lang="en-US" sz="1800" b="0" strike="noStrike" spc="-1">
+              <a:rPr lang="en-US" sz="1800" b="0" strike="noStrike" spc="-1" dirty="0">
                 <a:solidFill>
                   <a:srgbClr val="FFFFFF"/>
                 </a:solidFill>
@@ -6124,7 +6211,7 @@
               </a:rPr>
               <a:t>Multiple CSVs with relevant information generated per year</a:t>
             </a:r>
-            <a:endParaRPr lang="en-US" sz="1600" b="0" strike="noStrike" spc="-1">
+            <a:endParaRPr lang="en-US" sz="1600" b="0" strike="noStrike" spc="-1" dirty="0">
               <a:solidFill>
                 <a:srgbClr val="FFFFFF"/>
               </a:solidFill>
